--- a/Slides/M3 Integrating Touch.pptx
+++ b/Slides/M3 Integrating Touch.pptx
@@ -259,7 +259,7 @@
           <a:p>
             <a:fld id="{312E7B4A-039C-48A2-9B2C-AF16AA3873D8}" type="datetimeFigureOut">
               <a:rPr lang="en-US" smtClean="0"/>
-              <a:t>10/3/2014</a:t>
+              <a:t>10/13/2014</a:t>
             </a:fld>
             <a:endParaRPr lang="en-US"/>
           </a:p>
@@ -424,7 +424,7 @@
           <a:p>
             <a:fld id="{DA005A0C-54D9-45AA-87D4-C551D08DFCE1}" type="datetimeFigureOut">
               <a:rPr lang="en-US" smtClean="0"/>
-              <a:t>10/3/2014</a:t>
+              <a:t>10/13/2014</a:t>
             </a:fld>
             <a:endParaRPr lang="en-US"/>
           </a:p>
@@ -5575,12 +5575,12 @@
   <p:extLst mod="1">
     <p:ext uri="{DCECCB84-F9BA-43D5-87BE-67443E8EF086}">
       <p15:sldGuideLst xmlns:p15="http://schemas.microsoft.com/office/powerpoint/2012/main">
-        <p15:guide id="4294967295" orient="horz" pos="2160">
+        <p15:guide id="1" orient="horz" pos="2160">
           <p15:clr>
             <a:srgbClr val="FBAE40"/>
           </p15:clr>
         </p15:guide>
-        <p15:guide id="4294967295" pos="3840">
+        <p15:guide id="2" pos="3840">
           <p15:clr>
             <a:srgbClr val="FBAE40"/>
           </p15:clr>
@@ -6313,7 +6313,15 @@
           <a:p>
             <a:r>
               <a:rPr lang="en-US" dirty="0"/>
-              <a:t>Christopher Harrison</a:t>
+              <a:t>Christopher </a:t>
+            </a:r>
+            <a:r>
+              <a:rPr lang="en-US" dirty="0" smtClean="0"/>
+              <a:t>Harrison | @</a:t>
+            </a:r>
+            <a:r>
+              <a:rPr lang="en-US" dirty="0" err="1" smtClean="0"/>
+              <a:t>GeekTrainer</a:t>
             </a:r>
             <a:endParaRPr lang="en-US" dirty="0">
               <a:solidFill>
@@ -6324,7 +6332,15 @@
           <a:p>
             <a:r>
               <a:rPr lang="en-US" dirty="0" smtClean="0"/>
-              <a:t>Jeremy Foster</a:t>
+              <a:t>Jeremy </a:t>
+            </a:r>
+            <a:r>
+              <a:rPr lang="en-US" dirty="0" smtClean="0"/>
+              <a:t>Foster | </a:t>
+            </a:r>
+            <a:r>
+              <a:rPr lang="en-US" smtClean="0"/>
+              <a:t>@codefoster</a:t>
             </a:r>
             <a:endParaRPr lang="en-US" dirty="0" smtClean="0"/>
           </a:p>
@@ -6351,7 +6367,11 @@
           <a:p>
             <a:r>
               <a:rPr lang="en-US" sz="4000" dirty="0" smtClean="0"/>
-              <a:t>Integrating Touch</a:t>
+              <a:t>03 | Integrating </a:t>
+            </a:r>
+            <a:r>
+              <a:rPr lang="en-US" sz="4000" dirty="0" smtClean="0"/>
+              <a:t>Touch</a:t>
             </a:r>
             <a:endParaRPr lang="en-US" sz="4000" dirty="0"/>
           </a:p>
@@ -9119,12 +9139,16 @@
           </p:cNvGraphicFramePr>
           <p:nvPr>
             <p:ph sz="quarter" idx="10"/>
-            <p:extLst/>
+            <p:extLst>
+              <p:ext uri="{D42A27DB-BD31-4B8C-83A1-F6EECF244321}">
+                <p14:modId xmlns:p14="http://schemas.microsoft.com/office/powerpoint/2010/main" val="4259191566"/>
+              </p:ext>
+            </p:extLst>
           </p:nvPr>
         </p:nvGraphicFramePr>
         <p:xfrm>
           <a:off x="379413" y="1387475"/>
-          <a:ext cx="11525250" cy="5291138"/>
+          <a:ext cx="11525250" cy="3838160"/>
         </p:xfrm>
         <a:graphic>
           <a:graphicData uri="http://schemas.openxmlformats.org/drawingml/2006/table">
@@ -9136,14 +9160,14 @@
                 <a:gridCol w="5762625">
                   <a:extLst>
                     <a:ext uri="{9D8B030D-6E8A-4147-A177-3AD203B41FA5}">
-                      <a16:colId xmlns:a16="http://schemas.microsoft.com/office/drawing/2014/main" xmlns="" val="1632794655"/>
+                      <a16:colId xmlns="" xmlns:a16="http://schemas.microsoft.com/office/drawing/2014/main" val="1632794655"/>
                     </a:ext>
                   </a:extLst>
                 </a:gridCol>
                 <a:gridCol w="5762625">
                   <a:extLst>
                     <a:ext uri="{9D8B030D-6E8A-4147-A177-3AD203B41FA5}">
-                      <a16:colId xmlns:a16="http://schemas.microsoft.com/office/drawing/2014/main" xmlns="" val="2011313899"/>
+                      <a16:colId xmlns="" xmlns:a16="http://schemas.microsoft.com/office/drawing/2014/main" val="2011313899"/>
                     </a:ext>
                   </a:extLst>
                 </a:gridCol>
@@ -9181,7 +9205,7 @@
                 </a:tc>
                 <a:extLst>
                   <a:ext uri="{0D108BD9-81ED-4DB2-BD59-A6C34878D82A}">
-                    <a16:rowId xmlns:a16="http://schemas.microsoft.com/office/drawing/2014/main" xmlns="" val="1789177411"/>
+                    <a16:rowId xmlns="" xmlns:a16="http://schemas.microsoft.com/office/drawing/2014/main" val="1789177411"/>
                   </a:ext>
                 </a:extLst>
               </a:tr>
@@ -9242,7 +9266,7 @@
                 </a:tc>
                 <a:extLst>
                   <a:ext uri="{0D108BD9-81ED-4DB2-BD59-A6C34878D82A}">
-                    <a16:rowId xmlns:a16="http://schemas.microsoft.com/office/drawing/2014/main" xmlns="" val="3842815335"/>
+                    <a16:rowId xmlns="" xmlns:a16="http://schemas.microsoft.com/office/drawing/2014/main" val="3842815335"/>
                   </a:ext>
                 </a:extLst>
               </a:tr>
@@ -9289,7 +9313,7 @@
                 </a:tc>
                 <a:extLst>
                   <a:ext uri="{0D108BD9-81ED-4DB2-BD59-A6C34878D82A}">
-                    <a16:rowId xmlns:a16="http://schemas.microsoft.com/office/drawing/2014/main" xmlns="" val="321066646"/>
+                    <a16:rowId xmlns="" xmlns:a16="http://schemas.microsoft.com/office/drawing/2014/main" val="321066646"/>
                   </a:ext>
                 </a:extLst>
               </a:tr>
@@ -9360,7 +9384,7 @@
                 </a:tc>
                 <a:extLst>
                   <a:ext uri="{0D108BD9-81ED-4DB2-BD59-A6C34878D82A}">
-                    <a16:rowId xmlns:a16="http://schemas.microsoft.com/office/drawing/2014/main" xmlns="" val="3812060533"/>
+                    <a16:rowId xmlns="" xmlns:a16="http://schemas.microsoft.com/office/drawing/2014/main" val="3812060533"/>
                   </a:ext>
                 </a:extLst>
               </a:tr>
@@ -9392,7 +9416,21 @@
                           <a:latin typeface="Segoe UI Light" panose="020B0502040204020203" pitchFamily="34" charset="0"/>
                           <a:cs typeface="Segoe UI Light" panose="020B0502040204020203" pitchFamily="34" charset="0"/>
                         </a:rPr>
-                        <a:t>04 | Setting up the</a:t>
+                        <a:t>04 | Setting </a:t>
+                      </a:r>
+                      <a:r>
+                        <a:rPr lang="en-US" sz="2400" dirty="0" smtClean="0">
+                          <a:latin typeface="Segoe UI Light" panose="020B0502040204020203" pitchFamily="34" charset="0"/>
+                          <a:cs typeface="Segoe UI Light" panose="020B0502040204020203" pitchFamily="34" charset="0"/>
+                        </a:rPr>
+                        <a:t>Up </a:t>
+                      </a:r>
+                      <a:r>
+                        <a:rPr lang="en-US" sz="2400" dirty="0" smtClean="0">
+                          <a:latin typeface="Segoe UI Light" panose="020B0502040204020203" pitchFamily="34" charset="0"/>
+                          <a:cs typeface="Segoe UI Light" panose="020B0502040204020203" pitchFamily="34" charset="0"/>
+                        </a:rPr>
+                        <a:t>the</a:t>
                       </a:r>
                       <a:r>
                         <a:rPr lang="en-US" sz="2400" baseline="0" dirty="0" smtClean="0">
@@ -12877,15 +12915,6 @@
 </file>
 
 <file path=customXml/item1.xml><?xml version="1.0" encoding="utf-8"?>
-<?mso-contentType ?>
-<FormTemplates xmlns="http://schemas.microsoft.com/sharepoint/v3/contenttype/forms">
-  <Display>DocumentLibraryForm</Display>
-  <Edit>DocumentLibraryForm</Edit>
-  <New>DocumentLibraryForm</New>
-</FormTemplates>
-</file>
-
-<file path=customXml/item2.xml><?xml version="1.0" encoding="utf-8"?>
 <ct:contentTypeSchema xmlns:ct="http://schemas.microsoft.com/office/2006/metadata/contentType" xmlns:ma="http://schemas.microsoft.com/office/2006/metadata/properties/metaAttributes" ct:_="" ma:_="" ma:contentTypeName="Document" ma:contentTypeID="0x010100CF3CFFA86DA93345A891C3CCBC738F63" ma:contentTypeVersion="1" ma:contentTypeDescription="Create a new document." ma:contentTypeScope="" ma:versionID="060e45d69093970729cdde03e78aa3cc">
   <xsd:schema xmlns:xsd="http://www.w3.org/2001/XMLSchema" xmlns:xs="http://www.w3.org/2001/XMLSchema" xmlns:p="http://schemas.microsoft.com/office/2006/metadata/properties" xmlns:ns3="ecd1fa32-ae44-48d6-80a1-71a52da60b4a" targetNamespace="http://schemas.microsoft.com/office/2006/metadata/properties" ma:root="true" ma:fieldsID="2fc9741b54117334ed0e10932dac3600" ns3:_="">
     <xsd:import namespace="ecd1fa32-ae44-48d6-80a1-71a52da60b4a"/>
@@ -13025,6 +13054,15 @@
 </ct:contentTypeSchema>
 </file>
 
+<file path=customXml/item2.xml><?xml version="1.0" encoding="utf-8"?>
+<?mso-contentType ?>
+<FormTemplates xmlns="http://schemas.microsoft.com/sharepoint/v3/contenttype/forms">
+  <Display>DocumentLibraryForm</Display>
+  <Edit>DocumentLibraryForm</Edit>
+  <New>DocumentLibraryForm</New>
+</FormTemplates>
+</file>
+
 <file path=customXml/item3.xml><?xml version="1.0" encoding="utf-8"?>
 <p:properties xmlns:p="http://schemas.microsoft.com/office/2006/metadata/properties" xmlns:xsi="http://www.w3.org/2001/XMLSchema-instance" xmlns:pc="http://schemas.microsoft.com/office/infopath/2007/PartnerControls">
   <documentManagement/>
@@ -13032,14 +13070,6 @@
 </file>
 
 <file path=customXml/itemProps1.xml><?xml version="1.0" encoding="utf-8"?>
-<ds:datastoreItem xmlns:ds="http://schemas.openxmlformats.org/officeDocument/2006/customXml" ds:itemID="{B0CA13EC-1D3C-4D6F-8D1C-E8A452CFC79A}">
-  <ds:schemaRefs>
-    <ds:schemaRef ds:uri="http://schemas.microsoft.com/sharepoint/v3/contenttype/forms"/>
-  </ds:schemaRefs>
-</ds:datastoreItem>
-</file>
-
-<file path=customXml/itemProps2.xml><?xml version="1.0" encoding="utf-8"?>
 <ds:datastoreItem xmlns:ds="http://schemas.openxmlformats.org/officeDocument/2006/customXml" ds:itemID="{A545FFDC-6555-4FAD-8A13-72F96FEB882E}">
   <ds:schemaRefs>
     <ds:schemaRef ds:uri="http://schemas.microsoft.com/office/2006/metadata/contentType"/>
@@ -13053,6 +13083,14 @@
     <ds:schemaRef ds:uri="http://purl.org/dc/elements/1.1/"/>
     <ds:schemaRef ds:uri="http://purl.org/dc/terms/"/>
     <ds:schemaRef ds:uri="http://schemas.microsoft.com/internal/obd"/>
+  </ds:schemaRefs>
+</ds:datastoreItem>
+</file>
+
+<file path=customXml/itemProps2.xml><?xml version="1.0" encoding="utf-8"?>
+<ds:datastoreItem xmlns:ds="http://schemas.openxmlformats.org/officeDocument/2006/customXml" ds:itemID="{B0CA13EC-1D3C-4D6F-8D1C-E8A452CFC79A}">
+  <ds:schemaRefs>
+    <ds:schemaRef ds:uri="http://schemas.microsoft.com/sharepoint/v3/contenttype/forms"/>
   </ds:schemaRefs>
 </ds:datastoreItem>
 </file>

--- a/Slides/M3 Integrating Touch.pptx
+++ b/Slides/M3 Integrating Touch.pptx
@@ -6,10 +6,10 @@
     <p:sldMasterId id="2147483674" r:id="rId5"/>
   </p:sldMasterIdLst>
   <p:notesMasterIdLst>
-    <p:notesMasterId r:id="rId26"/>
+    <p:notesMasterId r:id="rId25"/>
   </p:notesMasterIdLst>
   <p:handoutMasterIdLst>
-    <p:handoutMasterId r:id="rId27"/>
+    <p:handoutMasterId r:id="rId26"/>
   </p:handoutMasterIdLst>
   <p:sldIdLst>
     <p:sldId id="460" r:id="rId6"/>
@@ -30,8 +30,7 @@
     <p:sldId id="474" r:id="rId21"/>
     <p:sldId id="475" r:id="rId22"/>
     <p:sldId id="476" r:id="rId23"/>
-    <p:sldId id="477" r:id="rId24"/>
-    <p:sldId id="269" r:id="rId25"/>
+    <p:sldId id="269" r:id="rId24"/>
   </p:sldIdLst>
   <p:sldSz cx="12192000" cy="6858000"/>
   <p:notesSz cx="6858000" cy="9144000"/>
@@ -157,7 +156,6 @@
             <p14:sldId id="474"/>
             <p14:sldId id="475"/>
             <p14:sldId id="476"/>
-            <p14:sldId id="477"/>
           </p14:sldIdLst>
         </p14:section>
         <p14:section name="End" id="{E17367C9-8ACE-479F-BE70-706EA28440B9}">
@@ -259,7 +257,7 @@
           <a:p>
             <a:fld id="{312E7B4A-039C-48A2-9B2C-AF16AA3873D8}" type="datetimeFigureOut">
               <a:rPr lang="en-US" smtClean="0"/>
-              <a:t>10/13/2014</a:t>
+              <a:t>10/21/2014</a:t>
             </a:fld>
             <a:endParaRPr lang="en-US"/>
           </a:p>
@@ -424,7 +422,7 @@
           <a:p>
             <a:fld id="{DA005A0C-54D9-45AA-87D4-C551D08DFCE1}" type="datetimeFigureOut">
               <a:rPr lang="en-US" smtClean="0"/>
-              <a:t>10/13/2014</a:t>
+              <a:t>10/21/2014</a:t>
             </a:fld>
             <a:endParaRPr lang="en-US"/>
           </a:p>
@@ -6332,11 +6330,7 @@
           <a:p>
             <a:r>
               <a:rPr lang="en-US" dirty="0" smtClean="0"/>
-              <a:t>Jeremy </a:t>
-            </a:r>
-            <a:r>
-              <a:rPr lang="en-US" dirty="0" smtClean="0"/>
-              <a:t>Foster | </a:t>
+              <a:t>Jeremy Foster | </a:t>
             </a:r>
             <a:r>
               <a:rPr lang="en-US" smtClean="0"/>
@@ -6367,11 +6361,7 @@
           <a:p>
             <a:r>
               <a:rPr lang="en-US" sz="4000" dirty="0" smtClean="0"/>
-              <a:t>03 | Integrating </a:t>
-            </a:r>
-            <a:r>
-              <a:rPr lang="en-US" sz="4000" dirty="0" smtClean="0"/>
-              <a:t>Touch</a:t>
+              <a:t>03 | Integrating Touch</a:t>
             </a:r>
             <a:endParaRPr lang="en-US" sz="4000" dirty="0"/>
           </a:p>
@@ -9045,33 +9035,10 @@
           <a:chExt cx="0" cy="0"/>
         </a:xfrm>
       </p:grpSpPr>
-      <p:sp>
-        <p:nvSpPr>
-          <p:cNvPr id="2" name="Title 1"/>
-          <p:cNvSpPr>
-            <a:spLocks noGrp="1"/>
-          </p:cNvSpPr>
-          <p:nvPr>
-            <p:ph type="title"/>
-          </p:nvPr>
-        </p:nvSpPr>
-        <p:spPr/>
-        <p:txBody>
-          <a:bodyPr/>
-          <a:lstStyle/>
-          <a:p>
-            <a:r>
-              <a:rPr lang="en-US" dirty="0" smtClean="0"/>
-              <a:t>Hammer.js in app</a:t>
-            </a:r>
-            <a:endParaRPr lang="en-US" dirty="0"/>
-          </a:p>
-        </p:txBody>
-      </p:sp>
     </p:spTree>
     <p:extLst>
       <p:ext uri="{BB962C8B-B14F-4D97-AF65-F5344CB8AC3E}">
-        <p14:creationId xmlns:p14="http://schemas.microsoft.com/office/powerpoint/2010/main" val="3332973683"/>
+        <p14:creationId xmlns:p14="http://schemas.microsoft.com/office/powerpoint/2010/main" val="898363405"/>
       </p:ext>
     </p:extLst>
   </p:cSld>
@@ -9160,14 +9127,14 @@
                 <a:gridCol w="5762625">
                   <a:extLst>
                     <a:ext uri="{9D8B030D-6E8A-4147-A177-3AD203B41FA5}">
-                      <a16:colId xmlns="" xmlns:a16="http://schemas.microsoft.com/office/drawing/2014/main" val="1632794655"/>
+                      <a16:colId xmlns:a16="http://schemas.microsoft.com/office/drawing/2014/main" xmlns="" val="1632794655"/>
                     </a:ext>
                   </a:extLst>
                 </a:gridCol>
                 <a:gridCol w="5762625">
                   <a:extLst>
                     <a:ext uri="{9D8B030D-6E8A-4147-A177-3AD203B41FA5}">
-                      <a16:colId xmlns="" xmlns:a16="http://schemas.microsoft.com/office/drawing/2014/main" val="2011313899"/>
+                      <a16:colId xmlns:a16="http://schemas.microsoft.com/office/drawing/2014/main" xmlns="" val="2011313899"/>
                     </a:ext>
                   </a:extLst>
                 </a:gridCol>
@@ -9205,7 +9172,7 @@
                 </a:tc>
                 <a:extLst>
                   <a:ext uri="{0D108BD9-81ED-4DB2-BD59-A6C34878D82A}">
-                    <a16:rowId xmlns="" xmlns:a16="http://schemas.microsoft.com/office/drawing/2014/main" val="1789177411"/>
+                    <a16:rowId xmlns:a16="http://schemas.microsoft.com/office/drawing/2014/main" xmlns="" val="1789177411"/>
                   </a:ext>
                 </a:extLst>
               </a:tr>
@@ -9266,7 +9233,7 @@
                 </a:tc>
                 <a:extLst>
                   <a:ext uri="{0D108BD9-81ED-4DB2-BD59-A6C34878D82A}">
-                    <a16:rowId xmlns="" xmlns:a16="http://schemas.microsoft.com/office/drawing/2014/main" val="3842815335"/>
+                    <a16:rowId xmlns:a16="http://schemas.microsoft.com/office/drawing/2014/main" xmlns="" val="3842815335"/>
                   </a:ext>
                 </a:extLst>
               </a:tr>
@@ -9313,7 +9280,7 @@
                 </a:tc>
                 <a:extLst>
                   <a:ext uri="{0D108BD9-81ED-4DB2-BD59-A6C34878D82A}">
-                    <a16:rowId xmlns="" xmlns:a16="http://schemas.microsoft.com/office/drawing/2014/main" val="321066646"/>
+                    <a16:rowId xmlns:a16="http://schemas.microsoft.com/office/drawing/2014/main" xmlns="" val="321066646"/>
                   </a:ext>
                 </a:extLst>
               </a:tr>
@@ -9384,7 +9351,7 @@
                 </a:tc>
                 <a:extLst>
                   <a:ext uri="{0D108BD9-81ED-4DB2-BD59-A6C34878D82A}">
-                    <a16:rowId xmlns="" xmlns:a16="http://schemas.microsoft.com/office/drawing/2014/main" val="3812060533"/>
+                    <a16:rowId xmlns:a16="http://schemas.microsoft.com/office/drawing/2014/main" xmlns="" val="3812060533"/>
                   </a:ext>
                 </a:extLst>
               </a:tr>
@@ -9416,21 +9383,7 @@
                           <a:latin typeface="Segoe UI Light" panose="020B0502040204020203" pitchFamily="34" charset="0"/>
                           <a:cs typeface="Segoe UI Light" panose="020B0502040204020203" pitchFamily="34" charset="0"/>
                         </a:rPr>
-                        <a:t>04 | Setting </a:t>
-                      </a:r>
-                      <a:r>
-                        <a:rPr lang="en-US" sz="2400" dirty="0" smtClean="0">
-                          <a:latin typeface="Segoe UI Light" panose="020B0502040204020203" pitchFamily="34" charset="0"/>
-                          <a:cs typeface="Segoe UI Light" panose="020B0502040204020203" pitchFamily="34" charset="0"/>
-                        </a:rPr>
-                        <a:t>Up </a:t>
-                      </a:r>
-                      <a:r>
-                        <a:rPr lang="en-US" sz="2400" dirty="0" smtClean="0">
-                          <a:latin typeface="Segoe UI Light" panose="020B0502040204020203" pitchFamily="34" charset="0"/>
-                          <a:cs typeface="Segoe UI Light" panose="020B0502040204020203" pitchFamily="34" charset="0"/>
-                        </a:rPr>
-                        <a:t>the</a:t>
+                        <a:t>04 | Setting Up the</a:t>
                       </a:r>
                       <a:r>
                         <a:rPr lang="en-US" sz="2400" baseline="0" dirty="0" smtClean="0">
@@ -9490,36 +9443,6 @@
       </p:par>
     </p:tnLst>
   </p:timing>
-</p:sld>
-</file>
-
-<file path=ppt/slides/slide20.xml><?xml version="1.0" encoding="utf-8"?>
-<p:sld xmlns:a="http://schemas.openxmlformats.org/drawingml/2006/main" xmlns:r="http://schemas.openxmlformats.org/officeDocument/2006/relationships" xmlns:p="http://schemas.openxmlformats.org/presentationml/2006/main">
-  <p:cSld>
-    <p:spTree>
-      <p:nvGrpSpPr>
-        <p:cNvPr id="1" name=""/>
-        <p:cNvGrpSpPr/>
-        <p:nvPr/>
-      </p:nvGrpSpPr>
-      <p:grpSpPr>
-        <a:xfrm>
-          <a:off x="0" y="0"/>
-          <a:ext cx="0" cy="0"/>
-          <a:chOff x="0" y="0"/>
-          <a:chExt cx="0" cy="0"/>
-        </a:xfrm>
-      </p:grpSpPr>
-    </p:spTree>
-    <p:extLst>
-      <p:ext uri="{BB962C8B-B14F-4D97-AF65-F5344CB8AC3E}">
-        <p14:creationId xmlns:p14="http://schemas.microsoft.com/office/powerpoint/2010/main" val="898363405"/>
-      </p:ext>
-    </p:extLst>
-  </p:cSld>
-  <p:clrMapOvr>
-    <a:masterClrMapping/>
-  </p:clrMapOvr>
 </p:sld>
 </file>
 
@@ -10132,8 +10055,12 @@
           </a:p>
           <a:p>
             <a:r>
+              <a:rPr lang="en-US" dirty="0" err="1"/>
+              <a:t>t</a:t>
+            </a:r>
+            <a:r>
               <a:rPr lang="en-US" dirty="0" err="1" smtClean="0"/>
-              <a:t>Touchcancel</a:t>
+              <a:t>ouchcancel</a:t>
             </a:r>
             <a:endParaRPr lang="en-US" dirty="0"/>
           </a:p>
@@ -12915,6 +12842,21 @@
 </file>
 
 <file path=customXml/item1.xml><?xml version="1.0" encoding="utf-8"?>
+<p:properties xmlns:p="http://schemas.microsoft.com/office/2006/metadata/properties" xmlns:xsi="http://www.w3.org/2001/XMLSchema-instance" xmlns:pc="http://schemas.microsoft.com/office/infopath/2007/PartnerControls">
+  <documentManagement/>
+</p:properties>
+</file>
+
+<file path=customXml/item2.xml><?xml version="1.0" encoding="utf-8"?>
+<?mso-contentType ?>
+<FormTemplates xmlns="http://schemas.microsoft.com/sharepoint/v3/contenttype/forms">
+  <Display>DocumentLibraryForm</Display>
+  <Edit>DocumentLibraryForm</Edit>
+  <New>DocumentLibraryForm</New>
+</FormTemplates>
+</file>
+
+<file path=customXml/item3.xml><?xml version="1.0" encoding="utf-8"?>
 <ct:contentTypeSchema xmlns:ct="http://schemas.microsoft.com/office/2006/metadata/contentType" xmlns:ma="http://schemas.microsoft.com/office/2006/metadata/properties/metaAttributes" ct:_="" ma:_="" ma:contentTypeName="Document" ma:contentTypeID="0x010100CF3CFFA86DA93345A891C3CCBC738F63" ma:contentTypeVersion="1" ma:contentTypeDescription="Create a new document." ma:contentTypeScope="" ma:versionID="060e45d69093970729cdde03e78aa3cc">
   <xsd:schema xmlns:xsd="http://www.w3.org/2001/XMLSchema" xmlns:xs="http://www.w3.org/2001/XMLSchema" xmlns:p="http://schemas.microsoft.com/office/2006/metadata/properties" xmlns:ns3="ecd1fa32-ae44-48d6-80a1-71a52da60b4a" targetNamespace="http://schemas.microsoft.com/office/2006/metadata/properties" ma:root="true" ma:fieldsID="2fc9741b54117334ed0e10932dac3600" ns3:_="">
     <xsd:import namespace="ecd1fa32-ae44-48d6-80a1-71a52da60b4a"/>
@@ -13054,22 +12996,31 @@
 </ct:contentTypeSchema>
 </file>
 
-<file path=customXml/item2.xml><?xml version="1.0" encoding="utf-8"?>
-<?mso-contentType ?>
-<FormTemplates xmlns="http://schemas.microsoft.com/sharepoint/v3/contenttype/forms">
-  <Display>DocumentLibraryForm</Display>
-  <Edit>DocumentLibraryForm</Edit>
-  <New>DocumentLibraryForm</New>
-</FormTemplates>
+<file path=customXml/itemProps1.xml><?xml version="1.0" encoding="utf-8"?>
+<ds:datastoreItem xmlns:ds="http://schemas.openxmlformats.org/officeDocument/2006/customXml" ds:itemID="{7025FDD9-4C58-4084-9F89-0E6ADD6FFF55}">
+  <ds:schemaRefs>
+    <ds:schemaRef ds:uri="http://schemas.microsoft.com/office/2006/documentManagement/types"/>
+    <ds:schemaRef ds:uri="http://schemas.microsoft.com/office/infopath/2007/PartnerControls"/>
+    <ds:schemaRef ds:uri="ecd1fa32-ae44-48d6-80a1-71a52da60b4a"/>
+    <ds:schemaRef ds:uri="http://purl.org/dc/elements/1.1/"/>
+    <ds:schemaRef ds:uri="http://schemas.microsoft.com/office/2006/metadata/properties"/>
+    <ds:schemaRef ds:uri="http://purl.org/dc/terms/"/>
+    <ds:schemaRef ds:uri="http://schemas.openxmlformats.org/package/2006/metadata/core-properties"/>
+    <ds:schemaRef ds:uri="http://www.w3.org/XML/1998/namespace"/>
+    <ds:schemaRef ds:uri="http://purl.org/dc/dcmitype/"/>
+  </ds:schemaRefs>
+</ds:datastoreItem>
 </file>
 
-<file path=customXml/item3.xml><?xml version="1.0" encoding="utf-8"?>
-<p:properties xmlns:p="http://schemas.microsoft.com/office/2006/metadata/properties" xmlns:xsi="http://www.w3.org/2001/XMLSchema-instance" xmlns:pc="http://schemas.microsoft.com/office/infopath/2007/PartnerControls">
-  <documentManagement/>
-</p:properties>
+<file path=customXml/itemProps2.xml><?xml version="1.0" encoding="utf-8"?>
+<ds:datastoreItem xmlns:ds="http://schemas.openxmlformats.org/officeDocument/2006/customXml" ds:itemID="{B0CA13EC-1D3C-4D6F-8D1C-E8A452CFC79A}">
+  <ds:schemaRefs>
+    <ds:schemaRef ds:uri="http://schemas.microsoft.com/sharepoint/v3/contenttype/forms"/>
+  </ds:schemaRefs>
+</ds:datastoreItem>
 </file>
 
-<file path=customXml/itemProps1.xml><?xml version="1.0" encoding="utf-8"?>
+<file path=customXml/itemProps3.xml><?xml version="1.0" encoding="utf-8"?>
 <ds:datastoreItem xmlns:ds="http://schemas.openxmlformats.org/officeDocument/2006/customXml" ds:itemID="{A545FFDC-6555-4FAD-8A13-72F96FEB882E}">
   <ds:schemaRefs>
     <ds:schemaRef ds:uri="http://schemas.microsoft.com/office/2006/metadata/contentType"/>
@@ -13085,28 +13036,4 @@
     <ds:schemaRef ds:uri="http://schemas.microsoft.com/internal/obd"/>
   </ds:schemaRefs>
 </ds:datastoreItem>
-</file>
-
-<file path=customXml/itemProps2.xml><?xml version="1.0" encoding="utf-8"?>
-<ds:datastoreItem xmlns:ds="http://schemas.openxmlformats.org/officeDocument/2006/customXml" ds:itemID="{B0CA13EC-1D3C-4D6F-8D1C-E8A452CFC79A}">
-  <ds:schemaRefs>
-    <ds:schemaRef ds:uri="http://schemas.microsoft.com/sharepoint/v3/contenttype/forms"/>
-  </ds:schemaRefs>
-</ds:datastoreItem>
-</file>
-
-<file path=customXml/itemProps3.xml><?xml version="1.0" encoding="utf-8"?>
-<ds:datastoreItem xmlns:ds="http://schemas.openxmlformats.org/officeDocument/2006/customXml" ds:itemID="{7025FDD9-4C58-4084-9F89-0E6ADD6FFF55}">
-  <ds:schemaRefs>
-    <ds:schemaRef ds:uri="http://schemas.microsoft.com/office/2006/documentManagement/types"/>
-    <ds:schemaRef ds:uri="http://schemas.microsoft.com/office/infopath/2007/PartnerControls"/>
-    <ds:schemaRef ds:uri="ecd1fa32-ae44-48d6-80a1-71a52da60b4a"/>
-    <ds:schemaRef ds:uri="http://purl.org/dc/elements/1.1/"/>
-    <ds:schemaRef ds:uri="http://schemas.microsoft.com/office/2006/metadata/properties"/>
-    <ds:schemaRef ds:uri="http://purl.org/dc/terms/"/>
-    <ds:schemaRef ds:uri="http://schemas.openxmlformats.org/package/2006/metadata/core-properties"/>
-    <ds:schemaRef ds:uri="http://www.w3.org/XML/1998/namespace"/>
-    <ds:schemaRef ds:uri="http://purl.org/dc/dcmitype/"/>
-  </ds:schemaRefs>
-</ds:datastoreItem>
 </file>
--- a/Slides/M3 Integrating Touch.pptx
+++ b/Slides/M3 Integrating Touch.pptx
@@ -6,31 +6,34 @@
     <p:sldMasterId id="2147483674" r:id="rId5"/>
   </p:sldMasterIdLst>
   <p:notesMasterIdLst>
-    <p:notesMasterId r:id="rId25"/>
+    <p:notesMasterId r:id="rId28"/>
   </p:notesMasterIdLst>
   <p:handoutMasterIdLst>
-    <p:handoutMasterId r:id="rId26"/>
+    <p:handoutMasterId r:id="rId29"/>
   </p:handoutMasterIdLst>
   <p:sldIdLst>
     <p:sldId id="460" r:id="rId6"/>
     <p:sldId id="459" r:id="rId7"/>
     <p:sldId id="461" r:id="rId8"/>
-    <p:sldId id="462" r:id="rId9"/>
-    <p:sldId id="463" r:id="rId10"/>
-    <p:sldId id="464" r:id="rId11"/>
-    <p:sldId id="465" r:id="rId12"/>
-    <p:sldId id="466" r:id="rId13"/>
-    <p:sldId id="467" r:id="rId14"/>
-    <p:sldId id="468" r:id="rId15"/>
-    <p:sldId id="469" r:id="rId16"/>
-    <p:sldId id="470" r:id="rId17"/>
-    <p:sldId id="471" r:id="rId18"/>
-    <p:sldId id="472" r:id="rId19"/>
-    <p:sldId id="473" r:id="rId20"/>
-    <p:sldId id="474" r:id="rId21"/>
-    <p:sldId id="475" r:id="rId22"/>
-    <p:sldId id="476" r:id="rId23"/>
-    <p:sldId id="269" r:id="rId24"/>
+    <p:sldId id="477" r:id="rId9"/>
+    <p:sldId id="478" r:id="rId10"/>
+    <p:sldId id="479" r:id="rId11"/>
+    <p:sldId id="462" r:id="rId12"/>
+    <p:sldId id="463" r:id="rId13"/>
+    <p:sldId id="464" r:id="rId14"/>
+    <p:sldId id="465" r:id="rId15"/>
+    <p:sldId id="466" r:id="rId16"/>
+    <p:sldId id="467" r:id="rId17"/>
+    <p:sldId id="468" r:id="rId18"/>
+    <p:sldId id="469" r:id="rId19"/>
+    <p:sldId id="470" r:id="rId20"/>
+    <p:sldId id="471" r:id="rId21"/>
+    <p:sldId id="472" r:id="rId22"/>
+    <p:sldId id="473" r:id="rId23"/>
+    <p:sldId id="474" r:id="rId24"/>
+    <p:sldId id="475" r:id="rId25"/>
+    <p:sldId id="476" r:id="rId26"/>
+    <p:sldId id="269" r:id="rId27"/>
   </p:sldIdLst>
   <p:sldSz cx="12192000" cy="6858000"/>
   <p:notesSz cx="6858000" cy="9144000"/>
@@ -141,6 +144,9 @@
         <p14:section name="Module Slides" id="{2FF5E6E5-1CE0-412A-8CE0-3C6B6C89EC1C}">
           <p14:sldIdLst>
             <p14:sldId id="461"/>
+            <p14:sldId id="477"/>
+            <p14:sldId id="478"/>
+            <p14:sldId id="479"/>
             <p14:sldId id="462"/>
             <p14:sldId id="463"/>
             <p14:sldId id="464"/>
@@ -257,7 +263,7 @@
           <a:p>
             <a:fld id="{312E7B4A-039C-48A2-9B2C-AF16AA3873D8}" type="datetimeFigureOut">
               <a:rPr lang="en-US" smtClean="0"/>
-              <a:t>10/21/2014</a:t>
+              <a:t>10/22/2014</a:t>
             </a:fld>
             <a:endParaRPr lang="en-US"/>
           </a:p>
@@ -422,7 +428,7 @@
           <a:p>
             <a:fld id="{DA005A0C-54D9-45AA-87D4-C551D08DFCE1}" type="datetimeFigureOut">
               <a:rPr lang="en-US" smtClean="0"/>
-              <a:t>10/21/2014</a:t>
+              <a:t>10/22/2014</a:t>
             </a:fld>
             <a:endParaRPr lang="en-US"/>
           </a:p>
@@ -6421,7 +6427,7 @@
           <a:p>
             <a:r>
               <a:rPr lang="en-US" dirty="0" smtClean="0"/>
-              <a:t>Touch information</a:t>
+              <a:t>Touch events</a:t>
             </a:r>
             <a:endParaRPr lang="en-US" dirty="0"/>
           </a:p>
@@ -6443,44 +6449,47 @@
           <a:lstStyle/>
           <a:p>
             <a:r>
-              <a:rPr lang="en-US" dirty="0"/>
-              <a:t>force</a:t>
-            </a:r>
-          </a:p>
-          <a:p>
-            <a:pPr lvl="1"/>
-            <a:r>
-              <a:rPr lang="en-US" dirty="0"/>
-              <a:t>Determine stylus vs </a:t>
-            </a:r>
-            <a:r>
-              <a:rPr lang="en-US" dirty="0" smtClean="0"/>
-              <a:t>finger</a:t>
-            </a:r>
-          </a:p>
-          <a:p>
-            <a:pPr lvl="1"/>
-            <a:r>
-              <a:rPr lang="en-US" dirty="0" smtClean="0"/>
-              <a:t>Scale of 0 to 1</a:t>
-            </a:r>
-            <a:endParaRPr lang="en-US" dirty="0"/>
-          </a:p>
-          <a:p>
-            <a:r>
-              <a:rPr lang="en-US" dirty="0"/>
-              <a:t>target</a:t>
-            </a:r>
-          </a:p>
-          <a:p>
-            <a:pPr lvl="1"/>
-            <a:r>
-              <a:rPr lang="en-US" dirty="0"/>
-              <a:t>Element at the touch </a:t>
-            </a:r>
-            <a:r>
-              <a:rPr lang="en-US" dirty="0" smtClean="0"/>
-              <a:t>point</a:t>
+              <a:rPr lang="en-US" dirty="0" err="1" smtClean="0"/>
+              <a:t>touchstart</a:t>
+            </a:r>
+            <a:endParaRPr lang="en-US" dirty="0" smtClean="0"/>
+          </a:p>
+          <a:p>
+            <a:r>
+              <a:rPr lang="en-US" dirty="0" err="1" smtClean="0"/>
+              <a:t>touchmove</a:t>
+            </a:r>
+            <a:endParaRPr lang="en-US" dirty="0" smtClean="0"/>
+          </a:p>
+          <a:p>
+            <a:r>
+              <a:rPr lang="en-US" dirty="0" err="1" smtClean="0"/>
+              <a:t>touchend</a:t>
+            </a:r>
+            <a:endParaRPr lang="en-US" dirty="0" smtClean="0"/>
+          </a:p>
+          <a:p>
+            <a:r>
+              <a:rPr lang="en-US" dirty="0" err="1" smtClean="0"/>
+              <a:t>touchenter</a:t>
+            </a:r>
+            <a:endParaRPr lang="en-US" dirty="0" smtClean="0"/>
+          </a:p>
+          <a:p>
+            <a:r>
+              <a:rPr lang="en-US" dirty="0" err="1" smtClean="0"/>
+              <a:t>touchleave</a:t>
+            </a:r>
+            <a:endParaRPr lang="en-US" dirty="0" smtClean="0"/>
+          </a:p>
+          <a:p>
+            <a:r>
+              <a:rPr lang="en-US" dirty="0" err="1"/>
+              <a:t>t</a:t>
+            </a:r>
+            <a:r>
+              <a:rPr lang="en-US" dirty="0" err="1" smtClean="0"/>
+              <a:t>ouchcancel</a:t>
             </a:r>
             <a:endParaRPr lang="en-US" dirty="0"/>
           </a:p>
@@ -6489,7 +6498,7 @@
     </p:spTree>
     <p:extLst>
       <p:ext uri="{BB962C8B-B14F-4D97-AF65-F5344CB8AC3E}">
-        <p14:creationId xmlns:p14="http://schemas.microsoft.com/office/powerpoint/2010/main" val="2992434218"/>
+        <p14:creationId xmlns:p14="http://schemas.microsoft.com/office/powerpoint/2010/main" val="3638659762"/>
       </p:ext>
     </p:extLst>
   </p:cSld>
@@ -6525,7 +6534,84 @@
       </p:grpSpPr>
       <p:sp>
         <p:nvSpPr>
-          <p:cNvPr id="4" name="Title 3"/>
+          <p:cNvPr id="3" name="Content Placeholder 2"/>
+          <p:cNvSpPr>
+            <a:spLocks noGrp="1"/>
+          </p:cNvSpPr>
+          <p:nvPr>
+            <p:ph sz="half" idx="2"/>
+          </p:nvPr>
+        </p:nvSpPr>
+        <p:spPr/>
+        <p:txBody>
+          <a:bodyPr/>
+          <a:lstStyle/>
+          <a:p>
+            <a:r>
+              <a:rPr lang="en-US" dirty="0"/>
+              <a:t>touch</a:t>
+            </a:r>
+          </a:p>
+          <a:p>
+            <a:pPr lvl="1"/>
+            <a:r>
+              <a:rPr lang="en-US" dirty="0"/>
+              <a:t>An object currently in contact with the screen</a:t>
+            </a:r>
+          </a:p>
+          <a:p>
+            <a:r>
+              <a:rPr lang="en-US" dirty="0" err="1" smtClean="0"/>
+              <a:t>changedTouch</a:t>
+            </a:r>
+            <a:endParaRPr lang="en-US" dirty="0" smtClean="0"/>
+          </a:p>
+          <a:p>
+            <a:pPr lvl="1"/>
+            <a:r>
+              <a:rPr lang="en-US" dirty="0" smtClean="0"/>
+              <a:t>A touch event</a:t>
+            </a:r>
+          </a:p>
+          <a:p>
+            <a:r>
+              <a:rPr lang="en-US" dirty="0" err="1" smtClean="0"/>
+              <a:t>targetTouch</a:t>
+            </a:r>
+            <a:endParaRPr lang="en-US" dirty="0" smtClean="0"/>
+          </a:p>
+          <a:p>
+            <a:pPr lvl="1"/>
+            <a:r>
+              <a:rPr lang="en-US" dirty="0" smtClean="0"/>
+              <a:t>A touch currently making contact that started and is still in one element</a:t>
+            </a:r>
+            <a:endParaRPr lang="en-US" dirty="0"/>
+          </a:p>
+        </p:txBody>
+      </p:sp>
+      <p:sp>
+        <p:nvSpPr>
+          <p:cNvPr id="6" name="Content Placeholder 5"/>
+          <p:cNvSpPr>
+            <a:spLocks noGrp="1"/>
+          </p:cNvSpPr>
+          <p:nvPr>
+            <p:ph sz="quarter" idx="4"/>
+          </p:nvPr>
+        </p:nvSpPr>
+        <p:spPr/>
+        <p:txBody>
+          <a:bodyPr/>
+          <a:lstStyle/>
+          <a:p>
+            <a:endParaRPr lang="en-US"/>
+          </a:p>
+        </p:txBody>
+      </p:sp>
+      <p:sp>
+        <p:nvSpPr>
+          <p:cNvPr id="2" name="Title 1"/>
           <p:cNvSpPr>
             <a:spLocks noGrp="1"/>
           </p:cNvSpPr>
@@ -6540,16 +6626,140 @@
           <a:p>
             <a:r>
               <a:rPr lang="en-US" dirty="0" smtClean="0"/>
-              <a:t>JavaScript touch events</a:t>
+              <a:t>Touch types</a:t>
             </a:r>
             <a:endParaRPr lang="en-US" dirty="0"/>
+          </a:p>
+        </p:txBody>
+      </p:sp>
+      <p:sp>
+        <p:nvSpPr>
+          <p:cNvPr id="4" name="Rectangle 3"/>
+          <p:cNvSpPr/>
+          <p:nvPr/>
+        </p:nvSpPr>
+        <p:spPr>
+          <a:xfrm>
+            <a:off x="7679184" y="1704513"/>
+            <a:ext cx="2539013" cy="3835154"/>
+          </a:xfrm>
+          <a:prstGeom prst="rect">
+            <a:avLst/>
+          </a:prstGeom>
+        </p:spPr>
+        <p:style>
+          <a:lnRef idx="3">
+            <a:schemeClr val="lt1"/>
+          </a:lnRef>
+          <a:fillRef idx="1">
+            <a:schemeClr val="accent3"/>
+          </a:fillRef>
+          <a:effectRef idx="1">
+            <a:schemeClr val="accent3"/>
+          </a:effectRef>
+          <a:fontRef idx="minor">
+            <a:schemeClr val="lt1"/>
+          </a:fontRef>
+        </p:style>
+        <p:txBody>
+          <a:bodyPr rtlCol="0" anchor="ctr"/>
+          <a:lstStyle/>
+          <a:p>
+            <a:pPr algn="ctr"/>
+            <a:endParaRPr lang="en-US" dirty="0" smtClean="0"/>
+          </a:p>
+          <a:p>
+            <a:pPr algn="ctr"/>
+            <a:endParaRPr lang="en-US" dirty="0"/>
+          </a:p>
+          <a:p>
+            <a:pPr algn="ctr"/>
+            <a:endParaRPr lang="en-US" dirty="0" smtClean="0"/>
+          </a:p>
+          <a:p>
+            <a:pPr algn="ctr"/>
+            <a:endParaRPr lang="en-US" dirty="0"/>
+          </a:p>
+          <a:p>
+            <a:pPr algn="ctr"/>
+            <a:endParaRPr lang="en-US" dirty="0" smtClean="0"/>
+          </a:p>
+          <a:p>
+            <a:pPr algn="ctr"/>
+            <a:endParaRPr lang="en-US" dirty="0"/>
+          </a:p>
+          <a:p>
+            <a:pPr algn="ctr"/>
+            <a:endParaRPr lang="en-US" dirty="0" smtClean="0"/>
+          </a:p>
+          <a:p>
+            <a:pPr algn="ctr"/>
+            <a:endParaRPr lang="en-US" dirty="0"/>
+          </a:p>
+          <a:p>
+            <a:pPr algn="ctr"/>
+            <a:endParaRPr lang="en-US" dirty="0" smtClean="0"/>
+          </a:p>
+          <a:p>
+            <a:pPr algn="ctr"/>
+            <a:endParaRPr lang="en-US" dirty="0"/>
+          </a:p>
+          <a:p>
+            <a:pPr algn="ctr"/>
+            <a:endParaRPr lang="en-US" dirty="0" smtClean="0"/>
+          </a:p>
+          <a:p>
+            <a:pPr algn="ctr"/>
+            <a:r>
+              <a:rPr lang="en-US" dirty="0" smtClean="0"/>
+              <a:t>Image</a:t>
+            </a:r>
+            <a:endParaRPr lang="en-US" dirty="0"/>
+          </a:p>
+        </p:txBody>
+      </p:sp>
+      <p:sp>
+        <p:nvSpPr>
+          <p:cNvPr id="5" name="Oval 4"/>
+          <p:cNvSpPr/>
+          <p:nvPr/>
+        </p:nvSpPr>
+        <p:spPr>
+          <a:xfrm>
+            <a:off x="8078678" y="2095130"/>
+            <a:ext cx="319597" cy="319596"/>
+          </a:xfrm>
+          <a:prstGeom prst="ellipse">
+            <a:avLst/>
+          </a:prstGeom>
+        </p:spPr>
+        <p:style>
+          <a:lnRef idx="0">
+            <a:schemeClr val="accent2"/>
+          </a:lnRef>
+          <a:fillRef idx="3">
+            <a:schemeClr val="accent2"/>
+          </a:fillRef>
+          <a:effectRef idx="3">
+            <a:schemeClr val="accent2"/>
+          </a:effectRef>
+          <a:fontRef idx="minor">
+            <a:schemeClr val="lt1"/>
+          </a:fontRef>
+        </p:style>
+        <p:txBody>
+          <a:bodyPr rtlCol="0" anchor="ctr"/>
+          <a:lstStyle/>
+          <a:p>
+            <a:pPr algn="ctr"/>
+            <a:endParaRPr lang="en-US"/>
           </a:p>
         </p:txBody>
       </p:sp>
     </p:spTree>
     <p:extLst>
       <p:ext uri="{BB962C8B-B14F-4D97-AF65-F5344CB8AC3E}">
-        <p14:creationId xmlns:p14="http://schemas.microsoft.com/office/powerpoint/2010/main" val="1730827594"/>
+        <p14:creationId xmlns:p14="http://schemas.microsoft.com/office/powerpoint/2010/main" val="1387583939"/>
       </p:ext>
     </p:extLst>
   </p:cSld>
@@ -6559,9 +6769,183 @@
   <p:timing>
     <p:tnLst>
       <p:par>
-        <p:cTn id="1" dur="indefinite" restart="never" nodeType="tmRoot"/>
+        <p:cTn id="1" dur="indefinite" restart="never" nodeType="tmRoot">
+          <p:childTnLst>
+            <p:seq concurrent="1" nextAc="seek">
+              <p:cTn id="2" dur="indefinite" nodeType="mainSeq">
+                <p:childTnLst>
+                  <p:par>
+                    <p:cTn id="3" fill="hold">
+                      <p:stCondLst>
+                        <p:cond delay="indefinite"/>
+                      </p:stCondLst>
+                      <p:childTnLst>
+                        <p:par>
+                          <p:cTn id="4" fill="hold">
+                            <p:stCondLst>
+                              <p:cond delay="0"/>
+                            </p:stCondLst>
+                            <p:childTnLst>
+                              <p:par>
+                                <p:cTn id="5" presetID="10" presetClass="exit" presetSubtype="0" fill="hold" grpId="0" nodeType="clickEffect">
+                                  <p:stCondLst>
+                                    <p:cond delay="0"/>
+                                  </p:stCondLst>
+                                  <p:childTnLst>
+                                    <p:animEffect transition="out" filter="fade">
+                                      <p:cBhvr>
+                                        <p:cTn id="6" dur="500"/>
+                                        <p:tgtEl>
+                                          <p:spTgt spid="5"/>
+                                        </p:tgtEl>
+                                      </p:cBhvr>
+                                    </p:animEffect>
+                                    <p:set>
+                                      <p:cBhvr>
+                                        <p:cTn id="7" dur="1" fill="hold">
+                                          <p:stCondLst>
+                                            <p:cond delay="499"/>
+                                          </p:stCondLst>
+                                        </p:cTn>
+                                        <p:tgtEl>
+                                          <p:spTgt spid="5"/>
+                                        </p:tgtEl>
+                                        <p:attrNameLst>
+                                          <p:attrName>style.visibility</p:attrName>
+                                        </p:attrNameLst>
+                                      </p:cBhvr>
+                                      <p:to>
+                                        <p:strVal val="hidden"/>
+                                      </p:to>
+                                    </p:set>
+                                  </p:childTnLst>
+                                </p:cTn>
+                              </p:par>
+                            </p:childTnLst>
+                          </p:cTn>
+                        </p:par>
+                      </p:childTnLst>
+                    </p:cTn>
+                  </p:par>
+                  <p:par>
+                    <p:cTn id="8" fill="hold">
+                      <p:stCondLst>
+                        <p:cond delay="indefinite"/>
+                      </p:stCondLst>
+                      <p:childTnLst>
+                        <p:par>
+                          <p:cTn id="9" fill="hold">
+                            <p:stCondLst>
+                              <p:cond delay="0"/>
+                            </p:stCondLst>
+                            <p:childTnLst>
+                              <p:par>
+                                <p:cTn id="10" presetID="10" presetClass="entr" presetSubtype="0" fill="hold" grpId="1" nodeType="clickEffect">
+                                  <p:stCondLst>
+                                    <p:cond delay="0"/>
+                                  </p:stCondLst>
+                                  <p:childTnLst>
+                                    <p:set>
+                                      <p:cBhvr>
+                                        <p:cTn id="11" dur="1" fill="hold">
+                                          <p:stCondLst>
+                                            <p:cond delay="0"/>
+                                          </p:stCondLst>
+                                        </p:cTn>
+                                        <p:tgtEl>
+                                          <p:spTgt spid="5"/>
+                                        </p:tgtEl>
+                                        <p:attrNameLst>
+                                          <p:attrName>style.visibility</p:attrName>
+                                        </p:attrNameLst>
+                                      </p:cBhvr>
+                                      <p:to>
+                                        <p:strVal val="visible"/>
+                                      </p:to>
+                                    </p:set>
+                                    <p:animEffect transition="in" filter="fade">
+                                      <p:cBhvr>
+                                        <p:cTn id="12" dur="500"/>
+                                        <p:tgtEl>
+                                          <p:spTgt spid="5"/>
+                                        </p:tgtEl>
+                                      </p:cBhvr>
+                                    </p:animEffect>
+                                  </p:childTnLst>
+                                </p:cTn>
+                              </p:par>
+                            </p:childTnLst>
+                          </p:cTn>
+                        </p:par>
+                      </p:childTnLst>
+                    </p:cTn>
+                  </p:par>
+                  <p:par>
+                    <p:cTn id="13" fill="hold">
+                      <p:stCondLst>
+                        <p:cond delay="indefinite"/>
+                      </p:stCondLst>
+                      <p:childTnLst>
+                        <p:par>
+                          <p:cTn id="14" fill="hold">
+                            <p:stCondLst>
+                              <p:cond delay="0"/>
+                            </p:stCondLst>
+                            <p:childTnLst>
+                              <p:par>
+                                <p:cTn id="15" presetID="42" presetClass="path" presetSubtype="0" accel="50000" decel="50000" fill="hold" grpId="2" nodeType="clickEffect">
+                                  <p:stCondLst>
+                                    <p:cond delay="0"/>
+                                  </p:stCondLst>
+                                  <p:childTnLst>
+                                    <p:animMotion origin="layout" path="M -1.04167E-6 -3.7037E-6 L 0.11445 0.25 " pathEditMode="relative" rAng="0" ptsTypes="AA">
+                                      <p:cBhvr>
+                                        <p:cTn id="16" dur="2000" fill="hold"/>
+                                        <p:tgtEl>
+                                          <p:spTgt spid="5"/>
+                                        </p:tgtEl>
+                                        <p:attrNameLst>
+                                          <p:attrName>ppt_x</p:attrName>
+                                          <p:attrName>ppt_y</p:attrName>
+                                        </p:attrNameLst>
+                                      </p:cBhvr>
+                                      <p:rCtr x="5716" y="12500"/>
+                                    </p:animMotion>
+                                  </p:childTnLst>
+                                </p:cTn>
+                              </p:par>
+                            </p:childTnLst>
+                          </p:cTn>
+                        </p:par>
+                      </p:childTnLst>
+                    </p:cTn>
+                  </p:par>
+                </p:childTnLst>
+              </p:cTn>
+              <p:prevCondLst>
+                <p:cond evt="onPrev" delay="0">
+                  <p:tgtEl>
+                    <p:sldTgt/>
+                  </p:tgtEl>
+                </p:cond>
+              </p:prevCondLst>
+              <p:nextCondLst>
+                <p:cond evt="onNext" delay="0">
+                  <p:tgtEl>
+                    <p:sldTgt/>
+                  </p:tgtEl>
+                </p:cond>
+              </p:nextCondLst>
+            </p:seq>
+          </p:childTnLst>
+        </p:cTn>
       </p:par>
     </p:tnLst>
+    <p:bldLst>
+      <p:bldP spid="5" grpId="0" animBg="1"/>
+      <p:bldP spid="5" grpId="1" animBg="1"/>
+      <p:bldP spid="5" grpId="2" animBg="1"/>
+    </p:bldLst>
   </p:timing>
 </p:sld>
 </file>
@@ -6585,12 +6969,74 @@
       </p:grpSpPr>
       <p:sp>
         <p:nvSpPr>
-          <p:cNvPr id="4" name="Text Placeholder 3"/>
+          <p:cNvPr id="3" name="Content Placeholder 2"/>
           <p:cNvSpPr>
             <a:spLocks noGrp="1"/>
           </p:cNvSpPr>
           <p:nvPr>
-            <p:ph type="body" sz="quarter" idx="10"/>
+            <p:ph sz="half" idx="2"/>
+          </p:nvPr>
+        </p:nvSpPr>
+        <p:spPr/>
+        <p:txBody>
+          <a:bodyPr>
+            <a:normAutofit/>
+          </a:bodyPr>
+          <a:lstStyle/>
+          <a:p>
+            <a:r>
+              <a:rPr lang="en-US" dirty="0" smtClean="0"/>
+              <a:t>Screen position</a:t>
+            </a:r>
+          </a:p>
+          <a:p>
+            <a:pPr lvl="1"/>
+            <a:r>
+              <a:rPr lang="en-US" dirty="0" err="1" smtClean="0"/>
+              <a:t>screenX</a:t>
+            </a:r>
+            <a:endParaRPr lang="en-US" dirty="0" smtClean="0"/>
+          </a:p>
+          <a:p>
+            <a:pPr lvl="1"/>
+            <a:r>
+              <a:rPr lang="en-US" dirty="0" err="1" smtClean="0"/>
+              <a:t>screenY</a:t>
+            </a:r>
+            <a:endParaRPr lang="en-US" dirty="0" smtClean="0"/>
+          </a:p>
+          <a:p>
+            <a:r>
+              <a:rPr lang="en-US" dirty="0" smtClean="0"/>
+              <a:t>Viewport position</a:t>
+            </a:r>
+          </a:p>
+          <a:p>
+            <a:pPr lvl="1"/>
+            <a:r>
+              <a:rPr lang="en-US" dirty="0" err="1" smtClean="0"/>
+              <a:t>clientX</a:t>
+            </a:r>
+            <a:endParaRPr lang="en-US" dirty="0" smtClean="0"/>
+          </a:p>
+          <a:p>
+            <a:pPr lvl="1"/>
+            <a:r>
+              <a:rPr lang="en-US" dirty="0" err="1" smtClean="0"/>
+              <a:t>clientY</a:t>
+            </a:r>
+            <a:endParaRPr lang="en-US" dirty="0" smtClean="0"/>
+          </a:p>
+        </p:txBody>
+      </p:sp>
+      <p:sp>
+        <p:nvSpPr>
+          <p:cNvPr id="13" name="Content Placeholder 12"/>
+          <p:cNvSpPr>
+            <a:spLocks noGrp="1"/>
+          </p:cNvSpPr>
+          <p:nvPr>
+            <p:ph sz="quarter" idx="4"/>
           </p:nvPr>
         </p:nvSpPr>
         <p:spPr/>
@@ -6598,22 +7044,18 @@
           <a:bodyPr/>
           <a:lstStyle/>
           <a:p>
-            <a:r>
-              <a:rPr lang="en-US" dirty="0" smtClean="0"/>
-              <a:t>Hammer.js</a:t>
-            </a:r>
-            <a:endParaRPr lang="en-US" dirty="0"/>
+            <a:endParaRPr lang="en-US"/>
           </a:p>
         </p:txBody>
       </p:sp>
       <p:sp>
         <p:nvSpPr>
-          <p:cNvPr id="2" name="Subtitle 1"/>
+          <p:cNvPr id="2" name="Title 1"/>
           <p:cNvSpPr>
             <a:spLocks noGrp="1"/>
           </p:cNvSpPr>
           <p:nvPr>
-            <p:ph type="subTitle" idx="1"/>
+            <p:ph type="title"/>
           </p:nvPr>
         </p:nvSpPr>
         <p:spPr/>
@@ -6621,14 +7063,506 @@
           <a:bodyPr/>
           <a:lstStyle/>
           <a:p>
+            <a:r>
+              <a:rPr lang="en-US" dirty="0" smtClean="0"/>
+              <a:t>Touch position</a:t>
+            </a:r>
+            <a:endParaRPr lang="en-US" dirty="0"/>
+          </a:p>
+        </p:txBody>
+      </p:sp>
+      <p:sp>
+        <p:nvSpPr>
+          <p:cNvPr id="4" name="Rectangle 3"/>
+          <p:cNvSpPr/>
+          <p:nvPr/>
+        </p:nvSpPr>
+        <p:spPr>
+          <a:xfrm>
+            <a:off x="5912528" y="1388226"/>
+            <a:ext cx="3923930" cy="4932675"/>
+          </a:xfrm>
+          <a:prstGeom prst="rect">
+            <a:avLst/>
+          </a:prstGeom>
+        </p:spPr>
+        <p:style>
+          <a:lnRef idx="2">
+            <a:schemeClr val="accent1">
+              <a:shade val="50000"/>
+            </a:schemeClr>
+          </a:lnRef>
+          <a:fillRef idx="1">
+            <a:schemeClr val="accent1"/>
+          </a:fillRef>
+          <a:effectRef idx="0">
+            <a:schemeClr val="accent1"/>
+          </a:effectRef>
+          <a:fontRef idx="minor">
+            <a:schemeClr val="lt1"/>
+          </a:fontRef>
+        </p:style>
+        <p:txBody>
+          <a:bodyPr rtlCol="0" anchor="ctr"/>
+          <a:lstStyle/>
+          <a:p>
+            <a:pPr algn="ctr"/>
+            <a:endParaRPr lang="en-US" dirty="0" smtClean="0"/>
+          </a:p>
+          <a:p>
+            <a:pPr algn="ctr"/>
+            <a:endParaRPr lang="en-US" dirty="0"/>
+          </a:p>
+          <a:p>
+            <a:pPr algn="ctr"/>
+            <a:endParaRPr lang="en-US" dirty="0" smtClean="0"/>
+          </a:p>
+          <a:p>
+            <a:pPr algn="ctr"/>
+            <a:endParaRPr lang="en-US" dirty="0"/>
+          </a:p>
+          <a:p>
+            <a:pPr algn="ctr"/>
+            <a:endParaRPr lang="en-US" dirty="0" smtClean="0"/>
+          </a:p>
+          <a:p>
+            <a:pPr algn="ctr"/>
+            <a:endParaRPr lang="en-US" dirty="0"/>
+          </a:p>
+          <a:p>
+            <a:pPr algn="ctr"/>
+            <a:endParaRPr lang="en-US" dirty="0" smtClean="0"/>
+          </a:p>
+          <a:p>
+            <a:pPr algn="ctr"/>
+            <a:endParaRPr lang="en-US" dirty="0"/>
+          </a:p>
+          <a:p>
+            <a:pPr algn="ctr"/>
+            <a:endParaRPr lang="en-US" dirty="0" smtClean="0"/>
+          </a:p>
+          <a:p>
+            <a:pPr algn="ctr"/>
+            <a:endParaRPr lang="en-US" dirty="0"/>
+          </a:p>
+          <a:p>
+            <a:pPr algn="ctr"/>
+            <a:endParaRPr lang="en-US" dirty="0" smtClean="0"/>
+          </a:p>
+          <a:p>
+            <a:pPr algn="ctr"/>
+            <a:endParaRPr lang="en-US" dirty="0"/>
+          </a:p>
+          <a:p>
+            <a:pPr algn="ctr"/>
+            <a:endParaRPr lang="en-US" dirty="0" smtClean="0"/>
+          </a:p>
+          <a:p>
+            <a:pPr algn="ctr"/>
+            <a:endParaRPr lang="en-US" dirty="0"/>
+          </a:p>
+          <a:p>
+            <a:pPr algn="ctr"/>
+            <a:endParaRPr lang="en-US" dirty="0" smtClean="0"/>
+          </a:p>
+          <a:p>
+            <a:pPr algn="ctr"/>
+            <a:endParaRPr lang="en-US" dirty="0"/>
+          </a:p>
+          <a:p>
+            <a:pPr algn="ctr"/>
+            <a:r>
+              <a:rPr lang="en-US" dirty="0" smtClean="0"/>
+              <a:t>Screen</a:t>
+            </a:r>
+            <a:endParaRPr lang="en-US" dirty="0"/>
+          </a:p>
+        </p:txBody>
+      </p:sp>
+      <p:sp>
+        <p:nvSpPr>
+          <p:cNvPr id="5" name="Rectangle 4"/>
+          <p:cNvSpPr/>
+          <p:nvPr/>
+        </p:nvSpPr>
+        <p:spPr>
+          <a:xfrm>
+            <a:off x="6622742" y="1988599"/>
+            <a:ext cx="2539013" cy="3835154"/>
+          </a:xfrm>
+          <a:prstGeom prst="rect">
+            <a:avLst/>
+          </a:prstGeom>
+        </p:spPr>
+        <p:style>
+          <a:lnRef idx="3">
+            <a:schemeClr val="lt1"/>
+          </a:lnRef>
+          <a:fillRef idx="1">
+            <a:schemeClr val="accent3"/>
+          </a:fillRef>
+          <a:effectRef idx="1">
+            <a:schemeClr val="accent3"/>
+          </a:effectRef>
+          <a:fontRef idx="minor">
+            <a:schemeClr val="lt1"/>
+          </a:fontRef>
+        </p:style>
+        <p:txBody>
+          <a:bodyPr rtlCol="0" anchor="ctr"/>
+          <a:lstStyle/>
+          <a:p>
+            <a:pPr algn="ctr"/>
+            <a:endParaRPr lang="en-US" dirty="0" smtClean="0"/>
+          </a:p>
+          <a:p>
+            <a:pPr algn="ctr"/>
+            <a:endParaRPr lang="en-US" dirty="0"/>
+          </a:p>
+          <a:p>
+            <a:pPr algn="ctr"/>
+            <a:endParaRPr lang="en-US" dirty="0" smtClean="0"/>
+          </a:p>
+          <a:p>
+            <a:pPr algn="ctr"/>
+            <a:endParaRPr lang="en-US" dirty="0"/>
+          </a:p>
+          <a:p>
+            <a:pPr algn="ctr"/>
+            <a:endParaRPr lang="en-US" dirty="0" smtClean="0"/>
+          </a:p>
+          <a:p>
+            <a:pPr algn="ctr"/>
+            <a:endParaRPr lang="en-US" dirty="0"/>
+          </a:p>
+          <a:p>
+            <a:pPr algn="ctr"/>
+            <a:endParaRPr lang="en-US" dirty="0" smtClean="0"/>
+          </a:p>
+          <a:p>
+            <a:pPr algn="ctr"/>
+            <a:endParaRPr lang="en-US" dirty="0"/>
+          </a:p>
+          <a:p>
+            <a:pPr algn="ctr"/>
+            <a:endParaRPr lang="en-US" dirty="0" smtClean="0"/>
+          </a:p>
+          <a:p>
+            <a:pPr algn="ctr"/>
+            <a:endParaRPr lang="en-US" dirty="0"/>
+          </a:p>
+          <a:p>
+            <a:pPr algn="ctr"/>
+            <a:endParaRPr lang="en-US" dirty="0" smtClean="0"/>
+          </a:p>
+          <a:p>
+            <a:pPr algn="ctr"/>
+            <a:r>
+              <a:rPr lang="en-US" dirty="0" smtClean="0"/>
+              <a:t>Browser</a:t>
+            </a:r>
+            <a:endParaRPr lang="en-US" dirty="0"/>
+          </a:p>
+        </p:txBody>
+      </p:sp>
+      <p:sp>
+        <p:nvSpPr>
+          <p:cNvPr id="6" name="Oval 5"/>
+          <p:cNvSpPr/>
+          <p:nvPr/>
+        </p:nvSpPr>
+        <p:spPr>
+          <a:xfrm>
+            <a:off x="7022236" y="2379216"/>
+            <a:ext cx="319597" cy="319596"/>
+          </a:xfrm>
+          <a:prstGeom prst="ellipse">
+            <a:avLst/>
+          </a:prstGeom>
+        </p:spPr>
+        <p:style>
+          <a:lnRef idx="0">
+            <a:schemeClr val="accent2"/>
+          </a:lnRef>
+          <a:fillRef idx="3">
+            <a:schemeClr val="accent2"/>
+          </a:fillRef>
+          <a:effectRef idx="3">
+            <a:schemeClr val="accent2"/>
+          </a:effectRef>
+          <a:fontRef idx="minor">
+            <a:schemeClr val="lt1"/>
+          </a:fontRef>
+        </p:style>
+        <p:txBody>
+          <a:bodyPr rtlCol="0" anchor="ctr"/>
+          <a:lstStyle/>
+          <a:p>
+            <a:pPr algn="ctr"/>
             <a:endParaRPr lang="en-US"/>
+          </a:p>
+        </p:txBody>
+      </p:sp>
+      <p:sp>
+        <p:nvSpPr>
+          <p:cNvPr id="7" name="Down Arrow 6"/>
+          <p:cNvSpPr/>
+          <p:nvPr/>
+        </p:nvSpPr>
+        <p:spPr>
+          <a:xfrm>
+            <a:off x="7012846" y="1388226"/>
+            <a:ext cx="293476" cy="990990"/>
+          </a:xfrm>
+          <a:prstGeom prst="downArrow">
+            <a:avLst/>
+          </a:prstGeom>
+        </p:spPr>
+        <p:style>
+          <a:lnRef idx="1">
+            <a:schemeClr val="accent6"/>
+          </a:lnRef>
+          <a:fillRef idx="2">
+            <a:schemeClr val="accent6"/>
+          </a:fillRef>
+          <a:effectRef idx="1">
+            <a:schemeClr val="accent6"/>
+          </a:effectRef>
+          <a:fontRef idx="minor">
+            <a:schemeClr val="dk1"/>
+          </a:fontRef>
+        </p:style>
+        <p:txBody>
+          <a:bodyPr rtlCol="0" anchor="ctr"/>
+          <a:lstStyle/>
+          <a:p>
+            <a:pPr algn="ctr"/>
+            <a:endParaRPr lang="en-US"/>
+          </a:p>
+        </p:txBody>
+      </p:sp>
+      <p:sp>
+        <p:nvSpPr>
+          <p:cNvPr id="8" name="Right Arrow 7"/>
+          <p:cNvSpPr/>
+          <p:nvPr/>
+        </p:nvSpPr>
+        <p:spPr>
+          <a:xfrm>
+            <a:off x="5912529" y="2405737"/>
+            <a:ext cx="1109708" cy="285826"/>
+          </a:xfrm>
+          <a:prstGeom prst="rightArrow">
+            <a:avLst/>
+          </a:prstGeom>
+        </p:spPr>
+        <p:style>
+          <a:lnRef idx="1">
+            <a:schemeClr val="accent6"/>
+          </a:lnRef>
+          <a:fillRef idx="2">
+            <a:schemeClr val="accent6"/>
+          </a:fillRef>
+          <a:effectRef idx="1">
+            <a:schemeClr val="accent6"/>
+          </a:effectRef>
+          <a:fontRef idx="minor">
+            <a:schemeClr val="dk1"/>
+          </a:fontRef>
+        </p:style>
+        <p:txBody>
+          <a:bodyPr rtlCol="0" anchor="ctr"/>
+          <a:lstStyle/>
+          <a:p>
+            <a:pPr algn="ctr"/>
+            <a:endParaRPr lang="en-US"/>
+          </a:p>
+        </p:txBody>
+      </p:sp>
+      <p:sp>
+        <p:nvSpPr>
+          <p:cNvPr id="9" name="Down Arrow 8"/>
+          <p:cNvSpPr/>
+          <p:nvPr/>
+        </p:nvSpPr>
+        <p:spPr>
+          <a:xfrm>
+            <a:off x="7012844" y="1988599"/>
+            <a:ext cx="293476" cy="397866"/>
+          </a:xfrm>
+          <a:prstGeom prst="downArrow">
+            <a:avLst/>
+          </a:prstGeom>
+        </p:spPr>
+        <p:style>
+          <a:lnRef idx="1">
+            <a:schemeClr val="accent4"/>
+          </a:lnRef>
+          <a:fillRef idx="2">
+            <a:schemeClr val="accent4"/>
+          </a:fillRef>
+          <a:effectRef idx="1">
+            <a:schemeClr val="accent4"/>
+          </a:effectRef>
+          <a:fontRef idx="minor">
+            <a:schemeClr val="dk1"/>
+          </a:fontRef>
+        </p:style>
+        <p:txBody>
+          <a:bodyPr rtlCol="0" anchor="ctr"/>
+          <a:lstStyle/>
+          <a:p>
+            <a:pPr algn="ctr"/>
+            <a:endParaRPr lang="en-US"/>
+          </a:p>
+        </p:txBody>
+      </p:sp>
+      <p:sp>
+        <p:nvSpPr>
+          <p:cNvPr id="10" name="Right Arrow 9"/>
+          <p:cNvSpPr/>
+          <p:nvPr/>
+        </p:nvSpPr>
+        <p:spPr>
+          <a:xfrm>
+            <a:off x="6622741" y="2412986"/>
+            <a:ext cx="399494" cy="285826"/>
+          </a:xfrm>
+          <a:prstGeom prst="rightArrow">
+            <a:avLst/>
+          </a:prstGeom>
+        </p:spPr>
+        <p:style>
+          <a:lnRef idx="1">
+            <a:schemeClr val="accent4"/>
+          </a:lnRef>
+          <a:fillRef idx="2">
+            <a:schemeClr val="accent4"/>
+          </a:fillRef>
+          <a:effectRef idx="1">
+            <a:schemeClr val="accent4"/>
+          </a:effectRef>
+          <a:fontRef idx="minor">
+            <a:schemeClr val="dk1"/>
+          </a:fontRef>
+        </p:style>
+        <p:txBody>
+          <a:bodyPr rtlCol="0" anchor="ctr"/>
+          <a:lstStyle/>
+          <a:p>
+            <a:pPr algn="ctr"/>
+            <a:endParaRPr lang="en-US"/>
+          </a:p>
+        </p:txBody>
+      </p:sp>
+      <p:sp>
+        <p:nvSpPr>
+          <p:cNvPr id="11" name="Rectangle 10"/>
+          <p:cNvSpPr/>
+          <p:nvPr/>
+        </p:nvSpPr>
+        <p:spPr>
+          <a:xfrm>
+            <a:off x="6822488" y="722400"/>
+            <a:ext cx="2086252" cy="470517"/>
+          </a:xfrm>
+          <a:prstGeom prst="rect">
+            <a:avLst/>
+          </a:prstGeom>
+        </p:spPr>
+        <p:style>
+          <a:lnRef idx="2">
+            <a:schemeClr val="accent6">
+              <a:shade val="50000"/>
+            </a:schemeClr>
+          </a:lnRef>
+          <a:fillRef idx="1">
+            <a:schemeClr val="accent6"/>
+          </a:fillRef>
+          <a:effectRef idx="0">
+            <a:schemeClr val="accent6"/>
+          </a:effectRef>
+          <a:fontRef idx="minor">
+            <a:schemeClr val="lt1"/>
+          </a:fontRef>
+        </p:style>
+        <p:txBody>
+          <a:bodyPr rtlCol="0" anchor="ctr"/>
+          <a:lstStyle/>
+          <a:p>
+            <a:pPr algn="ctr"/>
+            <a:r>
+              <a:rPr lang="en-US" dirty="0" err="1" smtClean="0"/>
+              <a:t>screenX</a:t>
+            </a:r>
+            <a:r>
+              <a:rPr lang="en-US" dirty="0" smtClean="0"/>
+              <a:t> &amp; </a:t>
+            </a:r>
+            <a:r>
+              <a:rPr lang="en-US" dirty="0" err="1" smtClean="0"/>
+              <a:t>screenY</a:t>
+            </a:r>
+            <a:endParaRPr lang="en-US" dirty="0"/>
+          </a:p>
+        </p:txBody>
+      </p:sp>
+      <p:sp>
+        <p:nvSpPr>
+          <p:cNvPr id="12" name="Rectangle 11"/>
+          <p:cNvSpPr/>
+          <p:nvPr/>
+        </p:nvSpPr>
+        <p:spPr>
+          <a:xfrm>
+            <a:off x="6822488" y="715372"/>
+            <a:ext cx="2086252" cy="470517"/>
+          </a:xfrm>
+          <a:prstGeom prst="rect">
+            <a:avLst/>
+          </a:prstGeom>
+        </p:spPr>
+        <p:style>
+          <a:lnRef idx="2">
+            <a:schemeClr val="accent4">
+              <a:shade val="50000"/>
+            </a:schemeClr>
+          </a:lnRef>
+          <a:fillRef idx="1">
+            <a:schemeClr val="accent4"/>
+          </a:fillRef>
+          <a:effectRef idx="0">
+            <a:schemeClr val="accent4"/>
+          </a:effectRef>
+          <a:fontRef idx="minor">
+            <a:schemeClr val="lt1"/>
+          </a:fontRef>
+        </p:style>
+        <p:txBody>
+          <a:bodyPr rtlCol="0" anchor="ctr"/>
+          <a:lstStyle/>
+          <a:p>
+            <a:pPr algn="ctr"/>
+            <a:r>
+              <a:rPr lang="en-US" dirty="0" err="1" smtClean="0"/>
+              <a:t>clientX</a:t>
+            </a:r>
+            <a:r>
+              <a:rPr lang="en-US" dirty="0" smtClean="0"/>
+              <a:t> &amp; </a:t>
+            </a:r>
+            <a:r>
+              <a:rPr lang="en-US" dirty="0" err="1" smtClean="0"/>
+              <a:t>clientY</a:t>
+            </a:r>
+            <a:endParaRPr lang="en-US" dirty="0"/>
           </a:p>
         </p:txBody>
       </p:sp>
     </p:spTree>
     <p:extLst>
       <p:ext uri="{BB962C8B-B14F-4D97-AF65-F5344CB8AC3E}">
-        <p14:creationId xmlns:p14="http://schemas.microsoft.com/office/powerpoint/2010/main" val="2316003865"/>
+        <p14:creationId xmlns:p14="http://schemas.microsoft.com/office/powerpoint/2010/main" val="1786543244"/>
       </p:ext>
     </p:extLst>
   </p:cSld>
@@ -6638,9 +7572,608 @@
   <p:timing>
     <p:tnLst>
       <p:par>
-        <p:cTn id="1" dur="indefinite" restart="never" nodeType="tmRoot"/>
+        <p:cTn id="1" dur="indefinite" restart="never" nodeType="tmRoot">
+          <p:childTnLst>
+            <p:seq concurrent="1" nextAc="seek">
+              <p:cTn id="2" dur="indefinite" nodeType="mainSeq">
+                <p:childTnLst>
+                  <p:par>
+                    <p:cTn id="3" fill="hold">
+                      <p:stCondLst>
+                        <p:cond delay="indefinite"/>
+                      </p:stCondLst>
+                      <p:childTnLst>
+                        <p:par>
+                          <p:cTn id="4" fill="hold">
+                            <p:stCondLst>
+                              <p:cond delay="0"/>
+                            </p:stCondLst>
+                            <p:childTnLst>
+                              <p:par>
+                                <p:cTn id="5" presetID="10" presetClass="entr" presetSubtype="0" fill="hold" grpId="0" nodeType="clickEffect">
+                                  <p:stCondLst>
+                                    <p:cond delay="0"/>
+                                  </p:stCondLst>
+                                  <p:childTnLst>
+                                    <p:set>
+                                      <p:cBhvr>
+                                        <p:cTn id="6" dur="1" fill="hold">
+                                          <p:stCondLst>
+                                            <p:cond delay="0"/>
+                                          </p:stCondLst>
+                                        </p:cTn>
+                                        <p:tgtEl>
+                                          <p:spTgt spid="11"/>
+                                        </p:tgtEl>
+                                        <p:attrNameLst>
+                                          <p:attrName>style.visibility</p:attrName>
+                                        </p:attrNameLst>
+                                      </p:cBhvr>
+                                      <p:to>
+                                        <p:strVal val="visible"/>
+                                      </p:to>
+                                    </p:set>
+                                    <p:animEffect transition="in" filter="fade">
+                                      <p:cBhvr>
+                                        <p:cTn id="7" dur="500"/>
+                                        <p:tgtEl>
+                                          <p:spTgt spid="11"/>
+                                        </p:tgtEl>
+                                      </p:cBhvr>
+                                    </p:animEffect>
+                                  </p:childTnLst>
+                                </p:cTn>
+                              </p:par>
+                            </p:childTnLst>
+                          </p:cTn>
+                        </p:par>
+                      </p:childTnLst>
+                    </p:cTn>
+                  </p:par>
+                  <p:par>
+                    <p:cTn id="8" fill="hold">
+                      <p:stCondLst>
+                        <p:cond delay="indefinite"/>
+                      </p:stCondLst>
+                      <p:childTnLst>
+                        <p:par>
+                          <p:cTn id="9" fill="hold">
+                            <p:stCondLst>
+                              <p:cond delay="0"/>
+                            </p:stCondLst>
+                            <p:childTnLst>
+                              <p:par>
+                                <p:cTn id="10" presetID="53" presetClass="entr" presetSubtype="16" fill="hold" grpId="0" nodeType="clickEffect">
+                                  <p:stCondLst>
+                                    <p:cond delay="0"/>
+                                  </p:stCondLst>
+                                  <p:childTnLst>
+                                    <p:set>
+                                      <p:cBhvr>
+                                        <p:cTn id="11" dur="1" fill="hold">
+                                          <p:stCondLst>
+                                            <p:cond delay="0"/>
+                                          </p:stCondLst>
+                                        </p:cTn>
+                                        <p:tgtEl>
+                                          <p:spTgt spid="7"/>
+                                        </p:tgtEl>
+                                        <p:attrNameLst>
+                                          <p:attrName>style.visibility</p:attrName>
+                                        </p:attrNameLst>
+                                      </p:cBhvr>
+                                      <p:to>
+                                        <p:strVal val="visible"/>
+                                      </p:to>
+                                    </p:set>
+                                    <p:anim calcmode="lin" valueType="num">
+                                      <p:cBhvr>
+                                        <p:cTn id="12" dur="500" fill="hold"/>
+                                        <p:tgtEl>
+                                          <p:spTgt spid="7"/>
+                                        </p:tgtEl>
+                                        <p:attrNameLst>
+                                          <p:attrName>ppt_w</p:attrName>
+                                        </p:attrNameLst>
+                                      </p:cBhvr>
+                                      <p:tavLst>
+                                        <p:tav tm="0">
+                                          <p:val>
+                                            <p:fltVal val="0"/>
+                                          </p:val>
+                                        </p:tav>
+                                        <p:tav tm="100000">
+                                          <p:val>
+                                            <p:strVal val="#ppt_w"/>
+                                          </p:val>
+                                        </p:tav>
+                                      </p:tavLst>
+                                    </p:anim>
+                                    <p:anim calcmode="lin" valueType="num">
+                                      <p:cBhvr>
+                                        <p:cTn id="13" dur="500" fill="hold"/>
+                                        <p:tgtEl>
+                                          <p:spTgt spid="7"/>
+                                        </p:tgtEl>
+                                        <p:attrNameLst>
+                                          <p:attrName>ppt_h</p:attrName>
+                                        </p:attrNameLst>
+                                      </p:cBhvr>
+                                      <p:tavLst>
+                                        <p:tav tm="0">
+                                          <p:val>
+                                            <p:fltVal val="0"/>
+                                          </p:val>
+                                        </p:tav>
+                                        <p:tav tm="100000">
+                                          <p:val>
+                                            <p:strVal val="#ppt_h"/>
+                                          </p:val>
+                                        </p:tav>
+                                      </p:tavLst>
+                                    </p:anim>
+                                    <p:animEffect transition="in" filter="fade">
+                                      <p:cBhvr>
+                                        <p:cTn id="14" dur="500"/>
+                                        <p:tgtEl>
+                                          <p:spTgt spid="7"/>
+                                        </p:tgtEl>
+                                      </p:cBhvr>
+                                    </p:animEffect>
+                                  </p:childTnLst>
+                                </p:cTn>
+                              </p:par>
+                              <p:par>
+                                <p:cTn id="15" presetID="53" presetClass="entr" presetSubtype="16" fill="hold" grpId="0" nodeType="withEffect">
+                                  <p:stCondLst>
+                                    <p:cond delay="0"/>
+                                  </p:stCondLst>
+                                  <p:childTnLst>
+                                    <p:set>
+                                      <p:cBhvr>
+                                        <p:cTn id="16" dur="1" fill="hold">
+                                          <p:stCondLst>
+                                            <p:cond delay="0"/>
+                                          </p:stCondLst>
+                                        </p:cTn>
+                                        <p:tgtEl>
+                                          <p:spTgt spid="8"/>
+                                        </p:tgtEl>
+                                        <p:attrNameLst>
+                                          <p:attrName>style.visibility</p:attrName>
+                                        </p:attrNameLst>
+                                      </p:cBhvr>
+                                      <p:to>
+                                        <p:strVal val="visible"/>
+                                      </p:to>
+                                    </p:set>
+                                    <p:anim calcmode="lin" valueType="num">
+                                      <p:cBhvr>
+                                        <p:cTn id="17" dur="500" fill="hold"/>
+                                        <p:tgtEl>
+                                          <p:spTgt spid="8"/>
+                                        </p:tgtEl>
+                                        <p:attrNameLst>
+                                          <p:attrName>ppt_w</p:attrName>
+                                        </p:attrNameLst>
+                                      </p:cBhvr>
+                                      <p:tavLst>
+                                        <p:tav tm="0">
+                                          <p:val>
+                                            <p:fltVal val="0"/>
+                                          </p:val>
+                                        </p:tav>
+                                        <p:tav tm="100000">
+                                          <p:val>
+                                            <p:strVal val="#ppt_w"/>
+                                          </p:val>
+                                        </p:tav>
+                                      </p:tavLst>
+                                    </p:anim>
+                                    <p:anim calcmode="lin" valueType="num">
+                                      <p:cBhvr>
+                                        <p:cTn id="18" dur="500" fill="hold"/>
+                                        <p:tgtEl>
+                                          <p:spTgt spid="8"/>
+                                        </p:tgtEl>
+                                        <p:attrNameLst>
+                                          <p:attrName>ppt_h</p:attrName>
+                                        </p:attrNameLst>
+                                      </p:cBhvr>
+                                      <p:tavLst>
+                                        <p:tav tm="0">
+                                          <p:val>
+                                            <p:fltVal val="0"/>
+                                          </p:val>
+                                        </p:tav>
+                                        <p:tav tm="100000">
+                                          <p:val>
+                                            <p:strVal val="#ppt_h"/>
+                                          </p:val>
+                                        </p:tav>
+                                      </p:tavLst>
+                                    </p:anim>
+                                    <p:animEffect transition="in" filter="fade">
+                                      <p:cBhvr>
+                                        <p:cTn id="19" dur="500"/>
+                                        <p:tgtEl>
+                                          <p:spTgt spid="8"/>
+                                        </p:tgtEl>
+                                      </p:cBhvr>
+                                    </p:animEffect>
+                                  </p:childTnLst>
+                                </p:cTn>
+                              </p:par>
+                            </p:childTnLst>
+                          </p:cTn>
+                        </p:par>
+                      </p:childTnLst>
+                    </p:cTn>
+                  </p:par>
+                  <p:par>
+                    <p:cTn id="20" fill="hold">
+                      <p:stCondLst>
+                        <p:cond delay="indefinite"/>
+                      </p:stCondLst>
+                      <p:childTnLst>
+                        <p:par>
+                          <p:cTn id="21" fill="hold">
+                            <p:stCondLst>
+                              <p:cond delay="0"/>
+                            </p:stCondLst>
+                            <p:childTnLst>
+                              <p:par>
+                                <p:cTn id="22" presetID="1" presetClass="exit" presetSubtype="0" fill="hold" grpId="1" nodeType="clickEffect">
+                                  <p:stCondLst>
+                                    <p:cond delay="0"/>
+                                  </p:stCondLst>
+                                  <p:childTnLst>
+                                    <p:set>
+                                      <p:cBhvr>
+                                        <p:cTn id="23" dur="1" fill="hold">
+                                          <p:stCondLst>
+                                            <p:cond delay="0"/>
+                                          </p:stCondLst>
+                                        </p:cTn>
+                                        <p:tgtEl>
+                                          <p:spTgt spid="7"/>
+                                        </p:tgtEl>
+                                        <p:attrNameLst>
+                                          <p:attrName>style.visibility</p:attrName>
+                                        </p:attrNameLst>
+                                      </p:cBhvr>
+                                      <p:to>
+                                        <p:strVal val="hidden"/>
+                                      </p:to>
+                                    </p:set>
+                                  </p:childTnLst>
+                                </p:cTn>
+                              </p:par>
+                              <p:par>
+                                <p:cTn id="24" presetID="1" presetClass="exit" presetSubtype="0" fill="hold" grpId="1" nodeType="withEffect">
+                                  <p:stCondLst>
+                                    <p:cond delay="0"/>
+                                  </p:stCondLst>
+                                  <p:childTnLst>
+                                    <p:set>
+                                      <p:cBhvr>
+                                        <p:cTn id="25" dur="1" fill="hold">
+                                          <p:stCondLst>
+                                            <p:cond delay="0"/>
+                                          </p:stCondLst>
+                                        </p:cTn>
+                                        <p:tgtEl>
+                                          <p:spTgt spid="8"/>
+                                        </p:tgtEl>
+                                        <p:attrNameLst>
+                                          <p:attrName>style.visibility</p:attrName>
+                                        </p:attrNameLst>
+                                      </p:cBhvr>
+                                      <p:to>
+                                        <p:strVal val="hidden"/>
+                                      </p:to>
+                                    </p:set>
+                                  </p:childTnLst>
+                                </p:cTn>
+                              </p:par>
+                              <p:par>
+                                <p:cTn id="26" presetID="1" presetClass="exit" presetSubtype="0" fill="hold" grpId="1" nodeType="withEffect">
+                                  <p:stCondLst>
+                                    <p:cond delay="0"/>
+                                  </p:stCondLst>
+                                  <p:childTnLst>
+                                    <p:set>
+                                      <p:cBhvr>
+                                        <p:cTn id="27" dur="1" fill="hold">
+                                          <p:stCondLst>
+                                            <p:cond delay="0"/>
+                                          </p:stCondLst>
+                                        </p:cTn>
+                                        <p:tgtEl>
+                                          <p:spTgt spid="11"/>
+                                        </p:tgtEl>
+                                        <p:attrNameLst>
+                                          <p:attrName>style.visibility</p:attrName>
+                                        </p:attrNameLst>
+                                      </p:cBhvr>
+                                      <p:to>
+                                        <p:strVal val="hidden"/>
+                                      </p:to>
+                                    </p:set>
+                                  </p:childTnLst>
+                                </p:cTn>
+                              </p:par>
+                            </p:childTnLst>
+                          </p:cTn>
+                        </p:par>
+                      </p:childTnLst>
+                    </p:cTn>
+                  </p:par>
+                  <p:par>
+                    <p:cTn id="28" fill="hold">
+                      <p:stCondLst>
+                        <p:cond delay="indefinite"/>
+                      </p:stCondLst>
+                      <p:childTnLst>
+                        <p:par>
+                          <p:cTn id="29" fill="hold">
+                            <p:stCondLst>
+                              <p:cond delay="0"/>
+                            </p:stCondLst>
+                            <p:childTnLst>
+                              <p:par>
+                                <p:cTn id="30" presetID="10" presetClass="entr" presetSubtype="0" fill="hold" grpId="0" nodeType="clickEffect">
+                                  <p:stCondLst>
+                                    <p:cond delay="0"/>
+                                  </p:stCondLst>
+                                  <p:childTnLst>
+                                    <p:set>
+                                      <p:cBhvr>
+                                        <p:cTn id="31" dur="1" fill="hold">
+                                          <p:stCondLst>
+                                            <p:cond delay="0"/>
+                                          </p:stCondLst>
+                                        </p:cTn>
+                                        <p:tgtEl>
+                                          <p:spTgt spid="12"/>
+                                        </p:tgtEl>
+                                        <p:attrNameLst>
+                                          <p:attrName>style.visibility</p:attrName>
+                                        </p:attrNameLst>
+                                      </p:cBhvr>
+                                      <p:to>
+                                        <p:strVal val="visible"/>
+                                      </p:to>
+                                    </p:set>
+                                    <p:animEffect transition="in" filter="fade">
+                                      <p:cBhvr>
+                                        <p:cTn id="32" dur="500"/>
+                                        <p:tgtEl>
+                                          <p:spTgt spid="12"/>
+                                        </p:tgtEl>
+                                      </p:cBhvr>
+                                    </p:animEffect>
+                                  </p:childTnLst>
+                                </p:cTn>
+                              </p:par>
+                            </p:childTnLst>
+                          </p:cTn>
+                        </p:par>
+                      </p:childTnLst>
+                    </p:cTn>
+                  </p:par>
+                  <p:par>
+                    <p:cTn id="33" fill="hold">
+                      <p:stCondLst>
+                        <p:cond delay="indefinite"/>
+                      </p:stCondLst>
+                      <p:childTnLst>
+                        <p:par>
+                          <p:cTn id="34" fill="hold">
+                            <p:stCondLst>
+                              <p:cond delay="0"/>
+                            </p:stCondLst>
+                            <p:childTnLst>
+                              <p:par>
+                                <p:cTn id="35" presetID="53" presetClass="entr" presetSubtype="16" fill="hold" grpId="0" nodeType="clickEffect">
+                                  <p:stCondLst>
+                                    <p:cond delay="0"/>
+                                  </p:stCondLst>
+                                  <p:childTnLst>
+                                    <p:set>
+                                      <p:cBhvr>
+                                        <p:cTn id="36" dur="1" fill="hold">
+                                          <p:stCondLst>
+                                            <p:cond delay="0"/>
+                                          </p:stCondLst>
+                                        </p:cTn>
+                                        <p:tgtEl>
+                                          <p:spTgt spid="9"/>
+                                        </p:tgtEl>
+                                        <p:attrNameLst>
+                                          <p:attrName>style.visibility</p:attrName>
+                                        </p:attrNameLst>
+                                      </p:cBhvr>
+                                      <p:to>
+                                        <p:strVal val="visible"/>
+                                      </p:to>
+                                    </p:set>
+                                    <p:anim calcmode="lin" valueType="num">
+                                      <p:cBhvr>
+                                        <p:cTn id="37" dur="500" fill="hold"/>
+                                        <p:tgtEl>
+                                          <p:spTgt spid="9"/>
+                                        </p:tgtEl>
+                                        <p:attrNameLst>
+                                          <p:attrName>ppt_w</p:attrName>
+                                        </p:attrNameLst>
+                                      </p:cBhvr>
+                                      <p:tavLst>
+                                        <p:tav tm="0">
+                                          <p:val>
+                                            <p:fltVal val="0"/>
+                                          </p:val>
+                                        </p:tav>
+                                        <p:tav tm="100000">
+                                          <p:val>
+                                            <p:strVal val="#ppt_w"/>
+                                          </p:val>
+                                        </p:tav>
+                                      </p:tavLst>
+                                    </p:anim>
+                                    <p:anim calcmode="lin" valueType="num">
+                                      <p:cBhvr>
+                                        <p:cTn id="38" dur="500" fill="hold"/>
+                                        <p:tgtEl>
+                                          <p:spTgt spid="9"/>
+                                        </p:tgtEl>
+                                        <p:attrNameLst>
+                                          <p:attrName>ppt_h</p:attrName>
+                                        </p:attrNameLst>
+                                      </p:cBhvr>
+                                      <p:tavLst>
+                                        <p:tav tm="0">
+                                          <p:val>
+                                            <p:fltVal val="0"/>
+                                          </p:val>
+                                        </p:tav>
+                                        <p:tav tm="100000">
+                                          <p:val>
+                                            <p:strVal val="#ppt_h"/>
+                                          </p:val>
+                                        </p:tav>
+                                      </p:tavLst>
+                                    </p:anim>
+                                    <p:animEffect transition="in" filter="fade">
+                                      <p:cBhvr>
+                                        <p:cTn id="39" dur="500"/>
+                                        <p:tgtEl>
+                                          <p:spTgt spid="9"/>
+                                        </p:tgtEl>
+                                      </p:cBhvr>
+                                    </p:animEffect>
+                                  </p:childTnLst>
+                                </p:cTn>
+                              </p:par>
+                              <p:par>
+                                <p:cTn id="40" presetID="53" presetClass="entr" presetSubtype="16" fill="hold" grpId="0" nodeType="withEffect">
+                                  <p:stCondLst>
+                                    <p:cond delay="0"/>
+                                  </p:stCondLst>
+                                  <p:childTnLst>
+                                    <p:set>
+                                      <p:cBhvr>
+                                        <p:cTn id="41" dur="1" fill="hold">
+                                          <p:stCondLst>
+                                            <p:cond delay="0"/>
+                                          </p:stCondLst>
+                                        </p:cTn>
+                                        <p:tgtEl>
+                                          <p:spTgt spid="10"/>
+                                        </p:tgtEl>
+                                        <p:attrNameLst>
+                                          <p:attrName>style.visibility</p:attrName>
+                                        </p:attrNameLst>
+                                      </p:cBhvr>
+                                      <p:to>
+                                        <p:strVal val="visible"/>
+                                      </p:to>
+                                    </p:set>
+                                    <p:anim calcmode="lin" valueType="num">
+                                      <p:cBhvr>
+                                        <p:cTn id="42" dur="500" fill="hold"/>
+                                        <p:tgtEl>
+                                          <p:spTgt spid="10"/>
+                                        </p:tgtEl>
+                                        <p:attrNameLst>
+                                          <p:attrName>ppt_w</p:attrName>
+                                        </p:attrNameLst>
+                                      </p:cBhvr>
+                                      <p:tavLst>
+                                        <p:tav tm="0">
+                                          <p:val>
+                                            <p:fltVal val="0"/>
+                                          </p:val>
+                                        </p:tav>
+                                        <p:tav tm="100000">
+                                          <p:val>
+                                            <p:strVal val="#ppt_w"/>
+                                          </p:val>
+                                        </p:tav>
+                                      </p:tavLst>
+                                    </p:anim>
+                                    <p:anim calcmode="lin" valueType="num">
+                                      <p:cBhvr>
+                                        <p:cTn id="43" dur="500" fill="hold"/>
+                                        <p:tgtEl>
+                                          <p:spTgt spid="10"/>
+                                        </p:tgtEl>
+                                        <p:attrNameLst>
+                                          <p:attrName>ppt_h</p:attrName>
+                                        </p:attrNameLst>
+                                      </p:cBhvr>
+                                      <p:tavLst>
+                                        <p:tav tm="0">
+                                          <p:val>
+                                            <p:fltVal val="0"/>
+                                          </p:val>
+                                        </p:tav>
+                                        <p:tav tm="100000">
+                                          <p:val>
+                                            <p:strVal val="#ppt_h"/>
+                                          </p:val>
+                                        </p:tav>
+                                      </p:tavLst>
+                                    </p:anim>
+                                    <p:animEffect transition="in" filter="fade">
+                                      <p:cBhvr>
+                                        <p:cTn id="44" dur="500"/>
+                                        <p:tgtEl>
+                                          <p:spTgt spid="10"/>
+                                        </p:tgtEl>
+                                      </p:cBhvr>
+                                    </p:animEffect>
+                                  </p:childTnLst>
+                                </p:cTn>
+                              </p:par>
+                            </p:childTnLst>
+                          </p:cTn>
+                        </p:par>
+                      </p:childTnLst>
+                    </p:cTn>
+                  </p:par>
+                </p:childTnLst>
+              </p:cTn>
+              <p:prevCondLst>
+                <p:cond evt="onPrev" delay="0">
+                  <p:tgtEl>
+                    <p:sldTgt/>
+                  </p:tgtEl>
+                </p:cond>
+              </p:prevCondLst>
+              <p:nextCondLst>
+                <p:cond evt="onNext" delay="0">
+                  <p:tgtEl>
+                    <p:sldTgt/>
+                  </p:tgtEl>
+                </p:cond>
+              </p:nextCondLst>
+            </p:seq>
+          </p:childTnLst>
+        </p:cTn>
       </p:par>
     </p:tnLst>
+    <p:bldLst>
+      <p:bldP spid="7" grpId="0" animBg="1"/>
+      <p:bldP spid="7" grpId="1" animBg="1"/>
+      <p:bldP spid="8" grpId="0" animBg="1"/>
+      <p:bldP spid="8" grpId="1" animBg="1"/>
+      <p:bldP spid="9" grpId="0" animBg="1"/>
+      <p:bldP spid="10" grpId="0" animBg="1"/>
+      <p:bldP spid="11" grpId="0" animBg="1"/>
+      <p:bldP spid="11" grpId="1" animBg="1"/>
+      <p:bldP spid="12" grpId="0" animBg="1"/>
+    </p:bldLst>
   </p:timing>
 </p:sld>
 </file>
@@ -6664,7 +8197,7 @@
       </p:grpSpPr>
       <p:sp>
         <p:nvSpPr>
-          <p:cNvPr id="4" name="Title 3"/>
+          <p:cNvPr id="2" name="Title 1"/>
           <p:cNvSpPr>
             <a:spLocks noGrp="1"/>
           </p:cNvSpPr>
@@ -6679,7 +8212,7 @@
           <a:p>
             <a:r>
               <a:rPr lang="en-US" dirty="0" smtClean="0"/>
-              <a:t>Hammer.js</a:t>
+              <a:t>Touch information</a:t>
             </a:r>
             <a:endParaRPr lang="en-US" dirty="0"/>
           </a:p>
@@ -6687,7 +8220,7 @@
       </p:sp>
       <p:sp>
         <p:nvSpPr>
-          <p:cNvPr id="5" name="Content Placeholder 4"/>
+          <p:cNvPr id="3" name="Content Placeholder 2"/>
           <p:cNvSpPr>
             <a:spLocks noGrp="1"/>
           </p:cNvSpPr>
@@ -6701,26 +8234,44 @@
           <a:lstStyle/>
           <a:p>
             <a:r>
-              <a:rPr lang="en-US" dirty="0" smtClean="0"/>
-              <a:t>Library basics</a:t>
-            </a:r>
-          </a:p>
-          <a:p>
-            <a:r>
-              <a:rPr lang="en-US" dirty="0" smtClean="0"/>
-              <a:t>Events</a:t>
-            </a:r>
-          </a:p>
-          <a:p>
-            <a:r>
-              <a:rPr lang="en-US" dirty="0" smtClean="0"/>
-              <a:t>Registering handlers</a:t>
-            </a:r>
-          </a:p>
-          <a:p>
-            <a:r>
-              <a:rPr lang="en-US" dirty="0" smtClean="0"/>
-              <a:t>Responding to events</a:t>
+              <a:rPr lang="en-US" dirty="0"/>
+              <a:t>force</a:t>
+            </a:r>
+          </a:p>
+          <a:p>
+            <a:pPr lvl="1"/>
+            <a:r>
+              <a:rPr lang="en-US" dirty="0"/>
+              <a:t>Determine stylus vs </a:t>
+            </a:r>
+            <a:r>
+              <a:rPr lang="en-US" dirty="0" smtClean="0"/>
+              <a:t>finger</a:t>
+            </a:r>
+          </a:p>
+          <a:p>
+            <a:pPr lvl="1"/>
+            <a:r>
+              <a:rPr lang="en-US" dirty="0" smtClean="0"/>
+              <a:t>Scale of 0 to 1</a:t>
+            </a:r>
+            <a:endParaRPr lang="en-US" dirty="0"/>
+          </a:p>
+          <a:p>
+            <a:r>
+              <a:rPr lang="en-US" dirty="0"/>
+              <a:t>target</a:t>
+            </a:r>
+          </a:p>
+          <a:p>
+            <a:pPr lvl="1"/>
+            <a:r>
+              <a:rPr lang="en-US" dirty="0"/>
+              <a:t>Element at the touch </a:t>
+            </a:r>
+            <a:r>
+              <a:rPr lang="en-US" dirty="0" smtClean="0"/>
+              <a:t>point</a:t>
             </a:r>
             <a:endParaRPr lang="en-US" dirty="0"/>
           </a:p>
@@ -6729,7 +8280,7 @@
     </p:spTree>
     <p:extLst>
       <p:ext uri="{BB962C8B-B14F-4D97-AF65-F5344CB8AC3E}">
-        <p14:creationId xmlns:p14="http://schemas.microsoft.com/office/powerpoint/2010/main" val="2322546930"/>
+        <p14:creationId xmlns:p14="http://schemas.microsoft.com/office/powerpoint/2010/main" val="2992434218"/>
       </p:ext>
     </p:extLst>
   </p:cSld>
@@ -6765,6 +8316,246 @@
       </p:grpSpPr>
       <p:sp>
         <p:nvSpPr>
+          <p:cNvPr id="4" name="Title 3"/>
+          <p:cNvSpPr>
+            <a:spLocks noGrp="1"/>
+          </p:cNvSpPr>
+          <p:nvPr>
+            <p:ph type="title"/>
+          </p:nvPr>
+        </p:nvSpPr>
+        <p:spPr/>
+        <p:txBody>
+          <a:bodyPr/>
+          <a:lstStyle/>
+          <a:p>
+            <a:r>
+              <a:rPr lang="en-US" dirty="0" smtClean="0"/>
+              <a:t>JavaScript touch events</a:t>
+            </a:r>
+            <a:endParaRPr lang="en-US" dirty="0"/>
+          </a:p>
+        </p:txBody>
+      </p:sp>
+    </p:spTree>
+    <p:extLst>
+      <p:ext uri="{BB962C8B-B14F-4D97-AF65-F5344CB8AC3E}">
+        <p14:creationId xmlns:p14="http://schemas.microsoft.com/office/powerpoint/2010/main" val="1730827594"/>
+      </p:ext>
+    </p:extLst>
+  </p:cSld>
+  <p:clrMapOvr>
+    <a:masterClrMapping/>
+  </p:clrMapOvr>
+  <p:timing>
+    <p:tnLst>
+      <p:par>
+        <p:cTn id="1" dur="indefinite" restart="never" nodeType="tmRoot"/>
+      </p:par>
+    </p:tnLst>
+  </p:timing>
+</p:sld>
+</file>
+
+<file path=ppt/slides/slide15.xml><?xml version="1.0" encoding="utf-8"?>
+<p:sld xmlns:a="http://schemas.openxmlformats.org/drawingml/2006/main" xmlns:r="http://schemas.openxmlformats.org/officeDocument/2006/relationships" xmlns:p="http://schemas.openxmlformats.org/presentationml/2006/main">
+  <p:cSld>
+    <p:spTree>
+      <p:nvGrpSpPr>
+        <p:cNvPr id="1" name=""/>
+        <p:cNvGrpSpPr/>
+        <p:nvPr/>
+      </p:nvGrpSpPr>
+      <p:grpSpPr>
+        <a:xfrm>
+          <a:off x="0" y="0"/>
+          <a:ext cx="0" cy="0"/>
+          <a:chOff x="0" y="0"/>
+          <a:chExt cx="0" cy="0"/>
+        </a:xfrm>
+      </p:grpSpPr>
+      <p:sp>
+        <p:nvSpPr>
+          <p:cNvPr id="4" name="Text Placeholder 3"/>
+          <p:cNvSpPr>
+            <a:spLocks noGrp="1"/>
+          </p:cNvSpPr>
+          <p:nvPr>
+            <p:ph type="body" sz="quarter" idx="10"/>
+          </p:nvPr>
+        </p:nvSpPr>
+        <p:spPr/>
+        <p:txBody>
+          <a:bodyPr/>
+          <a:lstStyle/>
+          <a:p>
+            <a:r>
+              <a:rPr lang="en-US" dirty="0" smtClean="0"/>
+              <a:t>Hammer.js</a:t>
+            </a:r>
+            <a:endParaRPr lang="en-US" dirty="0"/>
+          </a:p>
+        </p:txBody>
+      </p:sp>
+      <p:sp>
+        <p:nvSpPr>
+          <p:cNvPr id="2" name="Subtitle 1"/>
+          <p:cNvSpPr>
+            <a:spLocks noGrp="1"/>
+          </p:cNvSpPr>
+          <p:nvPr>
+            <p:ph type="subTitle" idx="1"/>
+          </p:nvPr>
+        </p:nvSpPr>
+        <p:spPr/>
+        <p:txBody>
+          <a:bodyPr/>
+          <a:lstStyle/>
+          <a:p>
+            <a:endParaRPr lang="en-US"/>
+          </a:p>
+        </p:txBody>
+      </p:sp>
+    </p:spTree>
+    <p:extLst>
+      <p:ext uri="{BB962C8B-B14F-4D97-AF65-F5344CB8AC3E}">
+        <p14:creationId xmlns:p14="http://schemas.microsoft.com/office/powerpoint/2010/main" val="2316003865"/>
+      </p:ext>
+    </p:extLst>
+  </p:cSld>
+  <p:clrMapOvr>
+    <a:masterClrMapping/>
+  </p:clrMapOvr>
+  <p:timing>
+    <p:tnLst>
+      <p:par>
+        <p:cTn id="1" dur="indefinite" restart="never" nodeType="tmRoot"/>
+      </p:par>
+    </p:tnLst>
+  </p:timing>
+</p:sld>
+</file>
+
+<file path=ppt/slides/slide16.xml><?xml version="1.0" encoding="utf-8"?>
+<p:sld xmlns:a="http://schemas.openxmlformats.org/drawingml/2006/main" xmlns:r="http://schemas.openxmlformats.org/officeDocument/2006/relationships" xmlns:p="http://schemas.openxmlformats.org/presentationml/2006/main">
+  <p:cSld>
+    <p:spTree>
+      <p:nvGrpSpPr>
+        <p:cNvPr id="1" name=""/>
+        <p:cNvGrpSpPr/>
+        <p:nvPr/>
+      </p:nvGrpSpPr>
+      <p:grpSpPr>
+        <a:xfrm>
+          <a:off x="0" y="0"/>
+          <a:ext cx="0" cy="0"/>
+          <a:chOff x="0" y="0"/>
+          <a:chExt cx="0" cy="0"/>
+        </a:xfrm>
+      </p:grpSpPr>
+      <p:sp>
+        <p:nvSpPr>
+          <p:cNvPr id="4" name="Title 3"/>
+          <p:cNvSpPr>
+            <a:spLocks noGrp="1"/>
+          </p:cNvSpPr>
+          <p:nvPr>
+            <p:ph type="title"/>
+          </p:nvPr>
+        </p:nvSpPr>
+        <p:spPr/>
+        <p:txBody>
+          <a:bodyPr/>
+          <a:lstStyle/>
+          <a:p>
+            <a:r>
+              <a:rPr lang="en-US" dirty="0" smtClean="0"/>
+              <a:t>Hammer.js</a:t>
+            </a:r>
+            <a:endParaRPr lang="en-US" dirty="0"/>
+          </a:p>
+        </p:txBody>
+      </p:sp>
+      <p:sp>
+        <p:nvSpPr>
+          <p:cNvPr id="5" name="Content Placeholder 4"/>
+          <p:cNvSpPr>
+            <a:spLocks noGrp="1"/>
+          </p:cNvSpPr>
+          <p:nvPr>
+            <p:ph sz="quarter" idx="10"/>
+          </p:nvPr>
+        </p:nvSpPr>
+        <p:spPr/>
+        <p:txBody>
+          <a:bodyPr/>
+          <a:lstStyle/>
+          <a:p>
+            <a:r>
+              <a:rPr lang="en-US" dirty="0" smtClean="0"/>
+              <a:t>Library basics</a:t>
+            </a:r>
+          </a:p>
+          <a:p>
+            <a:r>
+              <a:rPr lang="en-US" dirty="0" smtClean="0"/>
+              <a:t>Events</a:t>
+            </a:r>
+          </a:p>
+          <a:p>
+            <a:r>
+              <a:rPr lang="en-US" dirty="0" smtClean="0"/>
+              <a:t>Registering handlers</a:t>
+            </a:r>
+          </a:p>
+          <a:p>
+            <a:r>
+              <a:rPr lang="en-US" dirty="0" smtClean="0"/>
+              <a:t>Responding to events</a:t>
+            </a:r>
+            <a:endParaRPr lang="en-US" dirty="0"/>
+          </a:p>
+        </p:txBody>
+      </p:sp>
+    </p:spTree>
+    <p:extLst>
+      <p:ext uri="{BB962C8B-B14F-4D97-AF65-F5344CB8AC3E}">
+        <p14:creationId xmlns:p14="http://schemas.microsoft.com/office/powerpoint/2010/main" val="2322546930"/>
+      </p:ext>
+    </p:extLst>
+  </p:cSld>
+  <p:clrMapOvr>
+    <a:masterClrMapping/>
+  </p:clrMapOvr>
+  <p:timing>
+    <p:tnLst>
+      <p:par>
+        <p:cTn id="1" dur="indefinite" restart="never" nodeType="tmRoot"/>
+      </p:par>
+    </p:tnLst>
+  </p:timing>
+</p:sld>
+</file>
+
+<file path=ppt/slides/slide17.xml><?xml version="1.0" encoding="utf-8"?>
+<p:sld xmlns:a="http://schemas.openxmlformats.org/drawingml/2006/main" xmlns:r="http://schemas.openxmlformats.org/officeDocument/2006/relationships" xmlns:p="http://schemas.openxmlformats.org/presentationml/2006/main">
+  <p:cSld>
+    <p:spTree>
+      <p:nvGrpSpPr>
+        <p:cNvPr id="1" name=""/>
+        <p:cNvGrpSpPr/>
+        <p:nvPr/>
+      </p:nvGrpSpPr>
+      <p:grpSpPr>
+        <a:xfrm>
+          <a:off x="0" y="0"/>
+          <a:ext cx="0" cy="0"/>
+          <a:chOff x="0" y="0"/>
+          <a:chExt cx="0" cy="0"/>
+        </a:xfrm>
+      </p:grpSpPr>
+      <p:sp>
+        <p:nvSpPr>
           <p:cNvPr id="2" name="Title 1"/>
           <p:cNvSpPr>
             <a:spLocks noGrp="1"/>
@@ -6840,7 +8631,7 @@
 </p:sld>
 </file>
 
-<file path=ppt/slides/slide15.xml><?xml version="1.0" encoding="utf-8"?>
+<file path=ppt/slides/slide18.xml><?xml version="1.0" encoding="utf-8"?>
 <p:sld xmlns:a="http://schemas.openxmlformats.org/drawingml/2006/main" xmlns:r="http://schemas.openxmlformats.org/officeDocument/2006/relationships" xmlns:p="http://schemas.openxmlformats.org/presentationml/2006/main">
   <p:cSld>
     <p:spTree>
@@ -8531,7 +10322,7 @@
 </p:sld>
 </file>
 
-<file path=ppt/slides/slide16.xml><?xml version="1.0" encoding="utf-8"?>
+<file path=ppt/slides/slide19.xml><?xml version="1.0" encoding="utf-8"?>
 <p:sld xmlns:a="http://schemas.openxmlformats.org/drawingml/2006/main" xmlns:r="http://schemas.openxmlformats.org/officeDocument/2006/relationships" xmlns:p="http://schemas.openxmlformats.org/presentationml/2006/main">
   <p:cSld>
     <p:spTree>
@@ -8789,256 +10580,6 @@
     <p:extLst>
       <p:ext uri="{BB962C8B-B14F-4D97-AF65-F5344CB8AC3E}">
         <p14:creationId xmlns:p14="http://schemas.microsoft.com/office/powerpoint/2010/main" val="535760147"/>
-      </p:ext>
-    </p:extLst>
-  </p:cSld>
-  <p:clrMapOvr>
-    <a:masterClrMapping/>
-  </p:clrMapOvr>
-  <p:timing>
-    <p:tnLst>
-      <p:par>
-        <p:cTn id="1" dur="indefinite" restart="never" nodeType="tmRoot"/>
-      </p:par>
-    </p:tnLst>
-  </p:timing>
-</p:sld>
-</file>
-
-<file path=ppt/slides/slide17.xml><?xml version="1.0" encoding="utf-8"?>
-<p:sld xmlns:a="http://schemas.openxmlformats.org/drawingml/2006/main" xmlns:r="http://schemas.openxmlformats.org/officeDocument/2006/relationships" xmlns:p="http://schemas.openxmlformats.org/presentationml/2006/main">
-  <p:cSld>
-    <p:spTree>
-      <p:nvGrpSpPr>
-        <p:cNvPr id="1" name=""/>
-        <p:cNvGrpSpPr/>
-        <p:nvPr/>
-      </p:nvGrpSpPr>
-      <p:grpSpPr>
-        <a:xfrm>
-          <a:off x="0" y="0"/>
-          <a:ext cx="0" cy="0"/>
-          <a:chOff x="0" y="0"/>
-          <a:chExt cx="0" cy="0"/>
-        </a:xfrm>
-      </p:grpSpPr>
-      <p:sp>
-        <p:nvSpPr>
-          <p:cNvPr id="2" name="Title 1"/>
-          <p:cNvSpPr>
-            <a:spLocks noGrp="1"/>
-          </p:cNvSpPr>
-          <p:nvPr>
-            <p:ph type="title"/>
-          </p:nvPr>
-        </p:nvSpPr>
-        <p:spPr/>
-        <p:txBody>
-          <a:bodyPr/>
-          <a:lstStyle/>
-          <a:p>
-            <a:r>
-              <a:rPr lang="en-US" dirty="0" smtClean="0"/>
-              <a:t>Event properties</a:t>
-            </a:r>
-            <a:endParaRPr lang="en-US" dirty="0"/>
-          </a:p>
-        </p:txBody>
-      </p:sp>
-      <p:sp>
-        <p:nvSpPr>
-          <p:cNvPr id="3" name="Content Placeholder 2"/>
-          <p:cNvSpPr>
-            <a:spLocks noGrp="1"/>
-          </p:cNvSpPr>
-          <p:nvPr>
-            <p:ph sz="quarter" idx="10"/>
-          </p:nvPr>
-        </p:nvSpPr>
-        <p:spPr/>
-        <p:txBody>
-          <a:bodyPr>
-            <a:normAutofit lnSpcReduction="10000"/>
-          </a:bodyPr>
-          <a:lstStyle/>
-          <a:p>
-            <a:r>
-              <a:rPr lang="en-US" dirty="0" smtClean="0"/>
-              <a:t>type</a:t>
-            </a:r>
-          </a:p>
-          <a:p>
-            <a:pPr lvl="1"/>
-            <a:r>
-              <a:rPr lang="en-US" dirty="0" smtClean="0"/>
-              <a:t>Type of event</a:t>
-            </a:r>
-          </a:p>
-          <a:p>
-            <a:r>
-              <a:rPr lang="en-US" dirty="0" smtClean="0"/>
-              <a:t>direction</a:t>
-            </a:r>
-          </a:p>
-          <a:p>
-            <a:pPr lvl="1"/>
-            <a:r>
-              <a:rPr lang="en-US" dirty="0" smtClean="0"/>
-              <a:t>Right, left, horizontal, vertical</a:t>
-            </a:r>
-          </a:p>
-          <a:p>
-            <a:r>
-              <a:rPr lang="en-US" dirty="0" err="1" smtClean="0"/>
-              <a:t>deltaX</a:t>
-            </a:r>
-            <a:r>
-              <a:rPr lang="en-US" dirty="0" smtClean="0"/>
-              <a:t> and </a:t>
-            </a:r>
-            <a:r>
-              <a:rPr lang="en-US" dirty="0" err="1" smtClean="0"/>
-              <a:t>deltaY</a:t>
-            </a:r>
-            <a:endParaRPr lang="en-US" dirty="0" smtClean="0"/>
-          </a:p>
-          <a:p>
-            <a:pPr lvl="1"/>
-            <a:r>
-              <a:rPr lang="en-US" dirty="0" smtClean="0"/>
-              <a:t>Difference in pixels from starting XY coordinates</a:t>
-            </a:r>
-          </a:p>
-          <a:p>
-            <a:r>
-              <a:rPr lang="en-US" dirty="0" smtClean="0"/>
-              <a:t>scale</a:t>
-            </a:r>
-          </a:p>
-          <a:p>
-            <a:pPr lvl="1"/>
-            <a:r>
-              <a:rPr lang="en-US" dirty="0" smtClean="0"/>
-              <a:t>Based on a scale of 1</a:t>
-            </a:r>
-          </a:p>
-          <a:p>
-            <a:r>
-              <a:rPr lang="en-US" dirty="0" smtClean="0"/>
-              <a:t>rotation</a:t>
-            </a:r>
-          </a:p>
-          <a:p>
-            <a:pPr lvl="1"/>
-            <a:r>
-              <a:rPr lang="en-US" dirty="0" smtClean="0"/>
-              <a:t>Number of degrees of rotation</a:t>
-            </a:r>
-            <a:endParaRPr lang="en-US" dirty="0"/>
-          </a:p>
-        </p:txBody>
-      </p:sp>
-    </p:spTree>
-    <p:extLst>
-      <p:ext uri="{BB962C8B-B14F-4D97-AF65-F5344CB8AC3E}">
-        <p14:creationId xmlns:p14="http://schemas.microsoft.com/office/powerpoint/2010/main" val="642066572"/>
-      </p:ext>
-    </p:extLst>
-  </p:cSld>
-  <p:clrMapOvr>
-    <a:masterClrMapping/>
-  </p:clrMapOvr>
-  <p:timing>
-    <p:tnLst>
-      <p:par>
-        <p:cTn id="1" dur="indefinite" restart="never" nodeType="tmRoot"/>
-      </p:par>
-    </p:tnLst>
-  </p:timing>
-</p:sld>
-</file>
-
-<file path=ppt/slides/slide18.xml><?xml version="1.0" encoding="utf-8"?>
-<p:sld xmlns:a="http://schemas.openxmlformats.org/drawingml/2006/main" xmlns:r="http://schemas.openxmlformats.org/officeDocument/2006/relationships" xmlns:p="http://schemas.openxmlformats.org/presentationml/2006/main">
-  <p:cSld>
-    <p:spTree>
-      <p:nvGrpSpPr>
-        <p:cNvPr id="1" name=""/>
-        <p:cNvGrpSpPr/>
-        <p:nvPr/>
-      </p:nvGrpSpPr>
-      <p:grpSpPr>
-        <a:xfrm>
-          <a:off x="0" y="0"/>
-          <a:ext cx="0" cy="0"/>
-          <a:chOff x="0" y="0"/>
-          <a:chExt cx="0" cy="0"/>
-        </a:xfrm>
-      </p:grpSpPr>
-      <p:sp>
-        <p:nvSpPr>
-          <p:cNvPr id="6" name="Title 5"/>
-          <p:cNvSpPr>
-            <a:spLocks noGrp="1"/>
-          </p:cNvSpPr>
-          <p:nvPr>
-            <p:ph type="title"/>
-          </p:nvPr>
-        </p:nvSpPr>
-        <p:spPr/>
-        <p:txBody>
-          <a:bodyPr/>
-          <a:lstStyle/>
-          <a:p>
-            <a:r>
-              <a:rPr lang="en-US" dirty="0" smtClean="0"/>
-              <a:t>Hammer.js example</a:t>
-            </a:r>
-            <a:endParaRPr lang="en-US" dirty="0"/>
-          </a:p>
-        </p:txBody>
-      </p:sp>
-    </p:spTree>
-    <p:extLst>
-      <p:ext uri="{BB962C8B-B14F-4D97-AF65-F5344CB8AC3E}">
-        <p14:creationId xmlns:p14="http://schemas.microsoft.com/office/powerpoint/2010/main" val="2303799145"/>
-      </p:ext>
-    </p:extLst>
-  </p:cSld>
-  <p:clrMapOvr>
-    <a:masterClrMapping/>
-  </p:clrMapOvr>
-  <p:timing>
-    <p:tnLst>
-      <p:par>
-        <p:cTn id="1" dur="indefinite" restart="never" nodeType="tmRoot"/>
-      </p:par>
-    </p:tnLst>
-  </p:timing>
-</p:sld>
-</file>
-
-<file path=ppt/slides/slide19.xml><?xml version="1.0" encoding="utf-8"?>
-<p:sld xmlns:a="http://schemas.openxmlformats.org/drawingml/2006/main" xmlns:r="http://schemas.openxmlformats.org/officeDocument/2006/relationships" xmlns:p="http://schemas.openxmlformats.org/presentationml/2006/main">
-  <p:cSld>
-    <p:spTree>
-      <p:nvGrpSpPr>
-        <p:cNvPr id="1" name=""/>
-        <p:cNvGrpSpPr/>
-        <p:nvPr/>
-      </p:nvGrpSpPr>
-      <p:grpSpPr>
-        <a:xfrm>
-          <a:off x="0" y="0"/>
-          <a:ext cx="0" cy="0"/>
-          <a:chOff x="0" y="0"/>
-          <a:chExt cx="0" cy="0"/>
-        </a:xfrm>
-      </p:grpSpPr>
-    </p:spTree>
-    <p:extLst>
-      <p:ext uri="{BB962C8B-B14F-4D97-AF65-F5344CB8AC3E}">
-        <p14:creationId xmlns:p14="http://schemas.microsoft.com/office/powerpoint/2010/main" val="898363405"/>
       </p:ext>
     </p:extLst>
   </p:cSld>
@@ -9127,14 +10668,14 @@
                 <a:gridCol w="5762625">
                   <a:extLst>
                     <a:ext uri="{9D8B030D-6E8A-4147-A177-3AD203B41FA5}">
-                      <a16:colId xmlns:a16="http://schemas.microsoft.com/office/drawing/2014/main" xmlns="" val="1632794655"/>
+                      <a16:colId xmlns="" xmlns:a16="http://schemas.microsoft.com/office/drawing/2014/main" val="1632794655"/>
                     </a:ext>
                   </a:extLst>
                 </a:gridCol>
                 <a:gridCol w="5762625">
                   <a:extLst>
                     <a:ext uri="{9D8B030D-6E8A-4147-A177-3AD203B41FA5}">
-                      <a16:colId xmlns:a16="http://schemas.microsoft.com/office/drawing/2014/main" xmlns="" val="2011313899"/>
+                      <a16:colId xmlns="" xmlns:a16="http://schemas.microsoft.com/office/drawing/2014/main" val="2011313899"/>
                     </a:ext>
                   </a:extLst>
                 </a:gridCol>
@@ -9172,7 +10713,7 @@
                 </a:tc>
                 <a:extLst>
                   <a:ext uri="{0D108BD9-81ED-4DB2-BD59-A6C34878D82A}">
-                    <a16:rowId xmlns:a16="http://schemas.microsoft.com/office/drawing/2014/main" xmlns="" val="1789177411"/>
+                    <a16:rowId xmlns="" xmlns:a16="http://schemas.microsoft.com/office/drawing/2014/main" val="1789177411"/>
                   </a:ext>
                 </a:extLst>
               </a:tr>
@@ -9233,7 +10774,7 @@
                 </a:tc>
                 <a:extLst>
                   <a:ext uri="{0D108BD9-81ED-4DB2-BD59-A6C34878D82A}">
-                    <a16:rowId xmlns:a16="http://schemas.microsoft.com/office/drawing/2014/main" xmlns="" val="3842815335"/>
+                    <a16:rowId xmlns="" xmlns:a16="http://schemas.microsoft.com/office/drawing/2014/main" val="3842815335"/>
                   </a:ext>
                 </a:extLst>
               </a:tr>
@@ -9280,7 +10821,7 @@
                 </a:tc>
                 <a:extLst>
                   <a:ext uri="{0D108BD9-81ED-4DB2-BD59-A6C34878D82A}">
-                    <a16:rowId xmlns:a16="http://schemas.microsoft.com/office/drawing/2014/main" xmlns="" val="321066646"/>
+                    <a16:rowId xmlns="" xmlns:a16="http://schemas.microsoft.com/office/drawing/2014/main" val="321066646"/>
                   </a:ext>
                 </a:extLst>
               </a:tr>
@@ -9351,7 +10892,7 @@
                 </a:tc>
                 <a:extLst>
                   <a:ext uri="{0D108BD9-81ED-4DB2-BD59-A6C34878D82A}">
-                    <a16:rowId xmlns:a16="http://schemas.microsoft.com/office/drawing/2014/main" xmlns="" val="3812060533"/>
+                    <a16:rowId xmlns="" xmlns:a16="http://schemas.microsoft.com/office/drawing/2014/main" val="3812060533"/>
                   </a:ext>
                 </a:extLst>
               </a:tr>
@@ -9446,6 +10987,256 @@
 </p:sld>
 </file>
 
+<file path=ppt/slides/slide20.xml><?xml version="1.0" encoding="utf-8"?>
+<p:sld xmlns:a="http://schemas.openxmlformats.org/drawingml/2006/main" xmlns:r="http://schemas.openxmlformats.org/officeDocument/2006/relationships" xmlns:p="http://schemas.openxmlformats.org/presentationml/2006/main">
+  <p:cSld>
+    <p:spTree>
+      <p:nvGrpSpPr>
+        <p:cNvPr id="1" name=""/>
+        <p:cNvGrpSpPr/>
+        <p:nvPr/>
+      </p:nvGrpSpPr>
+      <p:grpSpPr>
+        <a:xfrm>
+          <a:off x="0" y="0"/>
+          <a:ext cx="0" cy="0"/>
+          <a:chOff x="0" y="0"/>
+          <a:chExt cx="0" cy="0"/>
+        </a:xfrm>
+      </p:grpSpPr>
+      <p:sp>
+        <p:nvSpPr>
+          <p:cNvPr id="2" name="Title 1"/>
+          <p:cNvSpPr>
+            <a:spLocks noGrp="1"/>
+          </p:cNvSpPr>
+          <p:nvPr>
+            <p:ph type="title"/>
+          </p:nvPr>
+        </p:nvSpPr>
+        <p:spPr/>
+        <p:txBody>
+          <a:bodyPr/>
+          <a:lstStyle/>
+          <a:p>
+            <a:r>
+              <a:rPr lang="en-US" dirty="0" smtClean="0"/>
+              <a:t>Event properties</a:t>
+            </a:r>
+            <a:endParaRPr lang="en-US" dirty="0"/>
+          </a:p>
+        </p:txBody>
+      </p:sp>
+      <p:sp>
+        <p:nvSpPr>
+          <p:cNvPr id="3" name="Content Placeholder 2"/>
+          <p:cNvSpPr>
+            <a:spLocks noGrp="1"/>
+          </p:cNvSpPr>
+          <p:nvPr>
+            <p:ph sz="quarter" idx="10"/>
+          </p:nvPr>
+        </p:nvSpPr>
+        <p:spPr/>
+        <p:txBody>
+          <a:bodyPr>
+            <a:normAutofit lnSpcReduction="10000"/>
+          </a:bodyPr>
+          <a:lstStyle/>
+          <a:p>
+            <a:r>
+              <a:rPr lang="en-US" dirty="0" smtClean="0"/>
+              <a:t>type</a:t>
+            </a:r>
+          </a:p>
+          <a:p>
+            <a:pPr lvl="1"/>
+            <a:r>
+              <a:rPr lang="en-US" dirty="0" smtClean="0"/>
+              <a:t>Type of event</a:t>
+            </a:r>
+          </a:p>
+          <a:p>
+            <a:r>
+              <a:rPr lang="en-US" dirty="0" smtClean="0"/>
+              <a:t>direction</a:t>
+            </a:r>
+          </a:p>
+          <a:p>
+            <a:pPr lvl="1"/>
+            <a:r>
+              <a:rPr lang="en-US" dirty="0" smtClean="0"/>
+              <a:t>Right, left, horizontal, vertical</a:t>
+            </a:r>
+          </a:p>
+          <a:p>
+            <a:r>
+              <a:rPr lang="en-US" dirty="0" err="1" smtClean="0"/>
+              <a:t>deltaX</a:t>
+            </a:r>
+            <a:r>
+              <a:rPr lang="en-US" dirty="0" smtClean="0"/>
+              <a:t> and </a:t>
+            </a:r>
+            <a:r>
+              <a:rPr lang="en-US" dirty="0" err="1" smtClean="0"/>
+              <a:t>deltaY</a:t>
+            </a:r>
+            <a:endParaRPr lang="en-US" dirty="0" smtClean="0"/>
+          </a:p>
+          <a:p>
+            <a:pPr lvl="1"/>
+            <a:r>
+              <a:rPr lang="en-US" dirty="0" smtClean="0"/>
+              <a:t>Difference in pixels from starting XY coordinates</a:t>
+            </a:r>
+          </a:p>
+          <a:p>
+            <a:r>
+              <a:rPr lang="en-US" dirty="0" smtClean="0"/>
+              <a:t>scale</a:t>
+            </a:r>
+          </a:p>
+          <a:p>
+            <a:pPr lvl="1"/>
+            <a:r>
+              <a:rPr lang="en-US" dirty="0" smtClean="0"/>
+              <a:t>Based on a scale of 1</a:t>
+            </a:r>
+          </a:p>
+          <a:p>
+            <a:r>
+              <a:rPr lang="en-US" dirty="0" smtClean="0"/>
+              <a:t>rotation</a:t>
+            </a:r>
+          </a:p>
+          <a:p>
+            <a:pPr lvl="1"/>
+            <a:r>
+              <a:rPr lang="en-US" dirty="0" smtClean="0"/>
+              <a:t>Number of degrees of rotation</a:t>
+            </a:r>
+            <a:endParaRPr lang="en-US" dirty="0"/>
+          </a:p>
+        </p:txBody>
+      </p:sp>
+    </p:spTree>
+    <p:extLst>
+      <p:ext uri="{BB962C8B-B14F-4D97-AF65-F5344CB8AC3E}">
+        <p14:creationId xmlns:p14="http://schemas.microsoft.com/office/powerpoint/2010/main" val="642066572"/>
+      </p:ext>
+    </p:extLst>
+  </p:cSld>
+  <p:clrMapOvr>
+    <a:masterClrMapping/>
+  </p:clrMapOvr>
+  <p:timing>
+    <p:tnLst>
+      <p:par>
+        <p:cTn id="1" dur="indefinite" restart="never" nodeType="tmRoot"/>
+      </p:par>
+    </p:tnLst>
+  </p:timing>
+</p:sld>
+</file>
+
+<file path=ppt/slides/slide21.xml><?xml version="1.0" encoding="utf-8"?>
+<p:sld xmlns:a="http://schemas.openxmlformats.org/drawingml/2006/main" xmlns:r="http://schemas.openxmlformats.org/officeDocument/2006/relationships" xmlns:p="http://schemas.openxmlformats.org/presentationml/2006/main">
+  <p:cSld>
+    <p:spTree>
+      <p:nvGrpSpPr>
+        <p:cNvPr id="1" name=""/>
+        <p:cNvGrpSpPr/>
+        <p:nvPr/>
+      </p:nvGrpSpPr>
+      <p:grpSpPr>
+        <a:xfrm>
+          <a:off x="0" y="0"/>
+          <a:ext cx="0" cy="0"/>
+          <a:chOff x="0" y="0"/>
+          <a:chExt cx="0" cy="0"/>
+        </a:xfrm>
+      </p:grpSpPr>
+      <p:sp>
+        <p:nvSpPr>
+          <p:cNvPr id="6" name="Title 5"/>
+          <p:cNvSpPr>
+            <a:spLocks noGrp="1"/>
+          </p:cNvSpPr>
+          <p:nvPr>
+            <p:ph type="title"/>
+          </p:nvPr>
+        </p:nvSpPr>
+        <p:spPr/>
+        <p:txBody>
+          <a:bodyPr/>
+          <a:lstStyle/>
+          <a:p>
+            <a:r>
+              <a:rPr lang="en-US" dirty="0" smtClean="0"/>
+              <a:t>Hammer.js example</a:t>
+            </a:r>
+            <a:endParaRPr lang="en-US" dirty="0"/>
+          </a:p>
+        </p:txBody>
+      </p:sp>
+    </p:spTree>
+    <p:extLst>
+      <p:ext uri="{BB962C8B-B14F-4D97-AF65-F5344CB8AC3E}">
+        <p14:creationId xmlns:p14="http://schemas.microsoft.com/office/powerpoint/2010/main" val="2303799145"/>
+      </p:ext>
+    </p:extLst>
+  </p:cSld>
+  <p:clrMapOvr>
+    <a:masterClrMapping/>
+  </p:clrMapOvr>
+  <p:timing>
+    <p:tnLst>
+      <p:par>
+        <p:cTn id="1" dur="indefinite" restart="never" nodeType="tmRoot"/>
+      </p:par>
+    </p:tnLst>
+  </p:timing>
+</p:sld>
+</file>
+
+<file path=ppt/slides/slide22.xml><?xml version="1.0" encoding="utf-8"?>
+<p:sld xmlns:a="http://schemas.openxmlformats.org/drawingml/2006/main" xmlns:r="http://schemas.openxmlformats.org/officeDocument/2006/relationships" xmlns:p="http://schemas.openxmlformats.org/presentationml/2006/main">
+  <p:cSld>
+    <p:spTree>
+      <p:nvGrpSpPr>
+        <p:cNvPr id="1" name=""/>
+        <p:cNvGrpSpPr/>
+        <p:nvPr/>
+      </p:nvGrpSpPr>
+      <p:grpSpPr>
+        <a:xfrm>
+          <a:off x="0" y="0"/>
+          <a:ext cx="0" cy="0"/>
+          <a:chOff x="0" y="0"/>
+          <a:chExt cx="0" cy="0"/>
+        </a:xfrm>
+      </p:grpSpPr>
+    </p:spTree>
+    <p:extLst>
+      <p:ext uri="{BB962C8B-B14F-4D97-AF65-F5344CB8AC3E}">
+        <p14:creationId xmlns:p14="http://schemas.microsoft.com/office/powerpoint/2010/main" val="898363405"/>
+      </p:ext>
+    </p:extLst>
+  </p:cSld>
+  <p:clrMapOvr>
+    <a:masterClrMapping/>
+  </p:clrMapOvr>
+  <p:timing>
+    <p:tnLst>
+      <p:par>
+        <p:cTn id="1" dur="indefinite" restart="never" nodeType="tmRoot"/>
+      </p:par>
+    </p:tnLst>
+  </p:timing>
+</p:sld>
+</file>
+
 <file path=ppt/slides/slide3.xml><?xml version="1.0" encoding="utf-8"?>
 <p:sld xmlns:a="http://schemas.openxmlformats.org/drawingml/2006/main" xmlns:r="http://schemas.openxmlformats.org/officeDocument/2006/relationships" xmlns:p="http://schemas.openxmlformats.org/presentationml/2006/main">
   <p:cSld>
@@ -9542,6 +11333,1020 @@
 </file>
 
 <file path=ppt/slides/slide4.xml><?xml version="1.0" encoding="utf-8"?>
+<p:sld xmlns:a="http://schemas.openxmlformats.org/drawingml/2006/main" xmlns:r="http://schemas.openxmlformats.org/officeDocument/2006/relationships" xmlns:p="http://schemas.openxmlformats.org/presentationml/2006/main">
+  <p:cSld>
+    <p:spTree>
+      <p:nvGrpSpPr>
+        <p:cNvPr id="1" name=""/>
+        <p:cNvGrpSpPr/>
+        <p:nvPr/>
+      </p:nvGrpSpPr>
+      <p:grpSpPr>
+        <a:xfrm>
+          <a:off x="0" y="0"/>
+          <a:ext cx="0" cy="0"/>
+          <a:chOff x="0" y="0"/>
+          <a:chExt cx="0" cy="0"/>
+        </a:xfrm>
+      </p:grpSpPr>
+      <p:sp>
+        <p:nvSpPr>
+          <p:cNvPr id="4" name="Title 3"/>
+          <p:cNvSpPr>
+            <a:spLocks noGrp="1"/>
+          </p:cNvSpPr>
+          <p:nvPr>
+            <p:ph type="title"/>
+          </p:nvPr>
+        </p:nvSpPr>
+        <p:spPr/>
+        <p:txBody>
+          <a:bodyPr/>
+          <a:lstStyle/>
+          <a:p>
+            <a:r>
+              <a:rPr lang="en-US" dirty="0" smtClean="0"/>
+              <a:t>Focus on touch</a:t>
+            </a:r>
+            <a:endParaRPr lang="en-US" dirty="0"/>
+          </a:p>
+        </p:txBody>
+      </p:sp>
+      <p:sp>
+        <p:nvSpPr>
+          <p:cNvPr id="5" name="Content Placeholder 4"/>
+          <p:cNvSpPr>
+            <a:spLocks noGrp="1"/>
+          </p:cNvSpPr>
+          <p:nvPr>
+            <p:ph sz="quarter" idx="10"/>
+          </p:nvPr>
+        </p:nvSpPr>
+        <p:spPr/>
+        <p:txBody>
+          <a:bodyPr/>
+          <a:lstStyle/>
+          <a:p>
+            <a:r>
+              <a:rPr lang="en-US" dirty="0" smtClean="0"/>
+              <a:t>Touch is a natural interface</a:t>
+            </a:r>
+          </a:p>
+          <a:p>
+            <a:r>
+              <a:rPr lang="en-US" dirty="0" smtClean="0"/>
+              <a:t>Available on systems beyond tablets and phones</a:t>
+            </a:r>
+          </a:p>
+          <a:p>
+            <a:pPr lvl="1"/>
+            <a:r>
+              <a:rPr lang="en-US" dirty="0" smtClean="0"/>
+              <a:t>Laptops</a:t>
+            </a:r>
+          </a:p>
+          <a:p>
+            <a:pPr lvl="1"/>
+            <a:r>
+              <a:rPr lang="en-US" dirty="0" smtClean="0"/>
+              <a:t>Desktops</a:t>
+            </a:r>
+          </a:p>
+          <a:p>
+            <a:pPr lvl="1"/>
+            <a:r>
+              <a:rPr lang="en-US" dirty="0" smtClean="0"/>
+              <a:t>These </a:t>
+            </a:r>
+            <a:r>
+              <a:rPr lang="en-US" dirty="0" err="1" smtClean="0"/>
+              <a:t>Planars</a:t>
+            </a:r>
+            <a:endParaRPr lang="en-US" dirty="0" smtClean="0"/>
+          </a:p>
+        </p:txBody>
+      </p:sp>
+    </p:spTree>
+    <p:extLst>
+      <p:ext uri="{BB962C8B-B14F-4D97-AF65-F5344CB8AC3E}">
+        <p14:creationId xmlns:p14="http://schemas.microsoft.com/office/powerpoint/2010/main" val="3673159121"/>
+      </p:ext>
+    </p:extLst>
+  </p:cSld>
+  <p:clrMapOvr>
+    <a:masterClrMapping/>
+  </p:clrMapOvr>
+  <p:timing>
+    <p:tnLst>
+      <p:par>
+        <p:cTn id="1" dur="indefinite" restart="never" nodeType="tmRoot">
+          <p:childTnLst>
+            <p:seq concurrent="1" nextAc="seek">
+              <p:cTn id="2" dur="indefinite" nodeType="mainSeq">
+                <p:childTnLst>
+                  <p:par>
+                    <p:cTn id="3" fill="hold">
+                      <p:stCondLst>
+                        <p:cond delay="indefinite"/>
+                      </p:stCondLst>
+                      <p:childTnLst>
+                        <p:par>
+                          <p:cTn id="4" fill="hold">
+                            <p:stCondLst>
+                              <p:cond delay="0"/>
+                            </p:stCondLst>
+                            <p:childTnLst>
+                              <p:par>
+                                <p:cTn id="5" presetID="10" presetClass="entr" presetSubtype="0" fill="hold" nodeType="clickEffect">
+                                  <p:stCondLst>
+                                    <p:cond delay="0"/>
+                                  </p:stCondLst>
+                                  <p:childTnLst>
+                                    <p:set>
+                                      <p:cBhvr>
+                                        <p:cTn id="6" dur="1" fill="hold">
+                                          <p:stCondLst>
+                                            <p:cond delay="0"/>
+                                          </p:stCondLst>
+                                        </p:cTn>
+                                        <p:tgtEl>
+                                          <p:spTgt spid="5">
+                                            <p:txEl>
+                                              <p:pRg st="1" end="1"/>
+                                            </p:txEl>
+                                          </p:spTgt>
+                                        </p:tgtEl>
+                                        <p:attrNameLst>
+                                          <p:attrName>style.visibility</p:attrName>
+                                        </p:attrNameLst>
+                                      </p:cBhvr>
+                                      <p:to>
+                                        <p:strVal val="visible"/>
+                                      </p:to>
+                                    </p:set>
+                                    <p:animEffect transition="in" filter="fade">
+                                      <p:cBhvr>
+                                        <p:cTn id="7" dur="500"/>
+                                        <p:tgtEl>
+                                          <p:spTgt spid="5">
+                                            <p:txEl>
+                                              <p:pRg st="1" end="1"/>
+                                            </p:txEl>
+                                          </p:spTgt>
+                                        </p:tgtEl>
+                                      </p:cBhvr>
+                                    </p:animEffect>
+                                  </p:childTnLst>
+                                </p:cTn>
+                              </p:par>
+                            </p:childTnLst>
+                          </p:cTn>
+                        </p:par>
+                      </p:childTnLst>
+                    </p:cTn>
+                  </p:par>
+                  <p:par>
+                    <p:cTn id="8" fill="hold">
+                      <p:stCondLst>
+                        <p:cond delay="indefinite"/>
+                      </p:stCondLst>
+                      <p:childTnLst>
+                        <p:par>
+                          <p:cTn id="9" fill="hold">
+                            <p:stCondLst>
+                              <p:cond delay="0"/>
+                            </p:stCondLst>
+                            <p:childTnLst>
+                              <p:par>
+                                <p:cTn id="10" presetID="10" presetClass="entr" presetSubtype="0" fill="hold" nodeType="clickEffect">
+                                  <p:stCondLst>
+                                    <p:cond delay="0"/>
+                                  </p:stCondLst>
+                                  <p:childTnLst>
+                                    <p:set>
+                                      <p:cBhvr>
+                                        <p:cTn id="11" dur="1" fill="hold">
+                                          <p:stCondLst>
+                                            <p:cond delay="0"/>
+                                          </p:stCondLst>
+                                        </p:cTn>
+                                        <p:tgtEl>
+                                          <p:spTgt spid="5">
+                                            <p:txEl>
+                                              <p:pRg st="2" end="2"/>
+                                            </p:txEl>
+                                          </p:spTgt>
+                                        </p:tgtEl>
+                                        <p:attrNameLst>
+                                          <p:attrName>style.visibility</p:attrName>
+                                        </p:attrNameLst>
+                                      </p:cBhvr>
+                                      <p:to>
+                                        <p:strVal val="visible"/>
+                                      </p:to>
+                                    </p:set>
+                                    <p:animEffect transition="in" filter="fade">
+                                      <p:cBhvr>
+                                        <p:cTn id="12" dur="500"/>
+                                        <p:tgtEl>
+                                          <p:spTgt spid="5">
+                                            <p:txEl>
+                                              <p:pRg st="2" end="2"/>
+                                            </p:txEl>
+                                          </p:spTgt>
+                                        </p:tgtEl>
+                                      </p:cBhvr>
+                                    </p:animEffect>
+                                  </p:childTnLst>
+                                </p:cTn>
+                              </p:par>
+                            </p:childTnLst>
+                          </p:cTn>
+                        </p:par>
+                      </p:childTnLst>
+                    </p:cTn>
+                  </p:par>
+                  <p:par>
+                    <p:cTn id="13" fill="hold">
+                      <p:stCondLst>
+                        <p:cond delay="indefinite"/>
+                      </p:stCondLst>
+                      <p:childTnLst>
+                        <p:par>
+                          <p:cTn id="14" fill="hold">
+                            <p:stCondLst>
+                              <p:cond delay="0"/>
+                            </p:stCondLst>
+                            <p:childTnLst>
+                              <p:par>
+                                <p:cTn id="15" presetID="10" presetClass="entr" presetSubtype="0" fill="hold" nodeType="clickEffect">
+                                  <p:stCondLst>
+                                    <p:cond delay="0"/>
+                                  </p:stCondLst>
+                                  <p:childTnLst>
+                                    <p:set>
+                                      <p:cBhvr>
+                                        <p:cTn id="16" dur="1" fill="hold">
+                                          <p:stCondLst>
+                                            <p:cond delay="0"/>
+                                          </p:stCondLst>
+                                        </p:cTn>
+                                        <p:tgtEl>
+                                          <p:spTgt spid="5">
+                                            <p:txEl>
+                                              <p:pRg st="3" end="3"/>
+                                            </p:txEl>
+                                          </p:spTgt>
+                                        </p:tgtEl>
+                                        <p:attrNameLst>
+                                          <p:attrName>style.visibility</p:attrName>
+                                        </p:attrNameLst>
+                                      </p:cBhvr>
+                                      <p:to>
+                                        <p:strVal val="visible"/>
+                                      </p:to>
+                                    </p:set>
+                                    <p:animEffect transition="in" filter="fade">
+                                      <p:cBhvr>
+                                        <p:cTn id="17" dur="500"/>
+                                        <p:tgtEl>
+                                          <p:spTgt spid="5">
+                                            <p:txEl>
+                                              <p:pRg st="3" end="3"/>
+                                            </p:txEl>
+                                          </p:spTgt>
+                                        </p:tgtEl>
+                                      </p:cBhvr>
+                                    </p:animEffect>
+                                  </p:childTnLst>
+                                </p:cTn>
+                              </p:par>
+                            </p:childTnLst>
+                          </p:cTn>
+                        </p:par>
+                      </p:childTnLst>
+                    </p:cTn>
+                  </p:par>
+                  <p:par>
+                    <p:cTn id="18" fill="hold">
+                      <p:stCondLst>
+                        <p:cond delay="indefinite"/>
+                      </p:stCondLst>
+                      <p:childTnLst>
+                        <p:par>
+                          <p:cTn id="19" fill="hold">
+                            <p:stCondLst>
+                              <p:cond delay="0"/>
+                            </p:stCondLst>
+                            <p:childTnLst>
+                              <p:par>
+                                <p:cTn id="20" presetID="10" presetClass="entr" presetSubtype="0" fill="hold" nodeType="clickEffect">
+                                  <p:stCondLst>
+                                    <p:cond delay="0"/>
+                                  </p:stCondLst>
+                                  <p:childTnLst>
+                                    <p:set>
+                                      <p:cBhvr>
+                                        <p:cTn id="21" dur="1" fill="hold">
+                                          <p:stCondLst>
+                                            <p:cond delay="0"/>
+                                          </p:stCondLst>
+                                        </p:cTn>
+                                        <p:tgtEl>
+                                          <p:spTgt spid="5">
+                                            <p:txEl>
+                                              <p:pRg st="4" end="4"/>
+                                            </p:txEl>
+                                          </p:spTgt>
+                                        </p:tgtEl>
+                                        <p:attrNameLst>
+                                          <p:attrName>style.visibility</p:attrName>
+                                        </p:attrNameLst>
+                                      </p:cBhvr>
+                                      <p:to>
+                                        <p:strVal val="visible"/>
+                                      </p:to>
+                                    </p:set>
+                                    <p:animEffect transition="in" filter="fade">
+                                      <p:cBhvr>
+                                        <p:cTn id="22" dur="500"/>
+                                        <p:tgtEl>
+                                          <p:spTgt spid="5">
+                                            <p:txEl>
+                                              <p:pRg st="4" end="4"/>
+                                            </p:txEl>
+                                          </p:spTgt>
+                                        </p:tgtEl>
+                                      </p:cBhvr>
+                                    </p:animEffect>
+                                  </p:childTnLst>
+                                </p:cTn>
+                              </p:par>
+                            </p:childTnLst>
+                          </p:cTn>
+                        </p:par>
+                      </p:childTnLst>
+                    </p:cTn>
+                  </p:par>
+                </p:childTnLst>
+              </p:cTn>
+              <p:prevCondLst>
+                <p:cond evt="onPrev" delay="0">
+                  <p:tgtEl>
+                    <p:sldTgt/>
+                  </p:tgtEl>
+                </p:cond>
+              </p:prevCondLst>
+              <p:nextCondLst>
+                <p:cond evt="onNext" delay="0">
+                  <p:tgtEl>
+                    <p:sldTgt/>
+                  </p:tgtEl>
+                </p:cond>
+              </p:nextCondLst>
+            </p:seq>
+          </p:childTnLst>
+        </p:cTn>
+      </p:par>
+    </p:tnLst>
+  </p:timing>
+</p:sld>
+</file>
+
+<file path=ppt/slides/slide5.xml><?xml version="1.0" encoding="utf-8"?>
+<p:sld xmlns:a="http://schemas.openxmlformats.org/drawingml/2006/main" xmlns:r="http://schemas.openxmlformats.org/officeDocument/2006/relationships" xmlns:p="http://schemas.openxmlformats.org/presentationml/2006/main">
+  <p:cSld>
+    <p:spTree>
+      <p:nvGrpSpPr>
+        <p:cNvPr id="1" name=""/>
+        <p:cNvGrpSpPr/>
+        <p:nvPr/>
+      </p:nvGrpSpPr>
+      <p:grpSpPr>
+        <a:xfrm>
+          <a:off x="0" y="0"/>
+          <a:ext cx="0" cy="0"/>
+          <a:chOff x="0" y="0"/>
+          <a:chExt cx="0" cy="0"/>
+        </a:xfrm>
+      </p:grpSpPr>
+      <p:sp>
+        <p:nvSpPr>
+          <p:cNvPr id="2" name="Title 1"/>
+          <p:cNvSpPr>
+            <a:spLocks noGrp="1"/>
+          </p:cNvSpPr>
+          <p:nvPr>
+            <p:ph type="title"/>
+          </p:nvPr>
+        </p:nvSpPr>
+        <p:spPr/>
+        <p:txBody>
+          <a:bodyPr/>
+          <a:lstStyle/>
+          <a:p>
+            <a:r>
+              <a:rPr lang="en-US" dirty="0" smtClean="0"/>
+              <a:t>Touch design</a:t>
+            </a:r>
+            <a:endParaRPr lang="en-US" dirty="0"/>
+          </a:p>
+        </p:txBody>
+      </p:sp>
+      <p:sp>
+        <p:nvSpPr>
+          <p:cNvPr id="3" name="Content Placeholder 2"/>
+          <p:cNvSpPr>
+            <a:spLocks noGrp="1"/>
+          </p:cNvSpPr>
+          <p:nvPr>
+            <p:ph sz="quarter" idx="10"/>
+          </p:nvPr>
+        </p:nvSpPr>
+        <p:spPr/>
+        <p:txBody>
+          <a:bodyPr/>
+          <a:lstStyle/>
+          <a:p>
+            <a:r>
+              <a:rPr lang="en-US" dirty="0" smtClean="0"/>
+              <a:t>Big icons</a:t>
+            </a:r>
+          </a:p>
+          <a:p>
+            <a:endParaRPr lang="en-US" dirty="0" smtClean="0"/>
+          </a:p>
+          <a:p>
+            <a:r>
+              <a:rPr lang="en-US" dirty="0" smtClean="0"/>
+              <a:t>Ensure cascading menus support touch</a:t>
+            </a:r>
+          </a:p>
+          <a:p>
+            <a:pPr lvl="1"/>
+            <a:r>
+              <a:rPr lang="en-US" dirty="0" smtClean="0"/>
+              <a:t>Capture touch event as well as </a:t>
+            </a:r>
+            <a:r>
+              <a:rPr lang="en-US" dirty="0" err="1" smtClean="0"/>
+              <a:t>mouseover</a:t>
+            </a:r>
+            <a:endParaRPr lang="en-US" dirty="0" smtClean="0"/>
+          </a:p>
+          <a:p>
+            <a:pPr lvl="1"/>
+            <a:r>
+              <a:rPr lang="en-US" dirty="0" smtClean="0"/>
+              <a:t>Make each level clickable</a:t>
+            </a:r>
+          </a:p>
+          <a:p>
+            <a:pPr lvl="2"/>
+            <a:r>
+              <a:rPr lang="en-US" dirty="0" smtClean="0"/>
+              <a:t>Send user to a landing page with next level</a:t>
+            </a:r>
+          </a:p>
+        </p:txBody>
+      </p:sp>
+      <p:sp>
+        <p:nvSpPr>
+          <p:cNvPr id="5" name="Rounded Rectangle 4"/>
+          <p:cNvSpPr/>
+          <p:nvPr/>
+        </p:nvSpPr>
+        <p:spPr>
+          <a:xfrm>
+            <a:off x="1947682" y="2032740"/>
+            <a:ext cx="2670048" cy="670560"/>
+          </a:xfrm>
+          <a:prstGeom prst="roundRect">
+            <a:avLst/>
+          </a:prstGeom>
+        </p:spPr>
+        <p:style>
+          <a:lnRef idx="1">
+            <a:schemeClr val="accent1"/>
+          </a:lnRef>
+          <a:fillRef idx="2">
+            <a:schemeClr val="accent1"/>
+          </a:fillRef>
+          <a:effectRef idx="1">
+            <a:schemeClr val="accent1"/>
+          </a:effectRef>
+          <a:fontRef idx="minor">
+            <a:schemeClr val="dk1"/>
+          </a:fontRef>
+        </p:style>
+        <p:txBody>
+          <a:bodyPr rtlCol="0" anchor="ctr"/>
+          <a:lstStyle/>
+          <a:p>
+            <a:pPr algn="ctr"/>
+            <a:r>
+              <a:rPr lang="en-US" dirty="0" smtClean="0"/>
+              <a:t>Submit</a:t>
+            </a:r>
+            <a:endParaRPr lang="en-US" dirty="0"/>
+          </a:p>
+        </p:txBody>
+      </p:sp>
+      <p:sp>
+        <p:nvSpPr>
+          <p:cNvPr id="6" name="TextBox 5"/>
+          <p:cNvSpPr txBox="1"/>
+          <p:nvPr/>
+        </p:nvSpPr>
+        <p:spPr>
+          <a:xfrm>
+            <a:off x="7668768" y="2183354"/>
+            <a:ext cx="848309" cy="369332"/>
+          </a:xfrm>
+          <a:prstGeom prst="rect">
+            <a:avLst/>
+          </a:prstGeom>
+          <a:noFill/>
+        </p:spPr>
+        <p:txBody>
+          <a:bodyPr wrap="none" rtlCol="0">
+            <a:spAutoFit/>
+          </a:bodyPr>
+          <a:lstStyle/>
+          <a:p>
+            <a:r>
+              <a:rPr lang="en-US" u="sng" dirty="0" smtClean="0">
+                <a:solidFill>
+                  <a:srgbClr val="1F497D"/>
+                </a:solidFill>
+              </a:rPr>
+              <a:t>Submit</a:t>
+            </a:r>
+            <a:endParaRPr lang="en-US" u="sng" dirty="0">
+              <a:solidFill>
+                <a:srgbClr val="1F497D"/>
+              </a:solidFill>
+            </a:endParaRPr>
+          </a:p>
+        </p:txBody>
+      </p:sp>
+      <p:sp>
+        <p:nvSpPr>
+          <p:cNvPr id="7" name="Rectangle 6"/>
+          <p:cNvSpPr/>
+          <p:nvPr/>
+        </p:nvSpPr>
+        <p:spPr>
+          <a:xfrm>
+            <a:off x="1947682" y="5472907"/>
+            <a:ext cx="1877568" cy="524256"/>
+          </a:xfrm>
+          <a:prstGeom prst="rect">
+            <a:avLst/>
+          </a:prstGeom>
+        </p:spPr>
+        <p:style>
+          <a:lnRef idx="1">
+            <a:schemeClr val="accent2"/>
+          </a:lnRef>
+          <a:fillRef idx="3">
+            <a:schemeClr val="accent2"/>
+          </a:fillRef>
+          <a:effectRef idx="2">
+            <a:schemeClr val="accent2"/>
+          </a:effectRef>
+          <a:fontRef idx="minor">
+            <a:schemeClr val="lt1"/>
+          </a:fontRef>
+        </p:style>
+        <p:txBody>
+          <a:bodyPr rtlCol="0" anchor="ctr"/>
+          <a:lstStyle/>
+          <a:p>
+            <a:pPr algn="ctr"/>
+            <a:r>
+              <a:rPr lang="en-US" dirty="0" smtClean="0"/>
+              <a:t>About Us &gt;</a:t>
+            </a:r>
+            <a:endParaRPr lang="en-US" dirty="0"/>
+          </a:p>
+        </p:txBody>
+      </p:sp>
+      <p:sp>
+        <p:nvSpPr>
+          <p:cNvPr id="8" name="Rectangle 7"/>
+          <p:cNvSpPr/>
+          <p:nvPr/>
+        </p:nvSpPr>
+        <p:spPr>
+          <a:xfrm>
+            <a:off x="6047232" y="4791456"/>
+            <a:ext cx="3157728" cy="1887158"/>
+          </a:xfrm>
+          <a:prstGeom prst="rect">
+            <a:avLst/>
+          </a:prstGeom>
+        </p:spPr>
+        <p:style>
+          <a:lnRef idx="3">
+            <a:schemeClr val="lt1"/>
+          </a:lnRef>
+          <a:fillRef idx="1">
+            <a:schemeClr val="accent6"/>
+          </a:fillRef>
+          <a:effectRef idx="1">
+            <a:schemeClr val="accent6"/>
+          </a:effectRef>
+          <a:fontRef idx="minor">
+            <a:schemeClr val="lt1"/>
+          </a:fontRef>
+        </p:style>
+        <p:txBody>
+          <a:bodyPr rtlCol="0" anchor="ctr"/>
+          <a:lstStyle/>
+          <a:p>
+            <a:pPr algn="ctr"/>
+            <a:r>
+              <a:rPr lang="en-US" b="1" dirty="0" smtClean="0"/>
+              <a:t>About Us</a:t>
+            </a:r>
+          </a:p>
+          <a:p>
+            <a:pPr algn="ctr"/>
+            <a:endParaRPr lang="en-US" dirty="0"/>
+          </a:p>
+          <a:p>
+            <a:pPr algn="ctr"/>
+            <a:r>
+              <a:rPr lang="en-US" dirty="0" smtClean="0"/>
+              <a:t>Contact</a:t>
+            </a:r>
+          </a:p>
+          <a:p>
+            <a:pPr algn="ctr"/>
+            <a:r>
+              <a:rPr lang="en-US" dirty="0" smtClean="0"/>
+              <a:t>Jobs</a:t>
+            </a:r>
+          </a:p>
+          <a:p>
+            <a:pPr algn="ctr"/>
+            <a:r>
+              <a:rPr lang="en-US" dirty="0" smtClean="0"/>
+              <a:t>Location</a:t>
+            </a:r>
+            <a:endParaRPr lang="en-US" dirty="0"/>
+          </a:p>
+        </p:txBody>
+      </p:sp>
+      <p:sp>
+        <p:nvSpPr>
+          <p:cNvPr id="9" name="Right Arrow 8"/>
+          <p:cNvSpPr/>
+          <p:nvPr/>
+        </p:nvSpPr>
+        <p:spPr>
+          <a:xfrm>
+            <a:off x="3948689" y="5393659"/>
+            <a:ext cx="1975104" cy="682752"/>
+          </a:xfrm>
+          <a:prstGeom prst="rightArrow">
+            <a:avLst/>
+          </a:prstGeom>
+        </p:spPr>
+        <p:style>
+          <a:lnRef idx="1">
+            <a:schemeClr val="accent4"/>
+          </a:lnRef>
+          <a:fillRef idx="2">
+            <a:schemeClr val="accent4"/>
+          </a:fillRef>
+          <a:effectRef idx="1">
+            <a:schemeClr val="accent4"/>
+          </a:effectRef>
+          <a:fontRef idx="minor">
+            <a:schemeClr val="dk1"/>
+          </a:fontRef>
+        </p:style>
+        <p:txBody>
+          <a:bodyPr rtlCol="0" anchor="ctr"/>
+          <a:lstStyle/>
+          <a:p>
+            <a:pPr algn="ctr"/>
+            <a:r>
+              <a:rPr lang="en-US" dirty="0" smtClean="0"/>
+              <a:t>Target</a:t>
+            </a:r>
+            <a:endParaRPr lang="en-US" dirty="0"/>
+          </a:p>
+        </p:txBody>
+      </p:sp>
+    </p:spTree>
+    <p:extLst>
+      <p:ext uri="{BB962C8B-B14F-4D97-AF65-F5344CB8AC3E}">
+        <p14:creationId xmlns:p14="http://schemas.microsoft.com/office/powerpoint/2010/main" val="1296999701"/>
+      </p:ext>
+    </p:extLst>
+  </p:cSld>
+  <p:clrMapOvr>
+    <a:masterClrMapping/>
+  </p:clrMapOvr>
+  <p:timing>
+    <p:tnLst>
+      <p:par>
+        <p:cTn id="1" dur="indefinite" restart="never" nodeType="tmRoot"/>
+      </p:par>
+    </p:tnLst>
+  </p:timing>
+</p:sld>
+</file>
+
+<file path=ppt/slides/slide6.xml><?xml version="1.0" encoding="utf-8"?>
+<p:sld xmlns:a="http://schemas.openxmlformats.org/drawingml/2006/main" xmlns:r="http://schemas.openxmlformats.org/officeDocument/2006/relationships" xmlns:p="http://schemas.openxmlformats.org/presentationml/2006/main">
+  <p:cSld>
+    <p:spTree>
+      <p:nvGrpSpPr>
+        <p:cNvPr id="1" name=""/>
+        <p:cNvGrpSpPr/>
+        <p:nvPr/>
+      </p:nvGrpSpPr>
+      <p:grpSpPr>
+        <a:xfrm>
+          <a:off x="0" y="0"/>
+          <a:ext cx="0" cy="0"/>
+          <a:chOff x="0" y="0"/>
+          <a:chExt cx="0" cy="0"/>
+        </a:xfrm>
+      </p:grpSpPr>
+      <p:sp>
+        <p:nvSpPr>
+          <p:cNvPr id="2" name="Title 1"/>
+          <p:cNvSpPr>
+            <a:spLocks noGrp="1"/>
+          </p:cNvSpPr>
+          <p:nvPr>
+            <p:ph type="title"/>
+          </p:nvPr>
+        </p:nvSpPr>
+        <p:spPr/>
+        <p:txBody>
+          <a:bodyPr/>
+          <a:lstStyle/>
+          <a:p>
+            <a:r>
+              <a:rPr lang="en-US" dirty="0" smtClean="0"/>
+              <a:t>Touch input</a:t>
+            </a:r>
+            <a:endParaRPr lang="en-US" dirty="0"/>
+          </a:p>
+        </p:txBody>
+      </p:sp>
+      <p:sp>
+        <p:nvSpPr>
+          <p:cNvPr id="3" name="Content Placeholder 2"/>
+          <p:cNvSpPr>
+            <a:spLocks noGrp="1"/>
+          </p:cNvSpPr>
+          <p:nvPr>
+            <p:ph sz="quarter" idx="10"/>
+          </p:nvPr>
+        </p:nvSpPr>
+        <p:spPr/>
+        <p:txBody>
+          <a:bodyPr/>
+          <a:lstStyle/>
+          <a:p>
+            <a:r>
+              <a:rPr lang="en-US" dirty="0" smtClean="0"/>
+              <a:t>“Long press” or “right click”</a:t>
+            </a:r>
+          </a:p>
+          <a:p>
+            <a:pPr lvl="1"/>
+            <a:r>
+              <a:rPr lang="en-US" dirty="0" smtClean="0"/>
+              <a:t>Context menus</a:t>
+            </a:r>
+          </a:p>
+          <a:p>
+            <a:r>
+              <a:rPr lang="en-US" dirty="0" smtClean="0"/>
+              <a:t>Keep everything in the middle</a:t>
+            </a:r>
+          </a:p>
+          <a:p>
+            <a:pPr lvl="1"/>
+            <a:r>
+              <a:rPr lang="en-US" dirty="0" smtClean="0"/>
+              <a:t>Edges are often captured by device</a:t>
+            </a:r>
+          </a:p>
+          <a:p>
+            <a:pPr lvl="1"/>
+            <a:r>
+              <a:rPr lang="en-US" dirty="0" smtClean="0"/>
+              <a:t>Avoid the top</a:t>
+            </a:r>
+            <a:endParaRPr lang="en-US" dirty="0"/>
+          </a:p>
+        </p:txBody>
+      </p:sp>
+      <p:sp>
+        <p:nvSpPr>
+          <p:cNvPr id="4" name="Rounded Rectangle 3"/>
+          <p:cNvSpPr/>
+          <p:nvPr/>
+        </p:nvSpPr>
+        <p:spPr>
+          <a:xfrm>
+            <a:off x="7705344" y="2901696"/>
+            <a:ext cx="2657856" cy="3572256"/>
+          </a:xfrm>
+          <a:prstGeom prst="roundRect">
+            <a:avLst>
+              <a:gd name="adj" fmla="val 6117"/>
+            </a:avLst>
+          </a:prstGeom>
+        </p:spPr>
+        <p:style>
+          <a:lnRef idx="0">
+            <a:schemeClr val="accent6"/>
+          </a:lnRef>
+          <a:fillRef idx="3">
+            <a:schemeClr val="accent6"/>
+          </a:fillRef>
+          <a:effectRef idx="3">
+            <a:schemeClr val="accent6"/>
+          </a:effectRef>
+          <a:fontRef idx="minor">
+            <a:schemeClr val="lt1"/>
+          </a:fontRef>
+        </p:style>
+        <p:txBody>
+          <a:bodyPr rtlCol="0" anchor="ctr"/>
+          <a:lstStyle/>
+          <a:p>
+            <a:pPr algn="ctr"/>
+            <a:endParaRPr lang="en-US"/>
+          </a:p>
+        </p:txBody>
+      </p:sp>
+      <p:sp>
+        <p:nvSpPr>
+          <p:cNvPr id="5" name="Rectangle 4"/>
+          <p:cNvSpPr/>
+          <p:nvPr/>
+        </p:nvSpPr>
+        <p:spPr>
+          <a:xfrm>
+            <a:off x="7936992" y="3133344"/>
+            <a:ext cx="2194560" cy="3169920"/>
+          </a:xfrm>
+          <a:prstGeom prst="rect">
+            <a:avLst/>
+          </a:prstGeom>
+        </p:spPr>
+        <p:style>
+          <a:lnRef idx="1">
+            <a:schemeClr val="accent6"/>
+          </a:lnRef>
+          <a:fillRef idx="2">
+            <a:schemeClr val="accent6"/>
+          </a:fillRef>
+          <a:effectRef idx="1">
+            <a:schemeClr val="accent6"/>
+          </a:effectRef>
+          <a:fontRef idx="minor">
+            <a:schemeClr val="dk1"/>
+          </a:fontRef>
+        </p:style>
+        <p:txBody>
+          <a:bodyPr rtlCol="0" anchor="ctr"/>
+          <a:lstStyle/>
+          <a:p>
+            <a:pPr algn="ctr"/>
+            <a:endParaRPr lang="en-US" dirty="0" smtClean="0"/>
+          </a:p>
+          <a:p>
+            <a:pPr algn="ctr"/>
+            <a:endParaRPr lang="en-US" dirty="0"/>
+          </a:p>
+          <a:p>
+            <a:pPr algn="ctr"/>
+            <a:endParaRPr lang="en-US" dirty="0" smtClean="0"/>
+          </a:p>
+          <a:p>
+            <a:pPr algn="ctr"/>
+            <a:endParaRPr lang="en-US" dirty="0"/>
+          </a:p>
+          <a:p>
+            <a:pPr algn="ctr"/>
+            <a:r>
+              <a:rPr lang="en-US" dirty="0" smtClean="0"/>
+              <a:t>Notification area</a:t>
+            </a:r>
+          </a:p>
+          <a:p>
+            <a:pPr algn="ctr"/>
+            <a:endParaRPr lang="en-US" dirty="0"/>
+          </a:p>
+          <a:p>
+            <a:pPr algn="ctr"/>
+            <a:endParaRPr lang="en-US" dirty="0" smtClean="0"/>
+          </a:p>
+          <a:p>
+            <a:pPr algn="ctr"/>
+            <a:endParaRPr lang="en-US" dirty="0"/>
+          </a:p>
+          <a:p>
+            <a:pPr algn="ctr"/>
+            <a:endParaRPr lang="en-US" dirty="0" smtClean="0"/>
+          </a:p>
+          <a:p>
+            <a:pPr algn="ctr"/>
+            <a:endParaRPr lang="en-US" dirty="0"/>
+          </a:p>
+          <a:p>
+            <a:pPr algn="ctr"/>
+            <a:endParaRPr lang="en-US" dirty="0" smtClean="0"/>
+          </a:p>
+          <a:p>
+            <a:pPr algn="ctr"/>
+            <a:endParaRPr lang="en-US" dirty="0"/>
+          </a:p>
+          <a:p>
+            <a:pPr algn="ctr"/>
+            <a:endParaRPr lang="en-US" dirty="0" smtClean="0"/>
+          </a:p>
+          <a:p>
+            <a:pPr algn="ctr"/>
+            <a:endParaRPr lang="en-US" dirty="0"/>
+          </a:p>
+          <a:p>
+            <a:pPr algn="ctr"/>
+            <a:endParaRPr lang="en-US" dirty="0"/>
+          </a:p>
+        </p:txBody>
+      </p:sp>
+      <p:sp>
+        <p:nvSpPr>
+          <p:cNvPr id="6" name="Down Arrow 5"/>
+          <p:cNvSpPr/>
+          <p:nvPr/>
+        </p:nvSpPr>
+        <p:spPr>
+          <a:xfrm>
+            <a:off x="8686800" y="3133344"/>
+            <a:ext cx="694944" cy="682752"/>
+          </a:xfrm>
+          <a:prstGeom prst="downArrow">
+            <a:avLst/>
+          </a:prstGeom>
+        </p:spPr>
+        <p:style>
+          <a:lnRef idx="3">
+            <a:schemeClr val="lt1"/>
+          </a:lnRef>
+          <a:fillRef idx="1">
+            <a:schemeClr val="accent5"/>
+          </a:fillRef>
+          <a:effectRef idx="1">
+            <a:schemeClr val="accent5"/>
+          </a:effectRef>
+          <a:fontRef idx="minor">
+            <a:schemeClr val="lt1"/>
+          </a:fontRef>
+        </p:style>
+        <p:txBody>
+          <a:bodyPr rtlCol="0" anchor="ctr"/>
+          <a:lstStyle/>
+          <a:p>
+            <a:pPr algn="ctr"/>
+            <a:endParaRPr lang="en-US"/>
+          </a:p>
+        </p:txBody>
+      </p:sp>
+    </p:spTree>
+    <p:extLst>
+      <p:ext uri="{BB962C8B-B14F-4D97-AF65-F5344CB8AC3E}">
+        <p14:creationId xmlns:p14="http://schemas.microsoft.com/office/powerpoint/2010/main" val="199734747"/>
+      </p:ext>
+    </p:extLst>
+  </p:cSld>
+  <p:clrMapOvr>
+    <a:masterClrMapping/>
+  </p:clrMapOvr>
+  <p:timing>
+    <p:tnLst>
+      <p:par>
+        <p:cTn id="1" dur="indefinite" restart="never" nodeType="tmRoot"/>
+      </p:par>
+    </p:tnLst>
+  </p:timing>
+</p:sld>
+</file>
+
+<file path=ppt/slides/slide7.xml><?xml version="1.0" encoding="utf-8"?>
 <p:sld xmlns:a="http://schemas.openxmlformats.org/drawingml/2006/main" xmlns:r="http://schemas.openxmlformats.org/officeDocument/2006/relationships" xmlns:p="http://schemas.openxmlformats.org/presentationml/2006/main">
   <p:cSld>
     <p:spTree>
@@ -9784,7 +12589,7 @@
 </p:sld>
 </file>
 
-<file path=ppt/slides/slide5.xml><?xml version="1.0" encoding="utf-8"?>
+<file path=ppt/slides/slide8.xml><?xml version="1.0" encoding="utf-8"?>
 <p:sld xmlns:a="http://schemas.openxmlformats.org/drawingml/2006/main" xmlns:r="http://schemas.openxmlformats.org/officeDocument/2006/relationships" xmlns:p="http://schemas.openxmlformats.org/presentationml/2006/main">
   <p:cSld>
     <p:spTree>
@@ -9863,7 +12668,7 @@
 </p:sld>
 </file>
 
-<file path=ppt/slides/slide6.xml><?xml version="1.0" encoding="utf-8"?>
+<file path=ppt/slides/slide9.xml><?xml version="1.0" encoding="utf-8"?>
 <p:sld xmlns:a="http://schemas.openxmlformats.org/drawingml/2006/main" xmlns:r="http://schemas.openxmlformats.org/officeDocument/2006/relationships" xmlns:p="http://schemas.openxmlformats.org/presentationml/2006/main">
   <p:cSld>
     <p:spTree>
@@ -9960,1791 +12765,6 @@
         <p:cTn id="1" dur="indefinite" restart="never" nodeType="tmRoot"/>
       </p:par>
     </p:tnLst>
-  </p:timing>
-</p:sld>
-</file>
-
-<file path=ppt/slides/slide7.xml><?xml version="1.0" encoding="utf-8"?>
-<p:sld xmlns:a="http://schemas.openxmlformats.org/drawingml/2006/main" xmlns:r="http://schemas.openxmlformats.org/officeDocument/2006/relationships" xmlns:p="http://schemas.openxmlformats.org/presentationml/2006/main">
-  <p:cSld>
-    <p:spTree>
-      <p:nvGrpSpPr>
-        <p:cNvPr id="1" name=""/>
-        <p:cNvGrpSpPr/>
-        <p:nvPr/>
-      </p:nvGrpSpPr>
-      <p:grpSpPr>
-        <a:xfrm>
-          <a:off x="0" y="0"/>
-          <a:ext cx="0" cy="0"/>
-          <a:chOff x="0" y="0"/>
-          <a:chExt cx="0" cy="0"/>
-        </a:xfrm>
-      </p:grpSpPr>
-      <p:sp>
-        <p:nvSpPr>
-          <p:cNvPr id="2" name="Title 1"/>
-          <p:cNvSpPr>
-            <a:spLocks noGrp="1"/>
-          </p:cNvSpPr>
-          <p:nvPr>
-            <p:ph type="title"/>
-          </p:nvPr>
-        </p:nvSpPr>
-        <p:spPr/>
-        <p:txBody>
-          <a:bodyPr/>
-          <a:lstStyle/>
-          <a:p>
-            <a:r>
-              <a:rPr lang="en-US" dirty="0" smtClean="0"/>
-              <a:t>Touch events</a:t>
-            </a:r>
-            <a:endParaRPr lang="en-US" dirty="0"/>
-          </a:p>
-        </p:txBody>
-      </p:sp>
-      <p:sp>
-        <p:nvSpPr>
-          <p:cNvPr id="3" name="Content Placeholder 2"/>
-          <p:cNvSpPr>
-            <a:spLocks noGrp="1"/>
-          </p:cNvSpPr>
-          <p:nvPr>
-            <p:ph sz="quarter" idx="10"/>
-          </p:nvPr>
-        </p:nvSpPr>
-        <p:spPr/>
-        <p:txBody>
-          <a:bodyPr/>
-          <a:lstStyle/>
-          <a:p>
-            <a:r>
-              <a:rPr lang="en-US" dirty="0" err="1" smtClean="0"/>
-              <a:t>touchstart</a:t>
-            </a:r>
-            <a:endParaRPr lang="en-US" dirty="0" smtClean="0"/>
-          </a:p>
-          <a:p>
-            <a:r>
-              <a:rPr lang="en-US" dirty="0" err="1" smtClean="0"/>
-              <a:t>touchmove</a:t>
-            </a:r>
-            <a:endParaRPr lang="en-US" dirty="0" smtClean="0"/>
-          </a:p>
-          <a:p>
-            <a:r>
-              <a:rPr lang="en-US" dirty="0" err="1" smtClean="0"/>
-              <a:t>touchend</a:t>
-            </a:r>
-            <a:endParaRPr lang="en-US" dirty="0" smtClean="0"/>
-          </a:p>
-          <a:p>
-            <a:r>
-              <a:rPr lang="en-US" dirty="0" err="1" smtClean="0"/>
-              <a:t>touchenter</a:t>
-            </a:r>
-            <a:endParaRPr lang="en-US" dirty="0" smtClean="0"/>
-          </a:p>
-          <a:p>
-            <a:r>
-              <a:rPr lang="en-US" dirty="0" err="1" smtClean="0"/>
-              <a:t>touchleave</a:t>
-            </a:r>
-            <a:endParaRPr lang="en-US" dirty="0" smtClean="0"/>
-          </a:p>
-          <a:p>
-            <a:r>
-              <a:rPr lang="en-US" dirty="0" err="1"/>
-              <a:t>t</a:t>
-            </a:r>
-            <a:r>
-              <a:rPr lang="en-US" dirty="0" err="1" smtClean="0"/>
-              <a:t>ouchcancel</a:t>
-            </a:r>
-            <a:endParaRPr lang="en-US" dirty="0"/>
-          </a:p>
-        </p:txBody>
-      </p:sp>
-    </p:spTree>
-    <p:extLst>
-      <p:ext uri="{BB962C8B-B14F-4D97-AF65-F5344CB8AC3E}">
-        <p14:creationId xmlns:p14="http://schemas.microsoft.com/office/powerpoint/2010/main" val="3638659762"/>
-      </p:ext>
-    </p:extLst>
-  </p:cSld>
-  <p:clrMapOvr>
-    <a:masterClrMapping/>
-  </p:clrMapOvr>
-  <p:timing>
-    <p:tnLst>
-      <p:par>
-        <p:cTn id="1" dur="indefinite" restart="never" nodeType="tmRoot"/>
-      </p:par>
-    </p:tnLst>
-  </p:timing>
-</p:sld>
-</file>
-
-<file path=ppt/slides/slide8.xml><?xml version="1.0" encoding="utf-8"?>
-<p:sld xmlns:a="http://schemas.openxmlformats.org/drawingml/2006/main" xmlns:r="http://schemas.openxmlformats.org/officeDocument/2006/relationships" xmlns:p="http://schemas.openxmlformats.org/presentationml/2006/main">
-  <p:cSld>
-    <p:spTree>
-      <p:nvGrpSpPr>
-        <p:cNvPr id="1" name=""/>
-        <p:cNvGrpSpPr/>
-        <p:nvPr/>
-      </p:nvGrpSpPr>
-      <p:grpSpPr>
-        <a:xfrm>
-          <a:off x="0" y="0"/>
-          <a:ext cx="0" cy="0"/>
-          <a:chOff x="0" y="0"/>
-          <a:chExt cx="0" cy="0"/>
-        </a:xfrm>
-      </p:grpSpPr>
-      <p:sp>
-        <p:nvSpPr>
-          <p:cNvPr id="3" name="Content Placeholder 2"/>
-          <p:cNvSpPr>
-            <a:spLocks noGrp="1"/>
-          </p:cNvSpPr>
-          <p:nvPr>
-            <p:ph sz="half" idx="2"/>
-          </p:nvPr>
-        </p:nvSpPr>
-        <p:spPr/>
-        <p:txBody>
-          <a:bodyPr/>
-          <a:lstStyle/>
-          <a:p>
-            <a:r>
-              <a:rPr lang="en-US" dirty="0"/>
-              <a:t>touch</a:t>
-            </a:r>
-          </a:p>
-          <a:p>
-            <a:pPr lvl="1"/>
-            <a:r>
-              <a:rPr lang="en-US" dirty="0"/>
-              <a:t>An object currently in contact with the screen</a:t>
-            </a:r>
-          </a:p>
-          <a:p>
-            <a:r>
-              <a:rPr lang="en-US" dirty="0" err="1" smtClean="0"/>
-              <a:t>changedTouch</a:t>
-            </a:r>
-            <a:endParaRPr lang="en-US" dirty="0" smtClean="0"/>
-          </a:p>
-          <a:p>
-            <a:pPr lvl="1"/>
-            <a:r>
-              <a:rPr lang="en-US" dirty="0" smtClean="0"/>
-              <a:t>A touch event</a:t>
-            </a:r>
-          </a:p>
-          <a:p>
-            <a:r>
-              <a:rPr lang="en-US" dirty="0" err="1" smtClean="0"/>
-              <a:t>targetTouch</a:t>
-            </a:r>
-            <a:endParaRPr lang="en-US" dirty="0" smtClean="0"/>
-          </a:p>
-          <a:p>
-            <a:pPr lvl="1"/>
-            <a:r>
-              <a:rPr lang="en-US" dirty="0" smtClean="0"/>
-              <a:t>A touch currently making contact that started and is still in one element</a:t>
-            </a:r>
-            <a:endParaRPr lang="en-US" dirty="0"/>
-          </a:p>
-        </p:txBody>
-      </p:sp>
-      <p:sp>
-        <p:nvSpPr>
-          <p:cNvPr id="6" name="Content Placeholder 5"/>
-          <p:cNvSpPr>
-            <a:spLocks noGrp="1"/>
-          </p:cNvSpPr>
-          <p:nvPr>
-            <p:ph sz="quarter" idx="4"/>
-          </p:nvPr>
-        </p:nvSpPr>
-        <p:spPr/>
-        <p:txBody>
-          <a:bodyPr/>
-          <a:lstStyle/>
-          <a:p>
-            <a:endParaRPr lang="en-US"/>
-          </a:p>
-        </p:txBody>
-      </p:sp>
-      <p:sp>
-        <p:nvSpPr>
-          <p:cNvPr id="2" name="Title 1"/>
-          <p:cNvSpPr>
-            <a:spLocks noGrp="1"/>
-          </p:cNvSpPr>
-          <p:nvPr>
-            <p:ph type="title"/>
-          </p:nvPr>
-        </p:nvSpPr>
-        <p:spPr/>
-        <p:txBody>
-          <a:bodyPr/>
-          <a:lstStyle/>
-          <a:p>
-            <a:r>
-              <a:rPr lang="en-US" dirty="0" smtClean="0"/>
-              <a:t>Touch types</a:t>
-            </a:r>
-            <a:endParaRPr lang="en-US" dirty="0"/>
-          </a:p>
-        </p:txBody>
-      </p:sp>
-      <p:sp>
-        <p:nvSpPr>
-          <p:cNvPr id="4" name="Rectangle 3"/>
-          <p:cNvSpPr/>
-          <p:nvPr/>
-        </p:nvSpPr>
-        <p:spPr>
-          <a:xfrm>
-            <a:off x="7679184" y="1704513"/>
-            <a:ext cx="2539013" cy="3835154"/>
-          </a:xfrm>
-          <a:prstGeom prst="rect">
-            <a:avLst/>
-          </a:prstGeom>
-        </p:spPr>
-        <p:style>
-          <a:lnRef idx="3">
-            <a:schemeClr val="lt1"/>
-          </a:lnRef>
-          <a:fillRef idx="1">
-            <a:schemeClr val="accent3"/>
-          </a:fillRef>
-          <a:effectRef idx="1">
-            <a:schemeClr val="accent3"/>
-          </a:effectRef>
-          <a:fontRef idx="minor">
-            <a:schemeClr val="lt1"/>
-          </a:fontRef>
-        </p:style>
-        <p:txBody>
-          <a:bodyPr rtlCol="0" anchor="ctr"/>
-          <a:lstStyle/>
-          <a:p>
-            <a:pPr algn="ctr"/>
-            <a:endParaRPr lang="en-US" dirty="0" smtClean="0"/>
-          </a:p>
-          <a:p>
-            <a:pPr algn="ctr"/>
-            <a:endParaRPr lang="en-US" dirty="0"/>
-          </a:p>
-          <a:p>
-            <a:pPr algn="ctr"/>
-            <a:endParaRPr lang="en-US" dirty="0" smtClean="0"/>
-          </a:p>
-          <a:p>
-            <a:pPr algn="ctr"/>
-            <a:endParaRPr lang="en-US" dirty="0"/>
-          </a:p>
-          <a:p>
-            <a:pPr algn="ctr"/>
-            <a:endParaRPr lang="en-US" dirty="0" smtClean="0"/>
-          </a:p>
-          <a:p>
-            <a:pPr algn="ctr"/>
-            <a:endParaRPr lang="en-US" dirty="0"/>
-          </a:p>
-          <a:p>
-            <a:pPr algn="ctr"/>
-            <a:endParaRPr lang="en-US" dirty="0" smtClean="0"/>
-          </a:p>
-          <a:p>
-            <a:pPr algn="ctr"/>
-            <a:endParaRPr lang="en-US" dirty="0"/>
-          </a:p>
-          <a:p>
-            <a:pPr algn="ctr"/>
-            <a:endParaRPr lang="en-US" dirty="0" smtClean="0"/>
-          </a:p>
-          <a:p>
-            <a:pPr algn="ctr"/>
-            <a:endParaRPr lang="en-US" dirty="0"/>
-          </a:p>
-          <a:p>
-            <a:pPr algn="ctr"/>
-            <a:endParaRPr lang="en-US" dirty="0" smtClean="0"/>
-          </a:p>
-          <a:p>
-            <a:pPr algn="ctr"/>
-            <a:r>
-              <a:rPr lang="en-US" dirty="0" smtClean="0"/>
-              <a:t>Image</a:t>
-            </a:r>
-            <a:endParaRPr lang="en-US" dirty="0"/>
-          </a:p>
-        </p:txBody>
-      </p:sp>
-      <p:sp>
-        <p:nvSpPr>
-          <p:cNvPr id="5" name="Oval 4"/>
-          <p:cNvSpPr/>
-          <p:nvPr/>
-        </p:nvSpPr>
-        <p:spPr>
-          <a:xfrm>
-            <a:off x="8078678" y="2095130"/>
-            <a:ext cx="319597" cy="319596"/>
-          </a:xfrm>
-          <a:prstGeom prst="ellipse">
-            <a:avLst/>
-          </a:prstGeom>
-        </p:spPr>
-        <p:style>
-          <a:lnRef idx="0">
-            <a:schemeClr val="accent2"/>
-          </a:lnRef>
-          <a:fillRef idx="3">
-            <a:schemeClr val="accent2"/>
-          </a:fillRef>
-          <a:effectRef idx="3">
-            <a:schemeClr val="accent2"/>
-          </a:effectRef>
-          <a:fontRef idx="minor">
-            <a:schemeClr val="lt1"/>
-          </a:fontRef>
-        </p:style>
-        <p:txBody>
-          <a:bodyPr rtlCol="0" anchor="ctr"/>
-          <a:lstStyle/>
-          <a:p>
-            <a:pPr algn="ctr"/>
-            <a:endParaRPr lang="en-US"/>
-          </a:p>
-        </p:txBody>
-      </p:sp>
-    </p:spTree>
-    <p:extLst>
-      <p:ext uri="{BB962C8B-B14F-4D97-AF65-F5344CB8AC3E}">
-        <p14:creationId xmlns:p14="http://schemas.microsoft.com/office/powerpoint/2010/main" val="1387583939"/>
-      </p:ext>
-    </p:extLst>
-  </p:cSld>
-  <p:clrMapOvr>
-    <a:masterClrMapping/>
-  </p:clrMapOvr>
-  <p:timing>
-    <p:tnLst>
-      <p:par>
-        <p:cTn id="1" dur="indefinite" restart="never" nodeType="tmRoot">
-          <p:childTnLst>
-            <p:seq concurrent="1" nextAc="seek">
-              <p:cTn id="2" dur="indefinite" nodeType="mainSeq">
-                <p:childTnLst>
-                  <p:par>
-                    <p:cTn id="3" fill="hold">
-                      <p:stCondLst>
-                        <p:cond delay="indefinite"/>
-                      </p:stCondLst>
-                      <p:childTnLst>
-                        <p:par>
-                          <p:cTn id="4" fill="hold">
-                            <p:stCondLst>
-                              <p:cond delay="0"/>
-                            </p:stCondLst>
-                            <p:childTnLst>
-                              <p:par>
-                                <p:cTn id="5" presetID="10" presetClass="exit" presetSubtype="0" fill="hold" grpId="0" nodeType="clickEffect">
-                                  <p:stCondLst>
-                                    <p:cond delay="0"/>
-                                  </p:stCondLst>
-                                  <p:childTnLst>
-                                    <p:animEffect transition="out" filter="fade">
-                                      <p:cBhvr>
-                                        <p:cTn id="6" dur="500"/>
-                                        <p:tgtEl>
-                                          <p:spTgt spid="5"/>
-                                        </p:tgtEl>
-                                      </p:cBhvr>
-                                    </p:animEffect>
-                                    <p:set>
-                                      <p:cBhvr>
-                                        <p:cTn id="7" dur="1" fill="hold">
-                                          <p:stCondLst>
-                                            <p:cond delay="499"/>
-                                          </p:stCondLst>
-                                        </p:cTn>
-                                        <p:tgtEl>
-                                          <p:spTgt spid="5"/>
-                                        </p:tgtEl>
-                                        <p:attrNameLst>
-                                          <p:attrName>style.visibility</p:attrName>
-                                        </p:attrNameLst>
-                                      </p:cBhvr>
-                                      <p:to>
-                                        <p:strVal val="hidden"/>
-                                      </p:to>
-                                    </p:set>
-                                  </p:childTnLst>
-                                </p:cTn>
-                              </p:par>
-                            </p:childTnLst>
-                          </p:cTn>
-                        </p:par>
-                      </p:childTnLst>
-                    </p:cTn>
-                  </p:par>
-                  <p:par>
-                    <p:cTn id="8" fill="hold">
-                      <p:stCondLst>
-                        <p:cond delay="indefinite"/>
-                      </p:stCondLst>
-                      <p:childTnLst>
-                        <p:par>
-                          <p:cTn id="9" fill="hold">
-                            <p:stCondLst>
-                              <p:cond delay="0"/>
-                            </p:stCondLst>
-                            <p:childTnLst>
-                              <p:par>
-                                <p:cTn id="10" presetID="10" presetClass="entr" presetSubtype="0" fill="hold" grpId="1" nodeType="clickEffect">
-                                  <p:stCondLst>
-                                    <p:cond delay="0"/>
-                                  </p:stCondLst>
-                                  <p:childTnLst>
-                                    <p:set>
-                                      <p:cBhvr>
-                                        <p:cTn id="11" dur="1" fill="hold">
-                                          <p:stCondLst>
-                                            <p:cond delay="0"/>
-                                          </p:stCondLst>
-                                        </p:cTn>
-                                        <p:tgtEl>
-                                          <p:spTgt spid="5"/>
-                                        </p:tgtEl>
-                                        <p:attrNameLst>
-                                          <p:attrName>style.visibility</p:attrName>
-                                        </p:attrNameLst>
-                                      </p:cBhvr>
-                                      <p:to>
-                                        <p:strVal val="visible"/>
-                                      </p:to>
-                                    </p:set>
-                                    <p:animEffect transition="in" filter="fade">
-                                      <p:cBhvr>
-                                        <p:cTn id="12" dur="500"/>
-                                        <p:tgtEl>
-                                          <p:spTgt spid="5"/>
-                                        </p:tgtEl>
-                                      </p:cBhvr>
-                                    </p:animEffect>
-                                  </p:childTnLst>
-                                </p:cTn>
-                              </p:par>
-                            </p:childTnLst>
-                          </p:cTn>
-                        </p:par>
-                      </p:childTnLst>
-                    </p:cTn>
-                  </p:par>
-                  <p:par>
-                    <p:cTn id="13" fill="hold">
-                      <p:stCondLst>
-                        <p:cond delay="indefinite"/>
-                      </p:stCondLst>
-                      <p:childTnLst>
-                        <p:par>
-                          <p:cTn id="14" fill="hold">
-                            <p:stCondLst>
-                              <p:cond delay="0"/>
-                            </p:stCondLst>
-                            <p:childTnLst>
-                              <p:par>
-                                <p:cTn id="15" presetID="42" presetClass="path" presetSubtype="0" accel="50000" decel="50000" fill="hold" grpId="2" nodeType="clickEffect">
-                                  <p:stCondLst>
-                                    <p:cond delay="0"/>
-                                  </p:stCondLst>
-                                  <p:childTnLst>
-                                    <p:animMotion origin="layout" path="M -1.04167E-6 -3.7037E-6 L 0.11445 0.25 " pathEditMode="relative" rAng="0" ptsTypes="AA">
-                                      <p:cBhvr>
-                                        <p:cTn id="16" dur="2000" fill="hold"/>
-                                        <p:tgtEl>
-                                          <p:spTgt spid="5"/>
-                                        </p:tgtEl>
-                                        <p:attrNameLst>
-                                          <p:attrName>ppt_x</p:attrName>
-                                          <p:attrName>ppt_y</p:attrName>
-                                        </p:attrNameLst>
-                                      </p:cBhvr>
-                                      <p:rCtr x="5716" y="12500"/>
-                                    </p:animMotion>
-                                  </p:childTnLst>
-                                </p:cTn>
-                              </p:par>
-                            </p:childTnLst>
-                          </p:cTn>
-                        </p:par>
-                      </p:childTnLst>
-                    </p:cTn>
-                  </p:par>
-                </p:childTnLst>
-              </p:cTn>
-              <p:prevCondLst>
-                <p:cond evt="onPrev" delay="0">
-                  <p:tgtEl>
-                    <p:sldTgt/>
-                  </p:tgtEl>
-                </p:cond>
-              </p:prevCondLst>
-              <p:nextCondLst>
-                <p:cond evt="onNext" delay="0">
-                  <p:tgtEl>
-                    <p:sldTgt/>
-                  </p:tgtEl>
-                </p:cond>
-              </p:nextCondLst>
-            </p:seq>
-          </p:childTnLst>
-        </p:cTn>
-      </p:par>
-    </p:tnLst>
-    <p:bldLst>
-      <p:bldP spid="5" grpId="0" animBg="1"/>
-      <p:bldP spid="5" grpId="1" animBg="1"/>
-      <p:bldP spid="5" grpId="2" animBg="1"/>
-    </p:bldLst>
-  </p:timing>
-</p:sld>
-</file>
-
-<file path=ppt/slides/slide9.xml><?xml version="1.0" encoding="utf-8"?>
-<p:sld xmlns:a="http://schemas.openxmlformats.org/drawingml/2006/main" xmlns:r="http://schemas.openxmlformats.org/officeDocument/2006/relationships" xmlns:p="http://schemas.openxmlformats.org/presentationml/2006/main">
-  <p:cSld>
-    <p:spTree>
-      <p:nvGrpSpPr>
-        <p:cNvPr id="1" name=""/>
-        <p:cNvGrpSpPr/>
-        <p:nvPr/>
-      </p:nvGrpSpPr>
-      <p:grpSpPr>
-        <a:xfrm>
-          <a:off x="0" y="0"/>
-          <a:ext cx="0" cy="0"/>
-          <a:chOff x="0" y="0"/>
-          <a:chExt cx="0" cy="0"/>
-        </a:xfrm>
-      </p:grpSpPr>
-      <p:sp>
-        <p:nvSpPr>
-          <p:cNvPr id="3" name="Content Placeholder 2"/>
-          <p:cNvSpPr>
-            <a:spLocks noGrp="1"/>
-          </p:cNvSpPr>
-          <p:nvPr>
-            <p:ph sz="half" idx="2"/>
-          </p:nvPr>
-        </p:nvSpPr>
-        <p:spPr/>
-        <p:txBody>
-          <a:bodyPr>
-            <a:normAutofit/>
-          </a:bodyPr>
-          <a:lstStyle/>
-          <a:p>
-            <a:r>
-              <a:rPr lang="en-US" dirty="0" smtClean="0"/>
-              <a:t>Screen position</a:t>
-            </a:r>
-          </a:p>
-          <a:p>
-            <a:pPr lvl="1"/>
-            <a:r>
-              <a:rPr lang="en-US" dirty="0" err="1" smtClean="0"/>
-              <a:t>screenX</a:t>
-            </a:r>
-            <a:endParaRPr lang="en-US" dirty="0" smtClean="0"/>
-          </a:p>
-          <a:p>
-            <a:pPr lvl="1"/>
-            <a:r>
-              <a:rPr lang="en-US" dirty="0" err="1" smtClean="0"/>
-              <a:t>screenY</a:t>
-            </a:r>
-            <a:endParaRPr lang="en-US" dirty="0" smtClean="0"/>
-          </a:p>
-          <a:p>
-            <a:r>
-              <a:rPr lang="en-US" dirty="0" smtClean="0"/>
-              <a:t>Viewport position</a:t>
-            </a:r>
-          </a:p>
-          <a:p>
-            <a:pPr lvl="1"/>
-            <a:r>
-              <a:rPr lang="en-US" dirty="0" err="1" smtClean="0"/>
-              <a:t>clientX</a:t>
-            </a:r>
-            <a:endParaRPr lang="en-US" dirty="0" smtClean="0"/>
-          </a:p>
-          <a:p>
-            <a:pPr lvl="1"/>
-            <a:r>
-              <a:rPr lang="en-US" dirty="0" err="1" smtClean="0"/>
-              <a:t>clientY</a:t>
-            </a:r>
-            <a:endParaRPr lang="en-US" dirty="0" smtClean="0"/>
-          </a:p>
-        </p:txBody>
-      </p:sp>
-      <p:sp>
-        <p:nvSpPr>
-          <p:cNvPr id="13" name="Content Placeholder 12"/>
-          <p:cNvSpPr>
-            <a:spLocks noGrp="1"/>
-          </p:cNvSpPr>
-          <p:nvPr>
-            <p:ph sz="quarter" idx="4"/>
-          </p:nvPr>
-        </p:nvSpPr>
-        <p:spPr/>
-        <p:txBody>
-          <a:bodyPr/>
-          <a:lstStyle/>
-          <a:p>
-            <a:endParaRPr lang="en-US"/>
-          </a:p>
-        </p:txBody>
-      </p:sp>
-      <p:sp>
-        <p:nvSpPr>
-          <p:cNvPr id="2" name="Title 1"/>
-          <p:cNvSpPr>
-            <a:spLocks noGrp="1"/>
-          </p:cNvSpPr>
-          <p:nvPr>
-            <p:ph type="title"/>
-          </p:nvPr>
-        </p:nvSpPr>
-        <p:spPr/>
-        <p:txBody>
-          <a:bodyPr/>
-          <a:lstStyle/>
-          <a:p>
-            <a:r>
-              <a:rPr lang="en-US" dirty="0" smtClean="0"/>
-              <a:t>Touch position</a:t>
-            </a:r>
-            <a:endParaRPr lang="en-US" dirty="0"/>
-          </a:p>
-        </p:txBody>
-      </p:sp>
-      <p:sp>
-        <p:nvSpPr>
-          <p:cNvPr id="4" name="Rectangle 3"/>
-          <p:cNvSpPr/>
-          <p:nvPr/>
-        </p:nvSpPr>
-        <p:spPr>
-          <a:xfrm>
-            <a:off x="5912528" y="1388226"/>
-            <a:ext cx="3923930" cy="4932675"/>
-          </a:xfrm>
-          <a:prstGeom prst="rect">
-            <a:avLst/>
-          </a:prstGeom>
-        </p:spPr>
-        <p:style>
-          <a:lnRef idx="2">
-            <a:schemeClr val="accent1">
-              <a:shade val="50000"/>
-            </a:schemeClr>
-          </a:lnRef>
-          <a:fillRef idx="1">
-            <a:schemeClr val="accent1"/>
-          </a:fillRef>
-          <a:effectRef idx="0">
-            <a:schemeClr val="accent1"/>
-          </a:effectRef>
-          <a:fontRef idx="minor">
-            <a:schemeClr val="lt1"/>
-          </a:fontRef>
-        </p:style>
-        <p:txBody>
-          <a:bodyPr rtlCol="0" anchor="ctr"/>
-          <a:lstStyle/>
-          <a:p>
-            <a:pPr algn="ctr"/>
-            <a:endParaRPr lang="en-US" dirty="0" smtClean="0"/>
-          </a:p>
-          <a:p>
-            <a:pPr algn="ctr"/>
-            <a:endParaRPr lang="en-US" dirty="0"/>
-          </a:p>
-          <a:p>
-            <a:pPr algn="ctr"/>
-            <a:endParaRPr lang="en-US" dirty="0" smtClean="0"/>
-          </a:p>
-          <a:p>
-            <a:pPr algn="ctr"/>
-            <a:endParaRPr lang="en-US" dirty="0"/>
-          </a:p>
-          <a:p>
-            <a:pPr algn="ctr"/>
-            <a:endParaRPr lang="en-US" dirty="0" smtClean="0"/>
-          </a:p>
-          <a:p>
-            <a:pPr algn="ctr"/>
-            <a:endParaRPr lang="en-US" dirty="0"/>
-          </a:p>
-          <a:p>
-            <a:pPr algn="ctr"/>
-            <a:endParaRPr lang="en-US" dirty="0" smtClean="0"/>
-          </a:p>
-          <a:p>
-            <a:pPr algn="ctr"/>
-            <a:endParaRPr lang="en-US" dirty="0"/>
-          </a:p>
-          <a:p>
-            <a:pPr algn="ctr"/>
-            <a:endParaRPr lang="en-US" dirty="0" smtClean="0"/>
-          </a:p>
-          <a:p>
-            <a:pPr algn="ctr"/>
-            <a:endParaRPr lang="en-US" dirty="0"/>
-          </a:p>
-          <a:p>
-            <a:pPr algn="ctr"/>
-            <a:endParaRPr lang="en-US" dirty="0" smtClean="0"/>
-          </a:p>
-          <a:p>
-            <a:pPr algn="ctr"/>
-            <a:endParaRPr lang="en-US" dirty="0"/>
-          </a:p>
-          <a:p>
-            <a:pPr algn="ctr"/>
-            <a:endParaRPr lang="en-US" dirty="0" smtClean="0"/>
-          </a:p>
-          <a:p>
-            <a:pPr algn="ctr"/>
-            <a:endParaRPr lang="en-US" dirty="0"/>
-          </a:p>
-          <a:p>
-            <a:pPr algn="ctr"/>
-            <a:endParaRPr lang="en-US" dirty="0" smtClean="0"/>
-          </a:p>
-          <a:p>
-            <a:pPr algn="ctr"/>
-            <a:endParaRPr lang="en-US" dirty="0"/>
-          </a:p>
-          <a:p>
-            <a:pPr algn="ctr"/>
-            <a:r>
-              <a:rPr lang="en-US" dirty="0" smtClean="0"/>
-              <a:t>Screen</a:t>
-            </a:r>
-            <a:endParaRPr lang="en-US" dirty="0"/>
-          </a:p>
-        </p:txBody>
-      </p:sp>
-      <p:sp>
-        <p:nvSpPr>
-          <p:cNvPr id="5" name="Rectangle 4"/>
-          <p:cNvSpPr/>
-          <p:nvPr/>
-        </p:nvSpPr>
-        <p:spPr>
-          <a:xfrm>
-            <a:off x="6622742" y="1988599"/>
-            <a:ext cx="2539013" cy="3835154"/>
-          </a:xfrm>
-          <a:prstGeom prst="rect">
-            <a:avLst/>
-          </a:prstGeom>
-        </p:spPr>
-        <p:style>
-          <a:lnRef idx="3">
-            <a:schemeClr val="lt1"/>
-          </a:lnRef>
-          <a:fillRef idx="1">
-            <a:schemeClr val="accent3"/>
-          </a:fillRef>
-          <a:effectRef idx="1">
-            <a:schemeClr val="accent3"/>
-          </a:effectRef>
-          <a:fontRef idx="minor">
-            <a:schemeClr val="lt1"/>
-          </a:fontRef>
-        </p:style>
-        <p:txBody>
-          <a:bodyPr rtlCol="0" anchor="ctr"/>
-          <a:lstStyle/>
-          <a:p>
-            <a:pPr algn="ctr"/>
-            <a:endParaRPr lang="en-US" dirty="0" smtClean="0"/>
-          </a:p>
-          <a:p>
-            <a:pPr algn="ctr"/>
-            <a:endParaRPr lang="en-US" dirty="0"/>
-          </a:p>
-          <a:p>
-            <a:pPr algn="ctr"/>
-            <a:endParaRPr lang="en-US" dirty="0" smtClean="0"/>
-          </a:p>
-          <a:p>
-            <a:pPr algn="ctr"/>
-            <a:endParaRPr lang="en-US" dirty="0"/>
-          </a:p>
-          <a:p>
-            <a:pPr algn="ctr"/>
-            <a:endParaRPr lang="en-US" dirty="0" smtClean="0"/>
-          </a:p>
-          <a:p>
-            <a:pPr algn="ctr"/>
-            <a:endParaRPr lang="en-US" dirty="0"/>
-          </a:p>
-          <a:p>
-            <a:pPr algn="ctr"/>
-            <a:endParaRPr lang="en-US" dirty="0" smtClean="0"/>
-          </a:p>
-          <a:p>
-            <a:pPr algn="ctr"/>
-            <a:endParaRPr lang="en-US" dirty="0"/>
-          </a:p>
-          <a:p>
-            <a:pPr algn="ctr"/>
-            <a:endParaRPr lang="en-US" dirty="0" smtClean="0"/>
-          </a:p>
-          <a:p>
-            <a:pPr algn="ctr"/>
-            <a:endParaRPr lang="en-US" dirty="0"/>
-          </a:p>
-          <a:p>
-            <a:pPr algn="ctr"/>
-            <a:endParaRPr lang="en-US" dirty="0" smtClean="0"/>
-          </a:p>
-          <a:p>
-            <a:pPr algn="ctr"/>
-            <a:r>
-              <a:rPr lang="en-US" dirty="0" smtClean="0"/>
-              <a:t>Browser</a:t>
-            </a:r>
-            <a:endParaRPr lang="en-US" dirty="0"/>
-          </a:p>
-        </p:txBody>
-      </p:sp>
-      <p:sp>
-        <p:nvSpPr>
-          <p:cNvPr id="6" name="Oval 5"/>
-          <p:cNvSpPr/>
-          <p:nvPr/>
-        </p:nvSpPr>
-        <p:spPr>
-          <a:xfrm>
-            <a:off x="7022236" y="2379216"/>
-            <a:ext cx="319597" cy="319596"/>
-          </a:xfrm>
-          <a:prstGeom prst="ellipse">
-            <a:avLst/>
-          </a:prstGeom>
-        </p:spPr>
-        <p:style>
-          <a:lnRef idx="0">
-            <a:schemeClr val="accent2"/>
-          </a:lnRef>
-          <a:fillRef idx="3">
-            <a:schemeClr val="accent2"/>
-          </a:fillRef>
-          <a:effectRef idx="3">
-            <a:schemeClr val="accent2"/>
-          </a:effectRef>
-          <a:fontRef idx="minor">
-            <a:schemeClr val="lt1"/>
-          </a:fontRef>
-        </p:style>
-        <p:txBody>
-          <a:bodyPr rtlCol="0" anchor="ctr"/>
-          <a:lstStyle/>
-          <a:p>
-            <a:pPr algn="ctr"/>
-            <a:endParaRPr lang="en-US"/>
-          </a:p>
-        </p:txBody>
-      </p:sp>
-      <p:sp>
-        <p:nvSpPr>
-          <p:cNvPr id="7" name="Down Arrow 6"/>
-          <p:cNvSpPr/>
-          <p:nvPr/>
-        </p:nvSpPr>
-        <p:spPr>
-          <a:xfrm>
-            <a:off x="7012846" y="1388226"/>
-            <a:ext cx="293476" cy="990990"/>
-          </a:xfrm>
-          <a:prstGeom prst="downArrow">
-            <a:avLst/>
-          </a:prstGeom>
-        </p:spPr>
-        <p:style>
-          <a:lnRef idx="1">
-            <a:schemeClr val="accent6"/>
-          </a:lnRef>
-          <a:fillRef idx="2">
-            <a:schemeClr val="accent6"/>
-          </a:fillRef>
-          <a:effectRef idx="1">
-            <a:schemeClr val="accent6"/>
-          </a:effectRef>
-          <a:fontRef idx="minor">
-            <a:schemeClr val="dk1"/>
-          </a:fontRef>
-        </p:style>
-        <p:txBody>
-          <a:bodyPr rtlCol="0" anchor="ctr"/>
-          <a:lstStyle/>
-          <a:p>
-            <a:pPr algn="ctr"/>
-            <a:endParaRPr lang="en-US"/>
-          </a:p>
-        </p:txBody>
-      </p:sp>
-      <p:sp>
-        <p:nvSpPr>
-          <p:cNvPr id="8" name="Right Arrow 7"/>
-          <p:cNvSpPr/>
-          <p:nvPr/>
-        </p:nvSpPr>
-        <p:spPr>
-          <a:xfrm>
-            <a:off x="5912529" y="2405737"/>
-            <a:ext cx="1109708" cy="285826"/>
-          </a:xfrm>
-          <a:prstGeom prst="rightArrow">
-            <a:avLst/>
-          </a:prstGeom>
-        </p:spPr>
-        <p:style>
-          <a:lnRef idx="1">
-            <a:schemeClr val="accent6"/>
-          </a:lnRef>
-          <a:fillRef idx="2">
-            <a:schemeClr val="accent6"/>
-          </a:fillRef>
-          <a:effectRef idx="1">
-            <a:schemeClr val="accent6"/>
-          </a:effectRef>
-          <a:fontRef idx="minor">
-            <a:schemeClr val="dk1"/>
-          </a:fontRef>
-        </p:style>
-        <p:txBody>
-          <a:bodyPr rtlCol="0" anchor="ctr"/>
-          <a:lstStyle/>
-          <a:p>
-            <a:pPr algn="ctr"/>
-            <a:endParaRPr lang="en-US"/>
-          </a:p>
-        </p:txBody>
-      </p:sp>
-      <p:sp>
-        <p:nvSpPr>
-          <p:cNvPr id="9" name="Down Arrow 8"/>
-          <p:cNvSpPr/>
-          <p:nvPr/>
-        </p:nvSpPr>
-        <p:spPr>
-          <a:xfrm>
-            <a:off x="7012844" y="1988599"/>
-            <a:ext cx="293476" cy="397866"/>
-          </a:xfrm>
-          <a:prstGeom prst="downArrow">
-            <a:avLst/>
-          </a:prstGeom>
-        </p:spPr>
-        <p:style>
-          <a:lnRef idx="1">
-            <a:schemeClr val="accent4"/>
-          </a:lnRef>
-          <a:fillRef idx="2">
-            <a:schemeClr val="accent4"/>
-          </a:fillRef>
-          <a:effectRef idx="1">
-            <a:schemeClr val="accent4"/>
-          </a:effectRef>
-          <a:fontRef idx="minor">
-            <a:schemeClr val="dk1"/>
-          </a:fontRef>
-        </p:style>
-        <p:txBody>
-          <a:bodyPr rtlCol="0" anchor="ctr"/>
-          <a:lstStyle/>
-          <a:p>
-            <a:pPr algn="ctr"/>
-            <a:endParaRPr lang="en-US"/>
-          </a:p>
-        </p:txBody>
-      </p:sp>
-      <p:sp>
-        <p:nvSpPr>
-          <p:cNvPr id="10" name="Right Arrow 9"/>
-          <p:cNvSpPr/>
-          <p:nvPr/>
-        </p:nvSpPr>
-        <p:spPr>
-          <a:xfrm>
-            <a:off x="6622741" y="2412986"/>
-            <a:ext cx="399494" cy="285826"/>
-          </a:xfrm>
-          <a:prstGeom prst="rightArrow">
-            <a:avLst/>
-          </a:prstGeom>
-        </p:spPr>
-        <p:style>
-          <a:lnRef idx="1">
-            <a:schemeClr val="accent4"/>
-          </a:lnRef>
-          <a:fillRef idx="2">
-            <a:schemeClr val="accent4"/>
-          </a:fillRef>
-          <a:effectRef idx="1">
-            <a:schemeClr val="accent4"/>
-          </a:effectRef>
-          <a:fontRef idx="minor">
-            <a:schemeClr val="dk1"/>
-          </a:fontRef>
-        </p:style>
-        <p:txBody>
-          <a:bodyPr rtlCol="0" anchor="ctr"/>
-          <a:lstStyle/>
-          <a:p>
-            <a:pPr algn="ctr"/>
-            <a:endParaRPr lang="en-US"/>
-          </a:p>
-        </p:txBody>
-      </p:sp>
-      <p:sp>
-        <p:nvSpPr>
-          <p:cNvPr id="11" name="Rectangle 10"/>
-          <p:cNvSpPr/>
-          <p:nvPr/>
-        </p:nvSpPr>
-        <p:spPr>
-          <a:xfrm>
-            <a:off x="6822488" y="722400"/>
-            <a:ext cx="2086252" cy="470517"/>
-          </a:xfrm>
-          <a:prstGeom prst="rect">
-            <a:avLst/>
-          </a:prstGeom>
-        </p:spPr>
-        <p:style>
-          <a:lnRef idx="2">
-            <a:schemeClr val="accent6">
-              <a:shade val="50000"/>
-            </a:schemeClr>
-          </a:lnRef>
-          <a:fillRef idx="1">
-            <a:schemeClr val="accent6"/>
-          </a:fillRef>
-          <a:effectRef idx="0">
-            <a:schemeClr val="accent6"/>
-          </a:effectRef>
-          <a:fontRef idx="minor">
-            <a:schemeClr val="lt1"/>
-          </a:fontRef>
-        </p:style>
-        <p:txBody>
-          <a:bodyPr rtlCol="0" anchor="ctr"/>
-          <a:lstStyle/>
-          <a:p>
-            <a:pPr algn="ctr"/>
-            <a:r>
-              <a:rPr lang="en-US" dirty="0" err="1" smtClean="0"/>
-              <a:t>screenX</a:t>
-            </a:r>
-            <a:r>
-              <a:rPr lang="en-US" dirty="0" smtClean="0"/>
-              <a:t> &amp; </a:t>
-            </a:r>
-            <a:r>
-              <a:rPr lang="en-US" dirty="0" err="1" smtClean="0"/>
-              <a:t>screenY</a:t>
-            </a:r>
-            <a:endParaRPr lang="en-US" dirty="0"/>
-          </a:p>
-        </p:txBody>
-      </p:sp>
-      <p:sp>
-        <p:nvSpPr>
-          <p:cNvPr id="12" name="Rectangle 11"/>
-          <p:cNvSpPr/>
-          <p:nvPr/>
-        </p:nvSpPr>
-        <p:spPr>
-          <a:xfrm>
-            <a:off x="6822488" y="715372"/>
-            <a:ext cx="2086252" cy="470517"/>
-          </a:xfrm>
-          <a:prstGeom prst="rect">
-            <a:avLst/>
-          </a:prstGeom>
-        </p:spPr>
-        <p:style>
-          <a:lnRef idx="2">
-            <a:schemeClr val="accent4">
-              <a:shade val="50000"/>
-            </a:schemeClr>
-          </a:lnRef>
-          <a:fillRef idx="1">
-            <a:schemeClr val="accent4"/>
-          </a:fillRef>
-          <a:effectRef idx="0">
-            <a:schemeClr val="accent4"/>
-          </a:effectRef>
-          <a:fontRef idx="minor">
-            <a:schemeClr val="lt1"/>
-          </a:fontRef>
-        </p:style>
-        <p:txBody>
-          <a:bodyPr rtlCol="0" anchor="ctr"/>
-          <a:lstStyle/>
-          <a:p>
-            <a:pPr algn="ctr"/>
-            <a:r>
-              <a:rPr lang="en-US" dirty="0" err="1" smtClean="0"/>
-              <a:t>clientX</a:t>
-            </a:r>
-            <a:r>
-              <a:rPr lang="en-US" dirty="0" smtClean="0"/>
-              <a:t> &amp; </a:t>
-            </a:r>
-            <a:r>
-              <a:rPr lang="en-US" dirty="0" err="1" smtClean="0"/>
-              <a:t>clientY</a:t>
-            </a:r>
-            <a:endParaRPr lang="en-US" dirty="0"/>
-          </a:p>
-        </p:txBody>
-      </p:sp>
-    </p:spTree>
-    <p:extLst>
-      <p:ext uri="{BB962C8B-B14F-4D97-AF65-F5344CB8AC3E}">
-        <p14:creationId xmlns:p14="http://schemas.microsoft.com/office/powerpoint/2010/main" val="1786543244"/>
-      </p:ext>
-    </p:extLst>
-  </p:cSld>
-  <p:clrMapOvr>
-    <a:masterClrMapping/>
-  </p:clrMapOvr>
-  <p:timing>
-    <p:tnLst>
-      <p:par>
-        <p:cTn id="1" dur="indefinite" restart="never" nodeType="tmRoot">
-          <p:childTnLst>
-            <p:seq concurrent="1" nextAc="seek">
-              <p:cTn id="2" dur="indefinite" nodeType="mainSeq">
-                <p:childTnLst>
-                  <p:par>
-                    <p:cTn id="3" fill="hold">
-                      <p:stCondLst>
-                        <p:cond delay="indefinite"/>
-                      </p:stCondLst>
-                      <p:childTnLst>
-                        <p:par>
-                          <p:cTn id="4" fill="hold">
-                            <p:stCondLst>
-                              <p:cond delay="0"/>
-                            </p:stCondLst>
-                            <p:childTnLst>
-                              <p:par>
-                                <p:cTn id="5" presetID="10" presetClass="entr" presetSubtype="0" fill="hold" grpId="0" nodeType="clickEffect">
-                                  <p:stCondLst>
-                                    <p:cond delay="0"/>
-                                  </p:stCondLst>
-                                  <p:childTnLst>
-                                    <p:set>
-                                      <p:cBhvr>
-                                        <p:cTn id="6" dur="1" fill="hold">
-                                          <p:stCondLst>
-                                            <p:cond delay="0"/>
-                                          </p:stCondLst>
-                                        </p:cTn>
-                                        <p:tgtEl>
-                                          <p:spTgt spid="11"/>
-                                        </p:tgtEl>
-                                        <p:attrNameLst>
-                                          <p:attrName>style.visibility</p:attrName>
-                                        </p:attrNameLst>
-                                      </p:cBhvr>
-                                      <p:to>
-                                        <p:strVal val="visible"/>
-                                      </p:to>
-                                    </p:set>
-                                    <p:animEffect transition="in" filter="fade">
-                                      <p:cBhvr>
-                                        <p:cTn id="7" dur="500"/>
-                                        <p:tgtEl>
-                                          <p:spTgt spid="11"/>
-                                        </p:tgtEl>
-                                      </p:cBhvr>
-                                    </p:animEffect>
-                                  </p:childTnLst>
-                                </p:cTn>
-                              </p:par>
-                            </p:childTnLst>
-                          </p:cTn>
-                        </p:par>
-                      </p:childTnLst>
-                    </p:cTn>
-                  </p:par>
-                  <p:par>
-                    <p:cTn id="8" fill="hold">
-                      <p:stCondLst>
-                        <p:cond delay="indefinite"/>
-                      </p:stCondLst>
-                      <p:childTnLst>
-                        <p:par>
-                          <p:cTn id="9" fill="hold">
-                            <p:stCondLst>
-                              <p:cond delay="0"/>
-                            </p:stCondLst>
-                            <p:childTnLst>
-                              <p:par>
-                                <p:cTn id="10" presetID="53" presetClass="entr" presetSubtype="16" fill="hold" grpId="0" nodeType="clickEffect">
-                                  <p:stCondLst>
-                                    <p:cond delay="0"/>
-                                  </p:stCondLst>
-                                  <p:childTnLst>
-                                    <p:set>
-                                      <p:cBhvr>
-                                        <p:cTn id="11" dur="1" fill="hold">
-                                          <p:stCondLst>
-                                            <p:cond delay="0"/>
-                                          </p:stCondLst>
-                                        </p:cTn>
-                                        <p:tgtEl>
-                                          <p:spTgt spid="7"/>
-                                        </p:tgtEl>
-                                        <p:attrNameLst>
-                                          <p:attrName>style.visibility</p:attrName>
-                                        </p:attrNameLst>
-                                      </p:cBhvr>
-                                      <p:to>
-                                        <p:strVal val="visible"/>
-                                      </p:to>
-                                    </p:set>
-                                    <p:anim calcmode="lin" valueType="num">
-                                      <p:cBhvr>
-                                        <p:cTn id="12" dur="500" fill="hold"/>
-                                        <p:tgtEl>
-                                          <p:spTgt spid="7"/>
-                                        </p:tgtEl>
-                                        <p:attrNameLst>
-                                          <p:attrName>ppt_w</p:attrName>
-                                        </p:attrNameLst>
-                                      </p:cBhvr>
-                                      <p:tavLst>
-                                        <p:tav tm="0">
-                                          <p:val>
-                                            <p:fltVal val="0"/>
-                                          </p:val>
-                                        </p:tav>
-                                        <p:tav tm="100000">
-                                          <p:val>
-                                            <p:strVal val="#ppt_w"/>
-                                          </p:val>
-                                        </p:tav>
-                                      </p:tavLst>
-                                    </p:anim>
-                                    <p:anim calcmode="lin" valueType="num">
-                                      <p:cBhvr>
-                                        <p:cTn id="13" dur="500" fill="hold"/>
-                                        <p:tgtEl>
-                                          <p:spTgt spid="7"/>
-                                        </p:tgtEl>
-                                        <p:attrNameLst>
-                                          <p:attrName>ppt_h</p:attrName>
-                                        </p:attrNameLst>
-                                      </p:cBhvr>
-                                      <p:tavLst>
-                                        <p:tav tm="0">
-                                          <p:val>
-                                            <p:fltVal val="0"/>
-                                          </p:val>
-                                        </p:tav>
-                                        <p:tav tm="100000">
-                                          <p:val>
-                                            <p:strVal val="#ppt_h"/>
-                                          </p:val>
-                                        </p:tav>
-                                      </p:tavLst>
-                                    </p:anim>
-                                    <p:animEffect transition="in" filter="fade">
-                                      <p:cBhvr>
-                                        <p:cTn id="14" dur="500"/>
-                                        <p:tgtEl>
-                                          <p:spTgt spid="7"/>
-                                        </p:tgtEl>
-                                      </p:cBhvr>
-                                    </p:animEffect>
-                                  </p:childTnLst>
-                                </p:cTn>
-                              </p:par>
-                              <p:par>
-                                <p:cTn id="15" presetID="53" presetClass="entr" presetSubtype="16" fill="hold" grpId="0" nodeType="withEffect">
-                                  <p:stCondLst>
-                                    <p:cond delay="0"/>
-                                  </p:stCondLst>
-                                  <p:childTnLst>
-                                    <p:set>
-                                      <p:cBhvr>
-                                        <p:cTn id="16" dur="1" fill="hold">
-                                          <p:stCondLst>
-                                            <p:cond delay="0"/>
-                                          </p:stCondLst>
-                                        </p:cTn>
-                                        <p:tgtEl>
-                                          <p:spTgt spid="8"/>
-                                        </p:tgtEl>
-                                        <p:attrNameLst>
-                                          <p:attrName>style.visibility</p:attrName>
-                                        </p:attrNameLst>
-                                      </p:cBhvr>
-                                      <p:to>
-                                        <p:strVal val="visible"/>
-                                      </p:to>
-                                    </p:set>
-                                    <p:anim calcmode="lin" valueType="num">
-                                      <p:cBhvr>
-                                        <p:cTn id="17" dur="500" fill="hold"/>
-                                        <p:tgtEl>
-                                          <p:spTgt spid="8"/>
-                                        </p:tgtEl>
-                                        <p:attrNameLst>
-                                          <p:attrName>ppt_w</p:attrName>
-                                        </p:attrNameLst>
-                                      </p:cBhvr>
-                                      <p:tavLst>
-                                        <p:tav tm="0">
-                                          <p:val>
-                                            <p:fltVal val="0"/>
-                                          </p:val>
-                                        </p:tav>
-                                        <p:tav tm="100000">
-                                          <p:val>
-                                            <p:strVal val="#ppt_w"/>
-                                          </p:val>
-                                        </p:tav>
-                                      </p:tavLst>
-                                    </p:anim>
-                                    <p:anim calcmode="lin" valueType="num">
-                                      <p:cBhvr>
-                                        <p:cTn id="18" dur="500" fill="hold"/>
-                                        <p:tgtEl>
-                                          <p:spTgt spid="8"/>
-                                        </p:tgtEl>
-                                        <p:attrNameLst>
-                                          <p:attrName>ppt_h</p:attrName>
-                                        </p:attrNameLst>
-                                      </p:cBhvr>
-                                      <p:tavLst>
-                                        <p:tav tm="0">
-                                          <p:val>
-                                            <p:fltVal val="0"/>
-                                          </p:val>
-                                        </p:tav>
-                                        <p:tav tm="100000">
-                                          <p:val>
-                                            <p:strVal val="#ppt_h"/>
-                                          </p:val>
-                                        </p:tav>
-                                      </p:tavLst>
-                                    </p:anim>
-                                    <p:animEffect transition="in" filter="fade">
-                                      <p:cBhvr>
-                                        <p:cTn id="19" dur="500"/>
-                                        <p:tgtEl>
-                                          <p:spTgt spid="8"/>
-                                        </p:tgtEl>
-                                      </p:cBhvr>
-                                    </p:animEffect>
-                                  </p:childTnLst>
-                                </p:cTn>
-                              </p:par>
-                            </p:childTnLst>
-                          </p:cTn>
-                        </p:par>
-                      </p:childTnLst>
-                    </p:cTn>
-                  </p:par>
-                  <p:par>
-                    <p:cTn id="20" fill="hold">
-                      <p:stCondLst>
-                        <p:cond delay="indefinite"/>
-                      </p:stCondLst>
-                      <p:childTnLst>
-                        <p:par>
-                          <p:cTn id="21" fill="hold">
-                            <p:stCondLst>
-                              <p:cond delay="0"/>
-                            </p:stCondLst>
-                            <p:childTnLst>
-                              <p:par>
-                                <p:cTn id="22" presetID="1" presetClass="exit" presetSubtype="0" fill="hold" grpId="1" nodeType="clickEffect">
-                                  <p:stCondLst>
-                                    <p:cond delay="0"/>
-                                  </p:stCondLst>
-                                  <p:childTnLst>
-                                    <p:set>
-                                      <p:cBhvr>
-                                        <p:cTn id="23" dur="1" fill="hold">
-                                          <p:stCondLst>
-                                            <p:cond delay="0"/>
-                                          </p:stCondLst>
-                                        </p:cTn>
-                                        <p:tgtEl>
-                                          <p:spTgt spid="7"/>
-                                        </p:tgtEl>
-                                        <p:attrNameLst>
-                                          <p:attrName>style.visibility</p:attrName>
-                                        </p:attrNameLst>
-                                      </p:cBhvr>
-                                      <p:to>
-                                        <p:strVal val="hidden"/>
-                                      </p:to>
-                                    </p:set>
-                                  </p:childTnLst>
-                                </p:cTn>
-                              </p:par>
-                              <p:par>
-                                <p:cTn id="24" presetID="1" presetClass="exit" presetSubtype="0" fill="hold" grpId="1" nodeType="withEffect">
-                                  <p:stCondLst>
-                                    <p:cond delay="0"/>
-                                  </p:stCondLst>
-                                  <p:childTnLst>
-                                    <p:set>
-                                      <p:cBhvr>
-                                        <p:cTn id="25" dur="1" fill="hold">
-                                          <p:stCondLst>
-                                            <p:cond delay="0"/>
-                                          </p:stCondLst>
-                                        </p:cTn>
-                                        <p:tgtEl>
-                                          <p:spTgt spid="8"/>
-                                        </p:tgtEl>
-                                        <p:attrNameLst>
-                                          <p:attrName>style.visibility</p:attrName>
-                                        </p:attrNameLst>
-                                      </p:cBhvr>
-                                      <p:to>
-                                        <p:strVal val="hidden"/>
-                                      </p:to>
-                                    </p:set>
-                                  </p:childTnLst>
-                                </p:cTn>
-                              </p:par>
-                              <p:par>
-                                <p:cTn id="26" presetID="1" presetClass="exit" presetSubtype="0" fill="hold" grpId="1" nodeType="withEffect">
-                                  <p:stCondLst>
-                                    <p:cond delay="0"/>
-                                  </p:stCondLst>
-                                  <p:childTnLst>
-                                    <p:set>
-                                      <p:cBhvr>
-                                        <p:cTn id="27" dur="1" fill="hold">
-                                          <p:stCondLst>
-                                            <p:cond delay="0"/>
-                                          </p:stCondLst>
-                                        </p:cTn>
-                                        <p:tgtEl>
-                                          <p:spTgt spid="11"/>
-                                        </p:tgtEl>
-                                        <p:attrNameLst>
-                                          <p:attrName>style.visibility</p:attrName>
-                                        </p:attrNameLst>
-                                      </p:cBhvr>
-                                      <p:to>
-                                        <p:strVal val="hidden"/>
-                                      </p:to>
-                                    </p:set>
-                                  </p:childTnLst>
-                                </p:cTn>
-                              </p:par>
-                            </p:childTnLst>
-                          </p:cTn>
-                        </p:par>
-                      </p:childTnLst>
-                    </p:cTn>
-                  </p:par>
-                  <p:par>
-                    <p:cTn id="28" fill="hold">
-                      <p:stCondLst>
-                        <p:cond delay="indefinite"/>
-                      </p:stCondLst>
-                      <p:childTnLst>
-                        <p:par>
-                          <p:cTn id="29" fill="hold">
-                            <p:stCondLst>
-                              <p:cond delay="0"/>
-                            </p:stCondLst>
-                            <p:childTnLst>
-                              <p:par>
-                                <p:cTn id="30" presetID="10" presetClass="entr" presetSubtype="0" fill="hold" grpId="0" nodeType="clickEffect">
-                                  <p:stCondLst>
-                                    <p:cond delay="0"/>
-                                  </p:stCondLst>
-                                  <p:childTnLst>
-                                    <p:set>
-                                      <p:cBhvr>
-                                        <p:cTn id="31" dur="1" fill="hold">
-                                          <p:stCondLst>
-                                            <p:cond delay="0"/>
-                                          </p:stCondLst>
-                                        </p:cTn>
-                                        <p:tgtEl>
-                                          <p:spTgt spid="12"/>
-                                        </p:tgtEl>
-                                        <p:attrNameLst>
-                                          <p:attrName>style.visibility</p:attrName>
-                                        </p:attrNameLst>
-                                      </p:cBhvr>
-                                      <p:to>
-                                        <p:strVal val="visible"/>
-                                      </p:to>
-                                    </p:set>
-                                    <p:animEffect transition="in" filter="fade">
-                                      <p:cBhvr>
-                                        <p:cTn id="32" dur="500"/>
-                                        <p:tgtEl>
-                                          <p:spTgt spid="12"/>
-                                        </p:tgtEl>
-                                      </p:cBhvr>
-                                    </p:animEffect>
-                                  </p:childTnLst>
-                                </p:cTn>
-                              </p:par>
-                            </p:childTnLst>
-                          </p:cTn>
-                        </p:par>
-                      </p:childTnLst>
-                    </p:cTn>
-                  </p:par>
-                  <p:par>
-                    <p:cTn id="33" fill="hold">
-                      <p:stCondLst>
-                        <p:cond delay="indefinite"/>
-                      </p:stCondLst>
-                      <p:childTnLst>
-                        <p:par>
-                          <p:cTn id="34" fill="hold">
-                            <p:stCondLst>
-                              <p:cond delay="0"/>
-                            </p:stCondLst>
-                            <p:childTnLst>
-                              <p:par>
-                                <p:cTn id="35" presetID="53" presetClass="entr" presetSubtype="16" fill="hold" grpId="0" nodeType="clickEffect">
-                                  <p:stCondLst>
-                                    <p:cond delay="0"/>
-                                  </p:stCondLst>
-                                  <p:childTnLst>
-                                    <p:set>
-                                      <p:cBhvr>
-                                        <p:cTn id="36" dur="1" fill="hold">
-                                          <p:stCondLst>
-                                            <p:cond delay="0"/>
-                                          </p:stCondLst>
-                                        </p:cTn>
-                                        <p:tgtEl>
-                                          <p:spTgt spid="9"/>
-                                        </p:tgtEl>
-                                        <p:attrNameLst>
-                                          <p:attrName>style.visibility</p:attrName>
-                                        </p:attrNameLst>
-                                      </p:cBhvr>
-                                      <p:to>
-                                        <p:strVal val="visible"/>
-                                      </p:to>
-                                    </p:set>
-                                    <p:anim calcmode="lin" valueType="num">
-                                      <p:cBhvr>
-                                        <p:cTn id="37" dur="500" fill="hold"/>
-                                        <p:tgtEl>
-                                          <p:spTgt spid="9"/>
-                                        </p:tgtEl>
-                                        <p:attrNameLst>
-                                          <p:attrName>ppt_w</p:attrName>
-                                        </p:attrNameLst>
-                                      </p:cBhvr>
-                                      <p:tavLst>
-                                        <p:tav tm="0">
-                                          <p:val>
-                                            <p:fltVal val="0"/>
-                                          </p:val>
-                                        </p:tav>
-                                        <p:tav tm="100000">
-                                          <p:val>
-                                            <p:strVal val="#ppt_w"/>
-                                          </p:val>
-                                        </p:tav>
-                                      </p:tavLst>
-                                    </p:anim>
-                                    <p:anim calcmode="lin" valueType="num">
-                                      <p:cBhvr>
-                                        <p:cTn id="38" dur="500" fill="hold"/>
-                                        <p:tgtEl>
-                                          <p:spTgt spid="9"/>
-                                        </p:tgtEl>
-                                        <p:attrNameLst>
-                                          <p:attrName>ppt_h</p:attrName>
-                                        </p:attrNameLst>
-                                      </p:cBhvr>
-                                      <p:tavLst>
-                                        <p:tav tm="0">
-                                          <p:val>
-                                            <p:fltVal val="0"/>
-                                          </p:val>
-                                        </p:tav>
-                                        <p:tav tm="100000">
-                                          <p:val>
-                                            <p:strVal val="#ppt_h"/>
-                                          </p:val>
-                                        </p:tav>
-                                      </p:tavLst>
-                                    </p:anim>
-                                    <p:animEffect transition="in" filter="fade">
-                                      <p:cBhvr>
-                                        <p:cTn id="39" dur="500"/>
-                                        <p:tgtEl>
-                                          <p:spTgt spid="9"/>
-                                        </p:tgtEl>
-                                      </p:cBhvr>
-                                    </p:animEffect>
-                                  </p:childTnLst>
-                                </p:cTn>
-                              </p:par>
-                              <p:par>
-                                <p:cTn id="40" presetID="53" presetClass="entr" presetSubtype="16" fill="hold" grpId="0" nodeType="withEffect">
-                                  <p:stCondLst>
-                                    <p:cond delay="0"/>
-                                  </p:stCondLst>
-                                  <p:childTnLst>
-                                    <p:set>
-                                      <p:cBhvr>
-                                        <p:cTn id="41" dur="1" fill="hold">
-                                          <p:stCondLst>
-                                            <p:cond delay="0"/>
-                                          </p:stCondLst>
-                                        </p:cTn>
-                                        <p:tgtEl>
-                                          <p:spTgt spid="10"/>
-                                        </p:tgtEl>
-                                        <p:attrNameLst>
-                                          <p:attrName>style.visibility</p:attrName>
-                                        </p:attrNameLst>
-                                      </p:cBhvr>
-                                      <p:to>
-                                        <p:strVal val="visible"/>
-                                      </p:to>
-                                    </p:set>
-                                    <p:anim calcmode="lin" valueType="num">
-                                      <p:cBhvr>
-                                        <p:cTn id="42" dur="500" fill="hold"/>
-                                        <p:tgtEl>
-                                          <p:spTgt spid="10"/>
-                                        </p:tgtEl>
-                                        <p:attrNameLst>
-                                          <p:attrName>ppt_w</p:attrName>
-                                        </p:attrNameLst>
-                                      </p:cBhvr>
-                                      <p:tavLst>
-                                        <p:tav tm="0">
-                                          <p:val>
-                                            <p:fltVal val="0"/>
-                                          </p:val>
-                                        </p:tav>
-                                        <p:tav tm="100000">
-                                          <p:val>
-                                            <p:strVal val="#ppt_w"/>
-                                          </p:val>
-                                        </p:tav>
-                                      </p:tavLst>
-                                    </p:anim>
-                                    <p:anim calcmode="lin" valueType="num">
-                                      <p:cBhvr>
-                                        <p:cTn id="43" dur="500" fill="hold"/>
-                                        <p:tgtEl>
-                                          <p:spTgt spid="10"/>
-                                        </p:tgtEl>
-                                        <p:attrNameLst>
-                                          <p:attrName>ppt_h</p:attrName>
-                                        </p:attrNameLst>
-                                      </p:cBhvr>
-                                      <p:tavLst>
-                                        <p:tav tm="0">
-                                          <p:val>
-                                            <p:fltVal val="0"/>
-                                          </p:val>
-                                        </p:tav>
-                                        <p:tav tm="100000">
-                                          <p:val>
-                                            <p:strVal val="#ppt_h"/>
-                                          </p:val>
-                                        </p:tav>
-                                      </p:tavLst>
-                                    </p:anim>
-                                    <p:animEffect transition="in" filter="fade">
-                                      <p:cBhvr>
-                                        <p:cTn id="44" dur="500"/>
-                                        <p:tgtEl>
-                                          <p:spTgt spid="10"/>
-                                        </p:tgtEl>
-                                      </p:cBhvr>
-                                    </p:animEffect>
-                                  </p:childTnLst>
-                                </p:cTn>
-                              </p:par>
-                            </p:childTnLst>
-                          </p:cTn>
-                        </p:par>
-                      </p:childTnLst>
-                    </p:cTn>
-                  </p:par>
-                </p:childTnLst>
-              </p:cTn>
-              <p:prevCondLst>
-                <p:cond evt="onPrev" delay="0">
-                  <p:tgtEl>
-                    <p:sldTgt/>
-                  </p:tgtEl>
-                </p:cond>
-              </p:prevCondLst>
-              <p:nextCondLst>
-                <p:cond evt="onNext" delay="0">
-                  <p:tgtEl>
-                    <p:sldTgt/>
-                  </p:tgtEl>
-                </p:cond>
-              </p:nextCondLst>
-            </p:seq>
-          </p:childTnLst>
-        </p:cTn>
-      </p:par>
-    </p:tnLst>
-    <p:bldLst>
-      <p:bldP spid="7" grpId="0" animBg="1"/>
-      <p:bldP spid="7" grpId="1" animBg="1"/>
-      <p:bldP spid="8" grpId="0" animBg="1"/>
-      <p:bldP spid="8" grpId="1" animBg="1"/>
-      <p:bldP spid="9" grpId="0" animBg="1"/>
-      <p:bldP spid="10" grpId="0" animBg="1"/>
-      <p:bldP spid="11" grpId="0" animBg="1"/>
-      <p:bldP spid="11" grpId="1" animBg="1"/>
-      <p:bldP spid="12" grpId="0" animBg="1"/>
-    </p:bldLst>
   </p:timing>
 </p:sld>
 </file>
@@ -12842,21 +13862,6 @@
 </file>
 
 <file path=customXml/item1.xml><?xml version="1.0" encoding="utf-8"?>
-<p:properties xmlns:p="http://schemas.microsoft.com/office/2006/metadata/properties" xmlns:xsi="http://www.w3.org/2001/XMLSchema-instance" xmlns:pc="http://schemas.microsoft.com/office/infopath/2007/PartnerControls">
-  <documentManagement/>
-</p:properties>
-</file>
-
-<file path=customXml/item2.xml><?xml version="1.0" encoding="utf-8"?>
-<?mso-contentType ?>
-<FormTemplates xmlns="http://schemas.microsoft.com/sharepoint/v3/contenttype/forms">
-  <Display>DocumentLibraryForm</Display>
-  <Edit>DocumentLibraryForm</Edit>
-  <New>DocumentLibraryForm</New>
-</FormTemplates>
-</file>
-
-<file path=customXml/item3.xml><?xml version="1.0" encoding="utf-8"?>
 <ct:contentTypeSchema xmlns:ct="http://schemas.microsoft.com/office/2006/metadata/contentType" xmlns:ma="http://schemas.microsoft.com/office/2006/metadata/properties/metaAttributes" ct:_="" ma:_="" ma:contentTypeName="Document" ma:contentTypeID="0x010100CF3CFFA86DA93345A891C3CCBC738F63" ma:contentTypeVersion="1" ma:contentTypeDescription="Create a new document." ma:contentTypeScope="" ma:versionID="060e45d69093970729cdde03e78aa3cc">
   <xsd:schema xmlns:xsd="http://www.w3.org/2001/XMLSchema" xmlns:xs="http://www.w3.org/2001/XMLSchema" xmlns:p="http://schemas.microsoft.com/office/2006/metadata/properties" xmlns:ns3="ecd1fa32-ae44-48d6-80a1-71a52da60b4a" targetNamespace="http://schemas.microsoft.com/office/2006/metadata/properties" ma:root="true" ma:fieldsID="2fc9741b54117334ed0e10932dac3600" ns3:_="">
     <xsd:import namespace="ecd1fa32-ae44-48d6-80a1-71a52da60b4a"/>
@@ -12996,31 +14001,22 @@
 </ct:contentTypeSchema>
 </file>
 
-<file path=customXml/itemProps1.xml><?xml version="1.0" encoding="utf-8"?>
-<ds:datastoreItem xmlns:ds="http://schemas.openxmlformats.org/officeDocument/2006/customXml" ds:itemID="{7025FDD9-4C58-4084-9F89-0E6ADD6FFF55}">
-  <ds:schemaRefs>
-    <ds:schemaRef ds:uri="http://schemas.microsoft.com/office/2006/documentManagement/types"/>
-    <ds:schemaRef ds:uri="http://schemas.microsoft.com/office/infopath/2007/PartnerControls"/>
-    <ds:schemaRef ds:uri="ecd1fa32-ae44-48d6-80a1-71a52da60b4a"/>
-    <ds:schemaRef ds:uri="http://purl.org/dc/elements/1.1/"/>
-    <ds:schemaRef ds:uri="http://schemas.microsoft.com/office/2006/metadata/properties"/>
-    <ds:schemaRef ds:uri="http://purl.org/dc/terms/"/>
-    <ds:schemaRef ds:uri="http://schemas.openxmlformats.org/package/2006/metadata/core-properties"/>
-    <ds:schemaRef ds:uri="http://www.w3.org/XML/1998/namespace"/>
-    <ds:schemaRef ds:uri="http://purl.org/dc/dcmitype/"/>
-  </ds:schemaRefs>
-</ds:datastoreItem>
+<file path=customXml/item2.xml><?xml version="1.0" encoding="utf-8"?>
+<?mso-contentType ?>
+<FormTemplates xmlns="http://schemas.microsoft.com/sharepoint/v3/contenttype/forms">
+  <Display>DocumentLibraryForm</Display>
+  <Edit>DocumentLibraryForm</Edit>
+  <New>DocumentLibraryForm</New>
+</FormTemplates>
 </file>
 
-<file path=customXml/itemProps2.xml><?xml version="1.0" encoding="utf-8"?>
-<ds:datastoreItem xmlns:ds="http://schemas.openxmlformats.org/officeDocument/2006/customXml" ds:itemID="{B0CA13EC-1D3C-4D6F-8D1C-E8A452CFC79A}">
-  <ds:schemaRefs>
-    <ds:schemaRef ds:uri="http://schemas.microsoft.com/sharepoint/v3/contenttype/forms"/>
-  </ds:schemaRefs>
-</ds:datastoreItem>
+<file path=customXml/item3.xml><?xml version="1.0" encoding="utf-8"?>
+<p:properties xmlns:p="http://schemas.microsoft.com/office/2006/metadata/properties" xmlns:xsi="http://www.w3.org/2001/XMLSchema-instance" xmlns:pc="http://schemas.microsoft.com/office/infopath/2007/PartnerControls">
+  <documentManagement/>
+</p:properties>
 </file>
 
-<file path=customXml/itemProps3.xml><?xml version="1.0" encoding="utf-8"?>
+<file path=customXml/itemProps1.xml><?xml version="1.0" encoding="utf-8"?>
 <ds:datastoreItem xmlns:ds="http://schemas.openxmlformats.org/officeDocument/2006/customXml" ds:itemID="{A545FFDC-6555-4FAD-8A13-72F96FEB882E}">
   <ds:schemaRefs>
     <ds:schemaRef ds:uri="http://schemas.microsoft.com/office/2006/metadata/contentType"/>
@@ -13036,4 +14032,28 @@
     <ds:schemaRef ds:uri="http://schemas.microsoft.com/internal/obd"/>
   </ds:schemaRefs>
 </ds:datastoreItem>
+</file>
+
+<file path=customXml/itemProps2.xml><?xml version="1.0" encoding="utf-8"?>
+<ds:datastoreItem xmlns:ds="http://schemas.openxmlformats.org/officeDocument/2006/customXml" ds:itemID="{B0CA13EC-1D3C-4D6F-8D1C-E8A452CFC79A}">
+  <ds:schemaRefs>
+    <ds:schemaRef ds:uri="http://schemas.microsoft.com/sharepoint/v3/contenttype/forms"/>
+  </ds:schemaRefs>
+</ds:datastoreItem>
+</file>
+
+<file path=customXml/itemProps3.xml><?xml version="1.0" encoding="utf-8"?>
+<ds:datastoreItem xmlns:ds="http://schemas.openxmlformats.org/officeDocument/2006/customXml" ds:itemID="{7025FDD9-4C58-4084-9F89-0E6ADD6FFF55}">
+  <ds:schemaRefs>
+    <ds:schemaRef ds:uri="http://schemas.microsoft.com/office/2006/documentManagement/types"/>
+    <ds:schemaRef ds:uri="http://schemas.microsoft.com/office/infopath/2007/PartnerControls"/>
+    <ds:schemaRef ds:uri="ecd1fa32-ae44-48d6-80a1-71a52da60b4a"/>
+    <ds:schemaRef ds:uri="http://purl.org/dc/elements/1.1/"/>
+    <ds:schemaRef ds:uri="http://schemas.microsoft.com/office/2006/metadata/properties"/>
+    <ds:schemaRef ds:uri="http://purl.org/dc/terms/"/>
+    <ds:schemaRef ds:uri="http://schemas.openxmlformats.org/package/2006/metadata/core-properties"/>
+    <ds:schemaRef ds:uri="http://www.w3.org/XML/1998/namespace"/>
+    <ds:schemaRef ds:uri="http://purl.org/dc/dcmitype/"/>
+  </ds:schemaRefs>
+</ds:datastoreItem>
 </file>